--- a/doc/TooSimple小组工作汇报/TooSimple小组第五周汇报.pptx
+++ b/doc/TooSimple小组工作汇报/TooSimple小组第五周汇报.pptx
@@ -5,89 +5,89 @@
     <p:sldMasterId id="2147483648" r:id="rId1"/>
   </p:sldMasterIdLst>
   <p:notesMasterIdLst>
-    <p:notesMasterId r:id="rId5"/>
+    <p:notesMasterId r:id="rId82"/>
   </p:notesMasterIdLst>
   <p:sldIdLst>
-    <p:sldId id="256" r:id="rId3"/>
-    <p:sldId id="378" r:id="rId4"/>
-    <p:sldId id="461" r:id="rId6"/>
-    <p:sldId id="476" r:id="rId7"/>
-    <p:sldId id="477" r:id="rId8"/>
-    <p:sldId id="478" r:id="rId9"/>
-    <p:sldId id="479" r:id="rId10"/>
-    <p:sldId id="480" r:id="rId11"/>
-    <p:sldId id="481" r:id="rId12"/>
-    <p:sldId id="482" r:id="rId13"/>
-    <p:sldId id="483" r:id="rId14"/>
-    <p:sldId id="484" r:id="rId15"/>
-    <p:sldId id="485" r:id="rId16"/>
-    <p:sldId id="486" r:id="rId17"/>
-    <p:sldId id="487" r:id="rId18"/>
-    <p:sldId id="488" r:id="rId19"/>
-    <p:sldId id="489" r:id="rId20"/>
-    <p:sldId id="490" r:id="rId21"/>
-    <p:sldId id="491" r:id="rId22"/>
-    <p:sldId id="492" r:id="rId23"/>
-    <p:sldId id="493" r:id="rId24"/>
-    <p:sldId id="494" r:id="rId25"/>
-    <p:sldId id="495" r:id="rId26"/>
-    <p:sldId id="496" r:id="rId27"/>
-    <p:sldId id="497" r:id="rId28"/>
-    <p:sldId id="498" r:id="rId29"/>
-    <p:sldId id="499" r:id="rId30"/>
-    <p:sldId id="500" r:id="rId31"/>
-    <p:sldId id="257" r:id="rId32"/>
-    <p:sldId id="380" r:id="rId33"/>
-    <p:sldId id="296" r:id="rId34"/>
-    <p:sldId id="297" r:id="rId35"/>
-    <p:sldId id="298" r:id="rId36"/>
-    <p:sldId id="301" r:id="rId37"/>
-    <p:sldId id="299" r:id="rId38"/>
-    <p:sldId id="300" r:id="rId39"/>
-    <p:sldId id="302" r:id="rId40"/>
-    <p:sldId id="303" r:id="rId41"/>
-    <p:sldId id="326" r:id="rId42"/>
-    <p:sldId id="327" r:id="rId43"/>
-    <p:sldId id="328" r:id="rId44"/>
-    <p:sldId id="329" r:id="rId45"/>
-    <p:sldId id="330" r:id="rId46"/>
-    <p:sldId id="331" r:id="rId47"/>
-    <p:sldId id="332" r:id="rId48"/>
-    <p:sldId id="333" r:id="rId49"/>
-    <p:sldId id="334" r:id="rId50"/>
-    <p:sldId id="335" r:id="rId51"/>
-    <p:sldId id="336" r:id="rId52"/>
-    <p:sldId id="337" r:id="rId53"/>
-    <p:sldId id="338" r:id="rId54"/>
-    <p:sldId id="339" r:id="rId55"/>
-    <p:sldId id="340" r:id="rId56"/>
-    <p:sldId id="341" r:id="rId57"/>
-    <p:sldId id="342" r:id="rId58"/>
-    <p:sldId id="343" r:id="rId59"/>
-    <p:sldId id="344" r:id="rId60"/>
-    <p:sldId id="345" r:id="rId61"/>
-    <p:sldId id="346" r:id="rId62"/>
-    <p:sldId id="348" r:id="rId63"/>
-    <p:sldId id="349" r:id="rId64"/>
-    <p:sldId id="350" r:id="rId65"/>
-    <p:sldId id="351" r:id="rId66"/>
-    <p:sldId id="352" r:id="rId67"/>
-    <p:sldId id="353" r:id="rId68"/>
-    <p:sldId id="354" r:id="rId69"/>
-    <p:sldId id="355" r:id="rId70"/>
-    <p:sldId id="501" r:id="rId71"/>
-    <p:sldId id="502" r:id="rId72"/>
-    <p:sldId id="503" r:id="rId73"/>
-    <p:sldId id="504" r:id="rId74"/>
-    <p:sldId id="505" r:id="rId75"/>
-    <p:sldId id="506" r:id="rId76"/>
-    <p:sldId id="507" r:id="rId77"/>
-    <p:sldId id="508" r:id="rId78"/>
-    <p:sldId id="509" r:id="rId79"/>
-    <p:sldId id="510" r:id="rId80"/>
-    <p:sldId id="511" r:id="rId81"/>
-    <p:sldId id="512" r:id="rId82"/>
-    <p:sldId id="513" r:id="rId83"/>
+    <p:sldId id="256" r:id="rId2"/>
+    <p:sldId id="378" r:id="rId3"/>
+    <p:sldId id="461" r:id="rId4"/>
+    <p:sldId id="476" r:id="rId5"/>
+    <p:sldId id="477" r:id="rId6"/>
+    <p:sldId id="478" r:id="rId7"/>
+    <p:sldId id="479" r:id="rId8"/>
+    <p:sldId id="480" r:id="rId9"/>
+    <p:sldId id="481" r:id="rId10"/>
+    <p:sldId id="482" r:id="rId11"/>
+    <p:sldId id="483" r:id="rId12"/>
+    <p:sldId id="484" r:id="rId13"/>
+    <p:sldId id="485" r:id="rId14"/>
+    <p:sldId id="486" r:id="rId15"/>
+    <p:sldId id="487" r:id="rId16"/>
+    <p:sldId id="488" r:id="rId17"/>
+    <p:sldId id="489" r:id="rId18"/>
+    <p:sldId id="490" r:id="rId19"/>
+    <p:sldId id="491" r:id="rId20"/>
+    <p:sldId id="492" r:id="rId21"/>
+    <p:sldId id="493" r:id="rId22"/>
+    <p:sldId id="494" r:id="rId23"/>
+    <p:sldId id="495" r:id="rId24"/>
+    <p:sldId id="496" r:id="rId25"/>
+    <p:sldId id="497" r:id="rId26"/>
+    <p:sldId id="498" r:id="rId27"/>
+    <p:sldId id="499" r:id="rId28"/>
+    <p:sldId id="500" r:id="rId29"/>
+    <p:sldId id="257" r:id="rId30"/>
+    <p:sldId id="380" r:id="rId31"/>
+    <p:sldId id="296" r:id="rId32"/>
+    <p:sldId id="297" r:id="rId33"/>
+    <p:sldId id="298" r:id="rId34"/>
+    <p:sldId id="301" r:id="rId35"/>
+    <p:sldId id="299" r:id="rId36"/>
+    <p:sldId id="300" r:id="rId37"/>
+    <p:sldId id="302" r:id="rId38"/>
+    <p:sldId id="303" r:id="rId39"/>
+    <p:sldId id="326" r:id="rId40"/>
+    <p:sldId id="327" r:id="rId41"/>
+    <p:sldId id="328" r:id="rId42"/>
+    <p:sldId id="329" r:id="rId43"/>
+    <p:sldId id="330" r:id="rId44"/>
+    <p:sldId id="331" r:id="rId45"/>
+    <p:sldId id="332" r:id="rId46"/>
+    <p:sldId id="333" r:id="rId47"/>
+    <p:sldId id="334" r:id="rId48"/>
+    <p:sldId id="335" r:id="rId49"/>
+    <p:sldId id="336" r:id="rId50"/>
+    <p:sldId id="337" r:id="rId51"/>
+    <p:sldId id="338" r:id="rId52"/>
+    <p:sldId id="339" r:id="rId53"/>
+    <p:sldId id="340" r:id="rId54"/>
+    <p:sldId id="341" r:id="rId55"/>
+    <p:sldId id="342" r:id="rId56"/>
+    <p:sldId id="343" r:id="rId57"/>
+    <p:sldId id="344" r:id="rId58"/>
+    <p:sldId id="345" r:id="rId59"/>
+    <p:sldId id="346" r:id="rId60"/>
+    <p:sldId id="348" r:id="rId61"/>
+    <p:sldId id="349" r:id="rId62"/>
+    <p:sldId id="350" r:id="rId63"/>
+    <p:sldId id="351" r:id="rId64"/>
+    <p:sldId id="352" r:id="rId65"/>
+    <p:sldId id="353" r:id="rId66"/>
+    <p:sldId id="354" r:id="rId67"/>
+    <p:sldId id="355" r:id="rId68"/>
+    <p:sldId id="501" r:id="rId69"/>
+    <p:sldId id="502" r:id="rId70"/>
+    <p:sldId id="503" r:id="rId71"/>
+    <p:sldId id="504" r:id="rId72"/>
+    <p:sldId id="505" r:id="rId73"/>
+    <p:sldId id="506" r:id="rId74"/>
+    <p:sldId id="507" r:id="rId75"/>
+    <p:sldId id="508" r:id="rId76"/>
+    <p:sldId id="509" r:id="rId77"/>
+    <p:sldId id="510" r:id="rId78"/>
+    <p:sldId id="511" r:id="rId79"/>
+    <p:sldId id="512" r:id="rId80"/>
+    <p:sldId id="513" r:id="rId81"/>
   </p:sldIdLst>
   <p:sldSz cx="9144000" cy="6858000" type="screen4x3"/>
   <p:notesSz cx="6858000" cy="9144000"/>
@@ -186,6 +186,14 @@
       </a:defRPr>
     </a:lvl9pPr>
   </p:defaultTextStyle>
+  <p:extLst>
+    <p:ext uri="{EFAFB233-063F-42B5-8137-9DF3F51BA10A}">
+      <p15:sldGuideLst xmlns:p15="http://schemas.microsoft.com/office/powerpoint/2012/main"/>
+    </p:ext>
+    <p:ext uri="{2D200454-40CA-4A62-9FC3-DE9A4176ACB9}">
+      <p15:notesGuideLst xmlns:p15="http://schemas.microsoft.com/office/powerpoint/2012/main"/>
+    </p:ext>
+  </p:extLst>
 </p:presentation>
 </file>
 
@@ -271,6 +279,7 @@
           <a:p>
             <a:fld id="{3EFD42F7-718C-4B98-AAEC-167E6DDD60A7}" type="datetimeFigureOut">
               <a:rPr lang="en-US" smtClean="0"/>
+              <a:t>4/1/16</a:t>
             </a:fld>
             <a:endParaRPr lang="en-US"/>
           </a:p>
@@ -337,7 +346,6 @@
               <a:rPr lang="en-US" smtClean="0"/>
               <a:t>Click to edit Master text styles</a:t>
             </a:r>
-            <a:endParaRPr lang="en-US" smtClean="0"/>
           </a:p>
           <a:p>
             <a:pPr lvl="1"/>
@@ -345,7 +353,6 @@
               <a:rPr lang="en-US" smtClean="0"/>
               <a:t>Second level</a:t>
             </a:r>
-            <a:endParaRPr lang="en-US" smtClean="0"/>
           </a:p>
           <a:p>
             <a:pPr lvl="2"/>
@@ -353,7 +360,6 @@
               <a:rPr lang="en-US" smtClean="0"/>
               <a:t>Third level</a:t>
             </a:r>
-            <a:endParaRPr lang="en-US" smtClean="0"/>
           </a:p>
           <a:p>
             <a:pPr lvl="3"/>
@@ -361,7 +367,6 @@
               <a:rPr lang="en-US" smtClean="0"/>
               <a:t>Fourth level</a:t>
             </a:r>
-            <a:endParaRPr lang="en-US" smtClean="0"/>
           </a:p>
           <a:p>
             <a:pPr lvl="4"/>
@@ -433,12 +438,18 @@
           <a:p>
             <a:fld id="{21B2AA4F-B828-4D7C-AFD3-893933DAFCB4}" type="slidenum">
               <a:rPr lang="en-US" smtClean="0"/>
+              <a:t>‹#›</a:t>
             </a:fld>
             <a:endParaRPr lang="en-US"/>
           </a:p>
         </p:txBody>
       </p:sp>
     </p:spTree>
+    <p:extLst>
+      <p:ext uri="{BB962C8B-B14F-4D97-AF65-F5344CB8AC3E}">
+        <p14:creationId xmlns:p14="http://schemas.microsoft.com/office/powerpoint/2010/main" val="814807342"/>
+      </p:ext>
+    </p:extLst>
   </p:cSld>
   <p:clrMap bg1="lt1" tx1="dk1" bg2="lt2" tx2="dk2" accent1="accent1" accent2="accent2" accent3="accent3" accent4="accent4" accent5="accent5" accent6="accent6" hlink="hlink" folHlink="folHlink"/>
   <p:notesStyle>
@@ -646,6 +657,7 @@
               <a:rPr lang="zh-CN" altLang="en-US" sz="1200" dirty="0">
                 <a:latin typeface="Calibri" charset="0"/>
               </a:rPr>
+              <a:t>2</a:t>
             </a:fld>
             <a:endParaRPr lang="zh-CN" altLang="en-US" sz="1200" dirty="0">
               <a:latin typeface="Calibri" charset="0"/>
@@ -654,6 +666,11 @@
         </p:txBody>
       </p:sp>
     </p:spTree>
+    <p:extLst>
+      <p:ext uri="{BB962C8B-B14F-4D97-AF65-F5344CB8AC3E}">
+        <p14:creationId xmlns:p14="http://schemas.microsoft.com/office/powerpoint/2010/main" val="2111263722"/>
+      </p:ext>
+    </p:extLst>
   </p:cSld>
   <p:clrMapOvr>
     <a:masterClrMapping/>
@@ -670,11 +687,20 @@
         <p:cNvGrpSpPr/>
         <p:nvPr/>
       </p:nvGrpSpPr>
-      <p:grpSpPr/>
+      <p:grpSpPr>
+        <a:xfrm>
+          <a:off x="0" y="0"/>
+          <a:ext cx="0" cy="0"/>
+          <a:chOff x="0" y="0"/>
+          <a:chExt cx="0" cy="0"/>
+        </a:xfrm>
+      </p:grpSpPr>
       <p:sp>
         <p:nvSpPr>
           <p:cNvPr id="2" name="Slide Image Placeholder 1"/>
-          <p:cNvSpPr/>
+          <p:cNvSpPr>
+            <a:spLocks noGrp="1" noRot="1" noChangeAspect="1"/>
+          </p:cNvSpPr>
           <p:nvPr>
             <p:ph type="sldImg" idx="2"/>
           </p:nvPr>
@@ -684,7 +710,9 @@
       <p:sp>
         <p:nvSpPr>
           <p:cNvPr id="3" name="Text Placeholder 2"/>
-          <p:cNvSpPr/>
+          <p:cNvSpPr>
+            <a:spLocks noGrp="1"/>
+          </p:cNvSpPr>
           <p:nvPr>
             <p:ph type="body" idx="3"/>
           </p:nvPr>
@@ -692,6 +720,7 @@
         <p:spPr/>
         <p:txBody>
           <a:bodyPr/>
+          <a:lstStyle/>
           <a:p>
             <a:endParaRPr lang="en-US"/>
           </a:p>
@@ -710,15 +739,22 @@
         <p:spPr/>
         <p:txBody>
           <a:bodyPr/>
+          <a:lstStyle/>
           <a:p>
             <a:fld id="{21B2AA4F-B828-4D7C-AFD3-893933DAFCB4}" type="slidenum">
               <a:rPr lang="en-US" smtClean="0"/>
+              <a:t>24</a:t>
             </a:fld>
             <a:endParaRPr lang="en-US"/>
           </a:p>
         </p:txBody>
       </p:sp>
     </p:spTree>
+    <p:extLst>
+      <p:ext uri="{BB962C8B-B14F-4D97-AF65-F5344CB8AC3E}">
+        <p14:creationId xmlns:p14="http://schemas.microsoft.com/office/powerpoint/2010/main" val="274509280"/>
+      </p:ext>
+    </p:extLst>
   </p:cSld>
   <p:clrMapOvr>
     <a:masterClrMapping/>
@@ -735,11 +771,20 @@
         <p:cNvGrpSpPr/>
         <p:nvPr/>
       </p:nvGrpSpPr>
-      <p:grpSpPr/>
+      <p:grpSpPr>
+        <a:xfrm>
+          <a:off x="0" y="0"/>
+          <a:ext cx="0" cy="0"/>
+          <a:chOff x="0" y="0"/>
+          <a:chExt cx="0" cy="0"/>
+        </a:xfrm>
+      </p:grpSpPr>
       <p:sp>
         <p:nvSpPr>
           <p:cNvPr id="2" name="Slide Image Placeholder 1"/>
-          <p:cNvSpPr/>
+          <p:cNvSpPr>
+            <a:spLocks noGrp="1" noRot="1" noChangeAspect="1"/>
+          </p:cNvSpPr>
           <p:nvPr>
             <p:ph type="sldImg" idx="2"/>
           </p:nvPr>
@@ -749,7 +794,9 @@
       <p:sp>
         <p:nvSpPr>
           <p:cNvPr id="3" name="Text Placeholder 2"/>
-          <p:cNvSpPr/>
+          <p:cNvSpPr>
+            <a:spLocks noGrp="1"/>
+          </p:cNvSpPr>
           <p:nvPr>
             <p:ph type="body" idx="3"/>
           </p:nvPr>
@@ -757,6 +804,7 @@
         <p:spPr/>
         <p:txBody>
           <a:bodyPr/>
+          <a:lstStyle/>
           <a:p>
             <a:endParaRPr lang="en-US"/>
           </a:p>
@@ -775,15 +823,22 @@
         <p:spPr/>
         <p:txBody>
           <a:bodyPr/>
+          <a:lstStyle/>
           <a:p>
             <a:fld id="{21B2AA4F-B828-4D7C-AFD3-893933DAFCB4}" type="slidenum">
               <a:rPr lang="en-US" smtClean="0"/>
+              <a:t>25</a:t>
             </a:fld>
             <a:endParaRPr lang="en-US"/>
           </a:p>
         </p:txBody>
       </p:sp>
     </p:spTree>
+    <p:extLst>
+      <p:ext uri="{BB962C8B-B14F-4D97-AF65-F5344CB8AC3E}">
+        <p14:creationId xmlns:p14="http://schemas.microsoft.com/office/powerpoint/2010/main" val="882595204"/>
+      </p:ext>
+    </p:extLst>
   </p:cSld>
   <p:clrMapOvr>
     <a:masterClrMapping/>
@@ -800,11 +855,20 @@
         <p:cNvGrpSpPr/>
         <p:nvPr/>
       </p:nvGrpSpPr>
-      <p:grpSpPr/>
+      <p:grpSpPr>
+        <a:xfrm>
+          <a:off x="0" y="0"/>
+          <a:ext cx="0" cy="0"/>
+          <a:chOff x="0" y="0"/>
+          <a:chExt cx="0" cy="0"/>
+        </a:xfrm>
+      </p:grpSpPr>
       <p:sp>
         <p:nvSpPr>
           <p:cNvPr id="2" name="Slide Image Placeholder 1"/>
-          <p:cNvSpPr/>
+          <p:cNvSpPr>
+            <a:spLocks noGrp="1" noRot="1" noChangeAspect="1"/>
+          </p:cNvSpPr>
           <p:nvPr>
             <p:ph type="sldImg" idx="2"/>
           </p:nvPr>
@@ -814,7 +878,9 @@
       <p:sp>
         <p:nvSpPr>
           <p:cNvPr id="3" name="Text Placeholder 2"/>
-          <p:cNvSpPr/>
+          <p:cNvSpPr>
+            <a:spLocks noGrp="1"/>
+          </p:cNvSpPr>
           <p:nvPr>
             <p:ph type="body" idx="3"/>
           </p:nvPr>
@@ -822,6 +888,7 @@
         <p:spPr/>
         <p:txBody>
           <a:bodyPr/>
+          <a:lstStyle/>
           <a:p>
             <a:endParaRPr lang="en-US"/>
           </a:p>
@@ -840,15 +907,22 @@
         <p:spPr/>
         <p:txBody>
           <a:bodyPr/>
+          <a:lstStyle/>
           <a:p>
             <a:fld id="{21B2AA4F-B828-4D7C-AFD3-893933DAFCB4}" type="slidenum">
               <a:rPr lang="en-US" smtClean="0"/>
+              <a:t>26</a:t>
             </a:fld>
             <a:endParaRPr lang="en-US"/>
           </a:p>
         </p:txBody>
       </p:sp>
     </p:spTree>
+    <p:extLst>
+      <p:ext uri="{BB962C8B-B14F-4D97-AF65-F5344CB8AC3E}">
+        <p14:creationId xmlns:p14="http://schemas.microsoft.com/office/powerpoint/2010/main" val="1108043799"/>
+      </p:ext>
+    </p:extLst>
   </p:cSld>
   <p:clrMapOvr>
     <a:masterClrMapping/>
@@ -865,11 +939,20 @@
         <p:cNvGrpSpPr/>
         <p:nvPr/>
       </p:nvGrpSpPr>
-      <p:grpSpPr/>
+      <p:grpSpPr>
+        <a:xfrm>
+          <a:off x="0" y="0"/>
+          <a:ext cx="0" cy="0"/>
+          <a:chOff x="0" y="0"/>
+          <a:chExt cx="0" cy="0"/>
+        </a:xfrm>
+      </p:grpSpPr>
       <p:sp>
         <p:nvSpPr>
           <p:cNvPr id="2" name="Slide Image Placeholder 1"/>
-          <p:cNvSpPr/>
+          <p:cNvSpPr>
+            <a:spLocks noGrp="1" noRot="1" noChangeAspect="1"/>
+          </p:cNvSpPr>
           <p:nvPr>
             <p:ph type="sldImg" idx="2"/>
           </p:nvPr>
@@ -879,7 +962,9 @@
       <p:sp>
         <p:nvSpPr>
           <p:cNvPr id="3" name="Text Placeholder 2"/>
-          <p:cNvSpPr/>
+          <p:cNvSpPr>
+            <a:spLocks noGrp="1"/>
+          </p:cNvSpPr>
           <p:nvPr>
             <p:ph type="body" idx="3"/>
           </p:nvPr>
@@ -887,6 +972,7 @@
         <p:spPr/>
         <p:txBody>
           <a:bodyPr/>
+          <a:lstStyle/>
           <a:p>
             <a:endParaRPr lang="en-US"/>
           </a:p>
@@ -905,15 +991,22 @@
         <p:spPr/>
         <p:txBody>
           <a:bodyPr/>
+          <a:lstStyle/>
           <a:p>
             <a:fld id="{21B2AA4F-B828-4D7C-AFD3-893933DAFCB4}" type="slidenum">
               <a:rPr lang="en-US" smtClean="0"/>
+              <a:t>27</a:t>
             </a:fld>
             <a:endParaRPr lang="en-US"/>
           </a:p>
         </p:txBody>
       </p:sp>
     </p:spTree>
+    <p:extLst>
+      <p:ext uri="{BB962C8B-B14F-4D97-AF65-F5344CB8AC3E}">
+        <p14:creationId xmlns:p14="http://schemas.microsoft.com/office/powerpoint/2010/main" val="2061426656"/>
+      </p:ext>
+    </p:extLst>
   </p:cSld>
   <p:clrMapOvr>
     <a:masterClrMapping/>
@@ -930,11 +1023,20 @@
         <p:cNvGrpSpPr/>
         <p:nvPr/>
       </p:nvGrpSpPr>
-      <p:grpSpPr/>
+      <p:grpSpPr>
+        <a:xfrm>
+          <a:off x="0" y="0"/>
+          <a:ext cx="0" cy="0"/>
+          <a:chOff x="0" y="0"/>
+          <a:chExt cx="0" cy="0"/>
+        </a:xfrm>
+      </p:grpSpPr>
       <p:sp>
         <p:nvSpPr>
           <p:cNvPr id="2" name="Slide Image Placeholder 1"/>
-          <p:cNvSpPr/>
+          <p:cNvSpPr>
+            <a:spLocks noGrp="1" noRot="1" noChangeAspect="1"/>
+          </p:cNvSpPr>
           <p:nvPr>
             <p:ph type="sldImg" idx="2"/>
           </p:nvPr>
@@ -944,7 +1046,9 @@
       <p:sp>
         <p:nvSpPr>
           <p:cNvPr id="3" name="Text Placeholder 2"/>
-          <p:cNvSpPr/>
+          <p:cNvSpPr>
+            <a:spLocks noGrp="1"/>
+          </p:cNvSpPr>
           <p:nvPr>
             <p:ph type="body" idx="3"/>
           </p:nvPr>
@@ -952,6 +1056,7 @@
         <p:spPr/>
         <p:txBody>
           <a:bodyPr/>
+          <a:lstStyle/>
           <a:p>
             <a:endParaRPr lang="en-US"/>
           </a:p>
@@ -970,15 +1075,22 @@
         <p:spPr/>
         <p:txBody>
           <a:bodyPr/>
+          <a:lstStyle/>
           <a:p>
             <a:fld id="{21B2AA4F-B828-4D7C-AFD3-893933DAFCB4}" type="slidenum">
               <a:rPr lang="en-US" smtClean="0"/>
+              <a:t>28</a:t>
             </a:fld>
             <a:endParaRPr lang="en-US"/>
           </a:p>
         </p:txBody>
       </p:sp>
     </p:spTree>
+    <p:extLst>
+      <p:ext uri="{BB962C8B-B14F-4D97-AF65-F5344CB8AC3E}">
+        <p14:creationId xmlns:p14="http://schemas.microsoft.com/office/powerpoint/2010/main" val="1044130341"/>
+      </p:ext>
+    </p:extLst>
   </p:cSld>
   <p:clrMapOvr>
     <a:masterClrMapping/>
@@ -995,11 +1107,20 @@
         <p:cNvGrpSpPr/>
         <p:nvPr/>
       </p:nvGrpSpPr>
-      <p:grpSpPr/>
+      <p:grpSpPr>
+        <a:xfrm>
+          <a:off x="0" y="0"/>
+          <a:ext cx="0" cy="0"/>
+          <a:chOff x="0" y="0"/>
+          <a:chExt cx="0" cy="0"/>
+        </a:xfrm>
+      </p:grpSpPr>
       <p:sp>
         <p:nvSpPr>
           <p:cNvPr id="2" name="Slide Image Placeholder 1"/>
-          <p:cNvSpPr/>
+          <p:cNvSpPr>
+            <a:spLocks noGrp="1" noRot="1" noChangeAspect="1"/>
+          </p:cNvSpPr>
           <p:nvPr>
             <p:ph type="sldImg" idx="2"/>
           </p:nvPr>
@@ -1009,7 +1130,9 @@
       <p:sp>
         <p:nvSpPr>
           <p:cNvPr id="3" name="Text Placeholder 2"/>
-          <p:cNvSpPr/>
+          <p:cNvSpPr>
+            <a:spLocks noGrp="1"/>
+          </p:cNvSpPr>
           <p:nvPr>
             <p:ph type="body" idx="3"/>
           </p:nvPr>
@@ -1017,6 +1140,7 @@
         <p:spPr/>
         <p:txBody>
           <a:bodyPr/>
+          <a:lstStyle/>
           <a:p>
             <a:endParaRPr lang="en-US"/>
           </a:p>
@@ -1035,15 +1159,22 @@
         <p:spPr/>
         <p:txBody>
           <a:bodyPr/>
+          <a:lstStyle/>
           <a:p>
             <a:fld id="{21B2AA4F-B828-4D7C-AFD3-893933DAFCB4}" type="slidenum">
               <a:rPr lang="en-US" smtClean="0"/>
+              <a:t>50</a:t>
             </a:fld>
             <a:endParaRPr lang="en-US"/>
           </a:p>
         </p:txBody>
       </p:sp>
     </p:spTree>
+    <p:extLst>
+      <p:ext uri="{BB962C8B-B14F-4D97-AF65-F5344CB8AC3E}">
+        <p14:creationId xmlns:p14="http://schemas.microsoft.com/office/powerpoint/2010/main" val="1609761550"/>
+      </p:ext>
+    </p:extLst>
   </p:cSld>
   <p:clrMapOvr>
     <a:masterClrMapping/>
@@ -1060,11 +1191,20 @@
         <p:cNvGrpSpPr/>
         <p:nvPr/>
       </p:nvGrpSpPr>
-      <p:grpSpPr/>
+      <p:grpSpPr>
+        <a:xfrm>
+          <a:off x="0" y="0"/>
+          <a:ext cx="0" cy="0"/>
+          <a:chOff x="0" y="0"/>
+          <a:chExt cx="0" cy="0"/>
+        </a:xfrm>
+      </p:grpSpPr>
       <p:sp>
         <p:nvSpPr>
           <p:cNvPr id="2" name="Slide Image Placeholder 1"/>
-          <p:cNvSpPr/>
+          <p:cNvSpPr>
+            <a:spLocks noGrp="1" noRot="1" noChangeAspect="1"/>
+          </p:cNvSpPr>
           <p:nvPr>
             <p:ph type="sldImg" idx="2"/>
           </p:nvPr>
@@ -1074,7 +1214,9 @@
       <p:sp>
         <p:nvSpPr>
           <p:cNvPr id="3" name="Text Placeholder 2"/>
-          <p:cNvSpPr/>
+          <p:cNvSpPr>
+            <a:spLocks noGrp="1"/>
+          </p:cNvSpPr>
           <p:nvPr>
             <p:ph type="body" idx="3"/>
           </p:nvPr>
@@ -1082,6 +1224,7 @@
         <p:spPr/>
         <p:txBody>
           <a:bodyPr/>
+          <a:lstStyle/>
           <a:p>
             <a:endParaRPr lang="en-US"/>
           </a:p>
@@ -1100,15 +1243,22 @@
         <p:spPr/>
         <p:txBody>
           <a:bodyPr/>
+          <a:lstStyle/>
           <a:p>
             <a:fld id="{21B2AA4F-B828-4D7C-AFD3-893933DAFCB4}" type="slidenum">
               <a:rPr lang="en-US" smtClean="0"/>
+              <a:t>51</a:t>
             </a:fld>
             <a:endParaRPr lang="en-US"/>
           </a:p>
         </p:txBody>
       </p:sp>
     </p:spTree>
+    <p:extLst>
+      <p:ext uri="{BB962C8B-B14F-4D97-AF65-F5344CB8AC3E}">
+        <p14:creationId xmlns:p14="http://schemas.microsoft.com/office/powerpoint/2010/main" val="1263385944"/>
+      </p:ext>
+    </p:extLst>
   </p:cSld>
   <p:clrMapOvr>
     <a:masterClrMapping/>
@@ -1125,11 +1275,20 @@
         <p:cNvGrpSpPr/>
         <p:nvPr/>
       </p:nvGrpSpPr>
-      <p:grpSpPr/>
+      <p:grpSpPr>
+        <a:xfrm>
+          <a:off x="0" y="0"/>
+          <a:ext cx="0" cy="0"/>
+          <a:chOff x="0" y="0"/>
+          <a:chExt cx="0" cy="0"/>
+        </a:xfrm>
+      </p:grpSpPr>
       <p:sp>
         <p:nvSpPr>
           <p:cNvPr id="2" name="Slide Image Placeholder 1"/>
-          <p:cNvSpPr/>
+          <p:cNvSpPr>
+            <a:spLocks noGrp="1" noRot="1" noChangeAspect="1"/>
+          </p:cNvSpPr>
           <p:nvPr>
             <p:ph type="sldImg" idx="2"/>
           </p:nvPr>
@@ -1139,7 +1298,9 @@
       <p:sp>
         <p:nvSpPr>
           <p:cNvPr id="3" name="Text Placeholder 2"/>
-          <p:cNvSpPr/>
+          <p:cNvSpPr>
+            <a:spLocks noGrp="1"/>
+          </p:cNvSpPr>
           <p:nvPr>
             <p:ph type="body" idx="3"/>
           </p:nvPr>
@@ -1147,6 +1308,7 @@
         <p:spPr/>
         <p:txBody>
           <a:bodyPr/>
+          <a:lstStyle/>
           <a:p>
             <a:endParaRPr lang="en-US"/>
           </a:p>
@@ -1165,15 +1327,22 @@
         <p:spPr/>
         <p:txBody>
           <a:bodyPr/>
+          <a:lstStyle/>
           <a:p>
             <a:fld id="{21B2AA4F-B828-4D7C-AFD3-893933DAFCB4}" type="slidenum">
               <a:rPr lang="en-US" smtClean="0"/>
+              <a:t>52</a:t>
             </a:fld>
             <a:endParaRPr lang="en-US"/>
           </a:p>
         </p:txBody>
       </p:sp>
     </p:spTree>
+    <p:extLst>
+      <p:ext uri="{BB962C8B-B14F-4D97-AF65-F5344CB8AC3E}">
+        <p14:creationId xmlns:p14="http://schemas.microsoft.com/office/powerpoint/2010/main" val="1556742919"/>
+      </p:ext>
+    </p:extLst>
   </p:cSld>
   <p:clrMapOvr>
     <a:masterClrMapping/>
@@ -1190,11 +1359,20 @@
         <p:cNvGrpSpPr/>
         <p:nvPr/>
       </p:nvGrpSpPr>
-      <p:grpSpPr/>
+      <p:grpSpPr>
+        <a:xfrm>
+          <a:off x="0" y="0"/>
+          <a:ext cx="0" cy="0"/>
+          <a:chOff x="0" y="0"/>
+          <a:chExt cx="0" cy="0"/>
+        </a:xfrm>
+      </p:grpSpPr>
       <p:sp>
         <p:nvSpPr>
           <p:cNvPr id="2" name="Slide Image Placeholder 1"/>
-          <p:cNvSpPr/>
+          <p:cNvSpPr>
+            <a:spLocks noGrp="1" noRot="1" noChangeAspect="1"/>
+          </p:cNvSpPr>
           <p:nvPr>
             <p:ph type="sldImg" idx="2"/>
           </p:nvPr>
@@ -1204,7 +1382,9 @@
       <p:sp>
         <p:nvSpPr>
           <p:cNvPr id="3" name="Text Placeholder 2"/>
-          <p:cNvSpPr/>
+          <p:cNvSpPr>
+            <a:spLocks noGrp="1"/>
+          </p:cNvSpPr>
           <p:nvPr>
             <p:ph type="body" idx="3"/>
           </p:nvPr>
@@ -1212,6 +1392,7 @@
         <p:spPr/>
         <p:txBody>
           <a:bodyPr/>
+          <a:lstStyle/>
           <a:p>
             <a:endParaRPr lang="en-US"/>
           </a:p>
@@ -1230,15 +1411,22 @@
         <p:spPr/>
         <p:txBody>
           <a:bodyPr/>
+          <a:lstStyle/>
           <a:p>
             <a:fld id="{21B2AA4F-B828-4D7C-AFD3-893933DAFCB4}" type="slidenum">
               <a:rPr lang="en-US" smtClean="0"/>
+              <a:t>53</a:t>
             </a:fld>
             <a:endParaRPr lang="en-US"/>
           </a:p>
         </p:txBody>
       </p:sp>
     </p:spTree>
+    <p:extLst>
+      <p:ext uri="{BB962C8B-B14F-4D97-AF65-F5344CB8AC3E}">
+        <p14:creationId xmlns:p14="http://schemas.microsoft.com/office/powerpoint/2010/main" val="1384968232"/>
+      </p:ext>
+    </p:extLst>
   </p:cSld>
   <p:clrMapOvr>
     <a:masterClrMapping/>
@@ -1255,11 +1443,20 @@
         <p:cNvGrpSpPr/>
         <p:nvPr/>
       </p:nvGrpSpPr>
-      <p:grpSpPr/>
+      <p:grpSpPr>
+        <a:xfrm>
+          <a:off x="0" y="0"/>
+          <a:ext cx="0" cy="0"/>
+          <a:chOff x="0" y="0"/>
+          <a:chExt cx="0" cy="0"/>
+        </a:xfrm>
+      </p:grpSpPr>
       <p:sp>
         <p:nvSpPr>
           <p:cNvPr id="2" name="Slide Image Placeholder 1"/>
-          <p:cNvSpPr/>
+          <p:cNvSpPr>
+            <a:spLocks noGrp="1" noRot="1" noChangeAspect="1"/>
+          </p:cNvSpPr>
           <p:nvPr>
             <p:ph type="sldImg" idx="2"/>
           </p:nvPr>
@@ -1269,7 +1466,9 @@
       <p:sp>
         <p:nvSpPr>
           <p:cNvPr id="3" name="Text Placeholder 2"/>
-          <p:cNvSpPr/>
+          <p:cNvSpPr>
+            <a:spLocks noGrp="1"/>
+          </p:cNvSpPr>
           <p:nvPr>
             <p:ph type="body" idx="3"/>
           </p:nvPr>
@@ -1277,6 +1476,7 @@
         <p:spPr/>
         <p:txBody>
           <a:bodyPr/>
+          <a:lstStyle/>
           <a:p>
             <a:endParaRPr lang="en-US"/>
           </a:p>
@@ -1295,15 +1495,22 @@
         <p:spPr/>
         <p:txBody>
           <a:bodyPr/>
+          <a:lstStyle/>
           <a:p>
             <a:fld id="{21B2AA4F-B828-4D7C-AFD3-893933DAFCB4}" type="slidenum">
               <a:rPr lang="en-US" smtClean="0"/>
+              <a:t>54</a:t>
             </a:fld>
             <a:endParaRPr lang="en-US"/>
           </a:p>
         </p:txBody>
       </p:sp>
     </p:spTree>
+    <p:extLst>
+      <p:ext uri="{BB962C8B-B14F-4D97-AF65-F5344CB8AC3E}">
+        <p14:creationId xmlns:p14="http://schemas.microsoft.com/office/powerpoint/2010/main" val="585825391"/>
+      </p:ext>
+    </p:extLst>
   </p:cSld>
   <p:clrMapOvr>
     <a:masterClrMapping/>
@@ -1421,6 +1628,7 @@
               <a:rPr lang="zh-CN" altLang="en-US" sz="1200" dirty="0">
                 <a:latin typeface="Calibri" charset="0"/>
               </a:rPr>
+              <a:t>4</a:t>
             </a:fld>
             <a:endParaRPr lang="zh-CN" altLang="en-US" sz="1200" dirty="0">
               <a:latin typeface="Calibri" charset="0"/>
@@ -1429,6 +1637,11 @@
         </p:txBody>
       </p:sp>
     </p:spTree>
+    <p:extLst>
+      <p:ext uri="{BB962C8B-B14F-4D97-AF65-F5344CB8AC3E}">
+        <p14:creationId xmlns:p14="http://schemas.microsoft.com/office/powerpoint/2010/main" val="1137076273"/>
+      </p:ext>
+    </p:extLst>
   </p:cSld>
   <p:clrMapOvr>
     <a:masterClrMapping/>
@@ -1445,11 +1658,20 @@
         <p:cNvGrpSpPr/>
         <p:nvPr/>
       </p:nvGrpSpPr>
-      <p:grpSpPr/>
+      <p:grpSpPr>
+        <a:xfrm>
+          <a:off x="0" y="0"/>
+          <a:ext cx="0" cy="0"/>
+          <a:chOff x="0" y="0"/>
+          <a:chExt cx="0" cy="0"/>
+        </a:xfrm>
+      </p:grpSpPr>
       <p:sp>
         <p:nvSpPr>
           <p:cNvPr id="2" name="Slide Image Placeholder 1"/>
-          <p:cNvSpPr/>
+          <p:cNvSpPr>
+            <a:spLocks noGrp="1" noRot="1" noChangeAspect="1"/>
+          </p:cNvSpPr>
           <p:nvPr>
             <p:ph type="sldImg" idx="2"/>
           </p:nvPr>
@@ -1459,7 +1681,9 @@
       <p:sp>
         <p:nvSpPr>
           <p:cNvPr id="3" name="Text Placeholder 2"/>
-          <p:cNvSpPr/>
+          <p:cNvSpPr>
+            <a:spLocks noGrp="1"/>
+          </p:cNvSpPr>
           <p:nvPr>
             <p:ph type="body" idx="3"/>
           </p:nvPr>
@@ -1467,6 +1691,7 @@
         <p:spPr/>
         <p:txBody>
           <a:bodyPr/>
+          <a:lstStyle/>
           <a:p>
             <a:endParaRPr lang="en-US"/>
           </a:p>
@@ -1485,15 +1710,22 @@
         <p:spPr/>
         <p:txBody>
           <a:bodyPr/>
+          <a:lstStyle/>
           <a:p>
             <a:fld id="{21B2AA4F-B828-4D7C-AFD3-893933DAFCB4}" type="slidenum">
               <a:rPr lang="en-US" smtClean="0"/>
+              <a:t>55</a:t>
             </a:fld>
             <a:endParaRPr lang="en-US"/>
           </a:p>
         </p:txBody>
       </p:sp>
     </p:spTree>
+    <p:extLst>
+      <p:ext uri="{BB962C8B-B14F-4D97-AF65-F5344CB8AC3E}">
+        <p14:creationId xmlns:p14="http://schemas.microsoft.com/office/powerpoint/2010/main" val="1902308689"/>
+      </p:ext>
+    </p:extLst>
   </p:cSld>
   <p:clrMapOvr>
     <a:masterClrMapping/>
@@ -1510,11 +1742,20 @@
         <p:cNvGrpSpPr/>
         <p:nvPr/>
       </p:nvGrpSpPr>
-      <p:grpSpPr/>
+      <p:grpSpPr>
+        <a:xfrm>
+          <a:off x="0" y="0"/>
+          <a:ext cx="0" cy="0"/>
+          <a:chOff x="0" y="0"/>
+          <a:chExt cx="0" cy="0"/>
+        </a:xfrm>
+      </p:grpSpPr>
       <p:sp>
         <p:nvSpPr>
           <p:cNvPr id="2" name="Slide Image Placeholder 1"/>
-          <p:cNvSpPr/>
+          <p:cNvSpPr>
+            <a:spLocks noGrp="1" noRot="1" noChangeAspect="1"/>
+          </p:cNvSpPr>
           <p:nvPr>
             <p:ph type="sldImg" idx="2"/>
           </p:nvPr>
@@ -1524,7 +1765,9 @@
       <p:sp>
         <p:nvSpPr>
           <p:cNvPr id="3" name="Text Placeholder 2"/>
-          <p:cNvSpPr/>
+          <p:cNvSpPr>
+            <a:spLocks noGrp="1"/>
+          </p:cNvSpPr>
           <p:nvPr>
             <p:ph type="body" idx="3"/>
           </p:nvPr>
@@ -1532,6 +1775,7 @@
         <p:spPr/>
         <p:txBody>
           <a:bodyPr/>
+          <a:lstStyle/>
           <a:p>
             <a:endParaRPr lang="en-US"/>
           </a:p>
@@ -1550,15 +1794,22 @@
         <p:spPr/>
         <p:txBody>
           <a:bodyPr/>
+          <a:lstStyle/>
           <a:p>
             <a:fld id="{21B2AA4F-B828-4D7C-AFD3-893933DAFCB4}" type="slidenum">
               <a:rPr lang="en-US" smtClean="0"/>
+              <a:t>56</a:t>
             </a:fld>
             <a:endParaRPr lang="en-US"/>
           </a:p>
         </p:txBody>
       </p:sp>
     </p:spTree>
+    <p:extLst>
+      <p:ext uri="{BB962C8B-B14F-4D97-AF65-F5344CB8AC3E}">
+        <p14:creationId xmlns:p14="http://schemas.microsoft.com/office/powerpoint/2010/main" val="365599487"/>
+      </p:ext>
+    </p:extLst>
   </p:cSld>
   <p:clrMapOvr>
     <a:masterClrMapping/>
@@ -1575,11 +1826,20 @@
         <p:cNvGrpSpPr/>
         <p:nvPr/>
       </p:nvGrpSpPr>
-      <p:grpSpPr/>
+      <p:grpSpPr>
+        <a:xfrm>
+          <a:off x="0" y="0"/>
+          <a:ext cx="0" cy="0"/>
+          <a:chOff x="0" y="0"/>
+          <a:chExt cx="0" cy="0"/>
+        </a:xfrm>
+      </p:grpSpPr>
       <p:sp>
         <p:nvSpPr>
           <p:cNvPr id="2" name="Slide Image Placeholder 1"/>
-          <p:cNvSpPr/>
+          <p:cNvSpPr>
+            <a:spLocks noGrp="1" noRot="1" noChangeAspect="1"/>
+          </p:cNvSpPr>
           <p:nvPr>
             <p:ph type="sldImg" idx="2"/>
           </p:nvPr>
@@ -1589,7 +1849,9 @@
       <p:sp>
         <p:nvSpPr>
           <p:cNvPr id="3" name="Text Placeholder 2"/>
-          <p:cNvSpPr/>
+          <p:cNvSpPr>
+            <a:spLocks noGrp="1"/>
+          </p:cNvSpPr>
           <p:nvPr>
             <p:ph type="body" idx="3"/>
           </p:nvPr>
@@ -1597,6 +1859,7 @@
         <p:spPr/>
         <p:txBody>
           <a:bodyPr/>
+          <a:lstStyle/>
           <a:p>
             <a:endParaRPr lang="en-US"/>
           </a:p>
@@ -1615,15 +1878,22 @@
         <p:spPr/>
         <p:txBody>
           <a:bodyPr/>
+          <a:lstStyle/>
           <a:p>
             <a:fld id="{21B2AA4F-B828-4D7C-AFD3-893933DAFCB4}" type="slidenum">
               <a:rPr lang="en-US" smtClean="0"/>
+              <a:t>57</a:t>
             </a:fld>
             <a:endParaRPr lang="en-US"/>
           </a:p>
         </p:txBody>
       </p:sp>
     </p:spTree>
+    <p:extLst>
+      <p:ext uri="{BB962C8B-B14F-4D97-AF65-F5344CB8AC3E}">
+        <p14:creationId xmlns:p14="http://schemas.microsoft.com/office/powerpoint/2010/main" val="679863942"/>
+      </p:ext>
+    </p:extLst>
   </p:cSld>
   <p:clrMapOvr>
     <a:masterClrMapping/>
@@ -1640,11 +1910,20 @@
         <p:cNvGrpSpPr/>
         <p:nvPr/>
       </p:nvGrpSpPr>
-      <p:grpSpPr/>
+      <p:grpSpPr>
+        <a:xfrm>
+          <a:off x="0" y="0"/>
+          <a:ext cx="0" cy="0"/>
+          <a:chOff x="0" y="0"/>
+          <a:chExt cx="0" cy="0"/>
+        </a:xfrm>
+      </p:grpSpPr>
       <p:sp>
         <p:nvSpPr>
           <p:cNvPr id="2" name="Slide Image Placeholder 1"/>
-          <p:cNvSpPr/>
+          <p:cNvSpPr>
+            <a:spLocks noGrp="1" noRot="1" noChangeAspect="1"/>
+          </p:cNvSpPr>
           <p:nvPr>
             <p:ph type="sldImg" idx="2"/>
           </p:nvPr>
@@ -1654,7 +1933,9 @@
       <p:sp>
         <p:nvSpPr>
           <p:cNvPr id="3" name="Text Placeholder 2"/>
-          <p:cNvSpPr/>
+          <p:cNvSpPr>
+            <a:spLocks noGrp="1"/>
+          </p:cNvSpPr>
           <p:nvPr>
             <p:ph type="body" idx="3"/>
           </p:nvPr>
@@ -1662,6 +1943,7 @@
         <p:spPr/>
         <p:txBody>
           <a:bodyPr/>
+          <a:lstStyle/>
           <a:p>
             <a:endParaRPr lang="en-US"/>
           </a:p>
@@ -1680,15 +1962,22 @@
         <p:spPr/>
         <p:txBody>
           <a:bodyPr/>
+          <a:lstStyle/>
           <a:p>
             <a:fld id="{21B2AA4F-B828-4D7C-AFD3-893933DAFCB4}" type="slidenum">
               <a:rPr lang="en-US" smtClean="0"/>
+              <a:t>58</a:t>
             </a:fld>
             <a:endParaRPr lang="en-US"/>
           </a:p>
         </p:txBody>
       </p:sp>
     </p:spTree>
+    <p:extLst>
+      <p:ext uri="{BB962C8B-B14F-4D97-AF65-F5344CB8AC3E}">
+        <p14:creationId xmlns:p14="http://schemas.microsoft.com/office/powerpoint/2010/main" val="1860271154"/>
+      </p:ext>
+    </p:extLst>
   </p:cSld>
   <p:clrMapOvr>
     <a:masterClrMapping/>
@@ -1705,11 +1994,20 @@
         <p:cNvGrpSpPr/>
         <p:nvPr/>
       </p:nvGrpSpPr>
-      <p:grpSpPr/>
+      <p:grpSpPr>
+        <a:xfrm>
+          <a:off x="0" y="0"/>
+          <a:ext cx="0" cy="0"/>
+          <a:chOff x="0" y="0"/>
+          <a:chExt cx="0" cy="0"/>
+        </a:xfrm>
+      </p:grpSpPr>
       <p:sp>
         <p:nvSpPr>
           <p:cNvPr id="2" name="Slide Image Placeholder 1"/>
-          <p:cNvSpPr/>
+          <p:cNvSpPr>
+            <a:spLocks noGrp="1" noRot="1" noChangeAspect="1"/>
+          </p:cNvSpPr>
           <p:nvPr>
             <p:ph type="sldImg" idx="2"/>
           </p:nvPr>
@@ -1719,7 +2017,9 @@
       <p:sp>
         <p:nvSpPr>
           <p:cNvPr id="3" name="Text Placeholder 2"/>
-          <p:cNvSpPr/>
+          <p:cNvSpPr>
+            <a:spLocks noGrp="1"/>
+          </p:cNvSpPr>
           <p:nvPr>
             <p:ph type="body" idx="3"/>
           </p:nvPr>
@@ -1727,6 +2027,7 @@
         <p:spPr/>
         <p:txBody>
           <a:bodyPr/>
+          <a:lstStyle/>
           <a:p>
             <a:endParaRPr lang="en-US"/>
           </a:p>
@@ -1745,15 +2046,22 @@
         <p:spPr/>
         <p:txBody>
           <a:bodyPr/>
+          <a:lstStyle/>
           <a:p>
             <a:fld id="{21B2AA4F-B828-4D7C-AFD3-893933DAFCB4}" type="slidenum">
               <a:rPr lang="en-US" smtClean="0"/>
+              <a:t>59</a:t>
             </a:fld>
             <a:endParaRPr lang="en-US"/>
           </a:p>
         </p:txBody>
       </p:sp>
     </p:spTree>
+    <p:extLst>
+      <p:ext uri="{BB962C8B-B14F-4D97-AF65-F5344CB8AC3E}">
+        <p14:creationId xmlns:p14="http://schemas.microsoft.com/office/powerpoint/2010/main" val="362868605"/>
+      </p:ext>
+    </p:extLst>
   </p:cSld>
   <p:clrMapOvr>
     <a:masterClrMapping/>
@@ -1770,11 +2078,20 @@
         <p:cNvGrpSpPr/>
         <p:nvPr/>
       </p:nvGrpSpPr>
-      <p:grpSpPr/>
+      <p:grpSpPr>
+        <a:xfrm>
+          <a:off x="0" y="0"/>
+          <a:ext cx="0" cy="0"/>
+          <a:chOff x="0" y="0"/>
+          <a:chExt cx="0" cy="0"/>
+        </a:xfrm>
+      </p:grpSpPr>
       <p:sp>
         <p:nvSpPr>
           <p:cNvPr id="2" name="Slide Image Placeholder 1"/>
-          <p:cNvSpPr/>
+          <p:cNvSpPr>
+            <a:spLocks noGrp="1" noRot="1" noChangeAspect="1"/>
+          </p:cNvSpPr>
           <p:nvPr>
             <p:ph type="sldImg" idx="2"/>
           </p:nvPr>
@@ -1784,7 +2101,9 @@
       <p:sp>
         <p:nvSpPr>
           <p:cNvPr id="3" name="Text Placeholder 2"/>
-          <p:cNvSpPr/>
+          <p:cNvSpPr>
+            <a:spLocks noGrp="1"/>
+          </p:cNvSpPr>
           <p:nvPr>
             <p:ph type="body" idx="3"/>
           </p:nvPr>
@@ -1792,6 +2111,7 @@
         <p:spPr/>
         <p:txBody>
           <a:bodyPr/>
+          <a:lstStyle/>
           <a:p>
             <a:endParaRPr lang="en-US"/>
           </a:p>
@@ -1810,15 +2130,22 @@
         <p:spPr/>
         <p:txBody>
           <a:bodyPr/>
+          <a:lstStyle/>
           <a:p>
             <a:fld id="{21B2AA4F-B828-4D7C-AFD3-893933DAFCB4}" type="slidenum">
               <a:rPr lang="en-US" smtClean="0"/>
+              <a:t>61</a:t>
             </a:fld>
             <a:endParaRPr lang="en-US"/>
           </a:p>
         </p:txBody>
       </p:sp>
     </p:spTree>
+    <p:extLst>
+      <p:ext uri="{BB962C8B-B14F-4D97-AF65-F5344CB8AC3E}">
+        <p14:creationId xmlns:p14="http://schemas.microsoft.com/office/powerpoint/2010/main" val="2026570402"/>
+      </p:ext>
+    </p:extLst>
   </p:cSld>
   <p:clrMapOvr>
     <a:masterClrMapping/>
@@ -1835,11 +2162,20 @@
         <p:cNvGrpSpPr/>
         <p:nvPr/>
       </p:nvGrpSpPr>
-      <p:grpSpPr/>
+      <p:grpSpPr>
+        <a:xfrm>
+          <a:off x="0" y="0"/>
+          <a:ext cx="0" cy="0"/>
+          <a:chOff x="0" y="0"/>
+          <a:chExt cx="0" cy="0"/>
+        </a:xfrm>
+      </p:grpSpPr>
       <p:sp>
         <p:nvSpPr>
           <p:cNvPr id="2" name="Slide Image Placeholder 1"/>
-          <p:cNvSpPr/>
+          <p:cNvSpPr>
+            <a:spLocks noGrp="1" noRot="1" noChangeAspect="1"/>
+          </p:cNvSpPr>
           <p:nvPr>
             <p:ph type="sldImg" idx="2"/>
           </p:nvPr>
@@ -1849,7 +2185,9 @@
       <p:sp>
         <p:nvSpPr>
           <p:cNvPr id="3" name="Text Placeholder 2"/>
-          <p:cNvSpPr/>
+          <p:cNvSpPr>
+            <a:spLocks noGrp="1"/>
+          </p:cNvSpPr>
           <p:nvPr>
             <p:ph type="body" idx="3"/>
           </p:nvPr>
@@ -1857,6 +2195,7 @@
         <p:spPr/>
         <p:txBody>
           <a:bodyPr/>
+          <a:lstStyle/>
           <a:p>
             <a:endParaRPr lang="en-US"/>
           </a:p>
@@ -1875,15 +2214,22 @@
         <p:spPr/>
         <p:txBody>
           <a:bodyPr/>
+          <a:lstStyle/>
           <a:p>
             <a:fld id="{21B2AA4F-B828-4D7C-AFD3-893933DAFCB4}" type="slidenum">
               <a:rPr lang="en-US" smtClean="0"/>
+              <a:t>62</a:t>
             </a:fld>
             <a:endParaRPr lang="en-US"/>
           </a:p>
         </p:txBody>
       </p:sp>
     </p:spTree>
+    <p:extLst>
+      <p:ext uri="{BB962C8B-B14F-4D97-AF65-F5344CB8AC3E}">
+        <p14:creationId xmlns:p14="http://schemas.microsoft.com/office/powerpoint/2010/main" val="1478104994"/>
+      </p:ext>
+    </p:extLst>
   </p:cSld>
   <p:clrMapOvr>
     <a:masterClrMapping/>
@@ -1900,11 +2246,20 @@
         <p:cNvGrpSpPr/>
         <p:nvPr/>
       </p:nvGrpSpPr>
-      <p:grpSpPr/>
+      <p:grpSpPr>
+        <a:xfrm>
+          <a:off x="0" y="0"/>
+          <a:ext cx="0" cy="0"/>
+          <a:chOff x="0" y="0"/>
+          <a:chExt cx="0" cy="0"/>
+        </a:xfrm>
+      </p:grpSpPr>
       <p:sp>
         <p:nvSpPr>
           <p:cNvPr id="2" name="Slide Image Placeholder 1"/>
-          <p:cNvSpPr/>
+          <p:cNvSpPr>
+            <a:spLocks noGrp="1" noRot="1" noChangeAspect="1"/>
+          </p:cNvSpPr>
           <p:nvPr>
             <p:ph type="sldImg" idx="2"/>
           </p:nvPr>
@@ -1914,7 +2269,9 @@
       <p:sp>
         <p:nvSpPr>
           <p:cNvPr id="3" name="Text Placeholder 2"/>
-          <p:cNvSpPr/>
+          <p:cNvSpPr>
+            <a:spLocks noGrp="1"/>
+          </p:cNvSpPr>
           <p:nvPr>
             <p:ph type="body" idx="3"/>
           </p:nvPr>
@@ -1922,6 +2279,7 @@
         <p:spPr/>
         <p:txBody>
           <a:bodyPr/>
+          <a:lstStyle/>
           <a:p>
             <a:endParaRPr lang="en-US"/>
           </a:p>
@@ -1940,15 +2298,22 @@
         <p:spPr/>
         <p:txBody>
           <a:bodyPr/>
+          <a:lstStyle/>
           <a:p>
             <a:fld id="{21B2AA4F-B828-4D7C-AFD3-893933DAFCB4}" type="slidenum">
               <a:rPr lang="en-US" smtClean="0"/>
+              <a:t>63</a:t>
             </a:fld>
             <a:endParaRPr lang="en-US"/>
           </a:p>
         </p:txBody>
       </p:sp>
     </p:spTree>
+    <p:extLst>
+      <p:ext uri="{BB962C8B-B14F-4D97-AF65-F5344CB8AC3E}">
+        <p14:creationId xmlns:p14="http://schemas.microsoft.com/office/powerpoint/2010/main" val="419805662"/>
+      </p:ext>
+    </p:extLst>
   </p:cSld>
   <p:clrMapOvr>
     <a:masterClrMapping/>
@@ -1965,11 +2330,20 @@
         <p:cNvGrpSpPr/>
         <p:nvPr/>
       </p:nvGrpSpPr>
-      <p:grpSpPr/>
+      <p:grpSpPr>
+        <a:xfrm>
+          <a:off x="0" y="0"/>
+          <a:ext cx="0" cy="0"/>
+          <a:chOff x="0" y="0"/>
+          <a:chExt cx="0" cy="0"/>
+        </a:xfrm>
+      </p:grpSpPr>
       <p:sp>
         <p:nvSpPr>
           <p:cNvPr id="2" name="Slide Image Placeholder 1"/>
-          <p:cNvSpPr/>
+          <p:cNvSpPr>
+            <a:spLocks noGrp="1" noRot="1" noChangeAspect="1"/>
+          </p:cNvSpPr>
           <p:nvPr>
             <p:ph type="sldImg" idx="2"/>
           </p:nvPr>
@@ -1979,7 +2353,9 @@
       <p:sp>
         <p:nvSpPr>
           <p:cNvPr id="3" name="Text Placeholder 2"/>
-          <p:cNvSpPr/>
+          <p:cNvSpPr>
+            <a:spLocks noGrp="1"/>
+          </p:cNvSpPr>
           <p:nvPr>
             <p:ph type="body" idx="3"/>
           </p:nvPr>
@@ -1987,6 +2363,7 @@
         <p:spPr/>
         <p:txBody>
           <a:bodyPr/>
+          <a:lstStyle/>
           <a:p>
             <a:endParaRPr lang="en-US"/>
           </a:p>
@@ -2005,15 +2382,22 @@
         <p:spPr/>
         <p:txBody>
           <a:bodyPr/>
+          <a:lstStyle/>
           <a:p>
             <a:fld id="{21B2AA4F-B828-4D7C-AFD3-893933DAFCB4}" type="slidenum">
               <a:rPr lang="en-US" smtClean="0"/>
+              <a:t>64</a:t>
             </a:fld>
             <a:endParaRPr lang="en-US"/>
           </a:p>
         </p:txBody>
       </p:sp>
     </p:spTree>
+    <p:extLst>
+      <p:ext uri="{BB962C8B-B14F-4D97-AF65-F5344CB8AC3E}">
+        <p14:creationId xmlns:p14="http://schemas.microsoft.com/office/powerpoint/2010/main" val="1189980839"/>
+      </p:ext>
+    </p:extLst>
   </p:cSld>
   <p:clrMapOvr>
     <a:masterClrMapping/>
@@ -2030,11 +2414,20 @@
         <p:cNvGrpSpPr/>
         <p:nvPr/>
       </p:nvGrpSpPr>
-      <p:grpSpPr/>
+      <p:grpSpPr>
+        <a:xfrm>
+          <a:off x="0" y="0"/>
+          <a:ext cx="0" cy="0"/>
+          <a:chOff x="0" y="0"/>
+          <a:chExt cx="0" cy="0"/>
+        </a:xfrm>
+      </p:grpSpPr>
       <p:sp>
         <p:nvSpPr>
           <p:cNvPr id="2" name="Slide Image Placeholder 1"/>
-          <p:cNvSpPr/>
+          <p:cNvSpPr>
+            <a:spLocks noGrp="1" noRot="1" noChangeAspect="1"/>
+          </p:cNvSpPr>
           <p:nvPr>
             <p:ph type="sldImg" idx="2"/>
           </p:nvPr>
@@ -2044,7 +2437,9 @@
       <p:sp>
         <p:nvSpPr>
           <p:cNvPr id="3" name="Text Placeholder 2"/>
-          <p:cNvSpPr/>
+          <p:cNvSpPr>
+            <a:spLocks noGrp="1"/>
+          </p:cNvSpPr>
           <p:nvPr>
             <p:ph type="body" idx="3"/>
           </p:nvPr>
@@ -2052,6 +2447,7 @@
         <p:spPr/>
         <p:txBody>
           <a:bodyPr/>
+          <a:lstStyle/>
           <a:p>
             <a:endParaRPr lang="en-US"/>
           </a:p>
@@ -2070,15 +2466,22 @@
         <p:spPr/>
         <p:txBody>
           <a:bodyPr/>
+          <a:lstStyle/>
           <a:p>
             <a:fld id="{21B2AA4F-B828-4D7C-AFD3-893933DAFCB4}" type="slidenum">
               <a:rPr lang="en-US" smtClean="0"/>
+              <a:t>65</a:t>
             </a:fld>
             <a:endParaRPr lang="en-US"/>
           </a:p>
         </p:txBody>
       </p:sp>
     </p:spTree>
+    <p:extLst>
+      <p:ext uri="{BB962C8B-B14F-4D97-AF65-F5344CB8AC3E}">
+        <p14:creationId xmlns:p14="http://schemas.microsoft.com/office/powerpoint/2010/main" val="492756562"/>
+      </p:ext>
+    </p:extLst>
   </p:cSld>
   <p:clrMapOvr>
     <a:masterClrMapping/>
@@ -2095,11 +2498,20 @@
         <p:cNvGrpSpPr/>
         <p:nvPr/>
       </p:nvGrpSpPr>
-      <p:grpSpPr/>
+      <p:grpSpPr>
+        <a:xfrm>
+          <a:off x="0" y="0"/>
+          <a:ext cx="0" cy="0"/>
+          <a:chOff x="0" y="0"/>
+          <a:chExt cx="0" cy="0"/>
+        </a:xfrm>
+      </p:grpSpPr>
       <p:sp>
         <p:nvSpPr>
           <p:cNvPr id="2" name="Slide Image Placeholder 1"/>
-          <p:cNvSpPr/>
+          <p:cNvSpPr>
+            <a:spLocks noGrp="1" noRot="1" noChangeAspect="1"/>
+          </p:cNvSpPr>
           <p:nvPr>
             <p:ph type="sldImg" idx="2"/>
           </p:nvPr>
@@ -2109,7 +2521,9 @@
       <p:sp>
         <p:nvSpPr>
           <p:cNvPr id="3" name="Text Placeholder 2"/>
-          <p:cNvSpPr/>
+          <p:cNvSpPr>
+            <a:spLocks noGrp="1"/>
+          </p:cNvSpPr>
           <p:nvPr>
             <p:ph type="body" idx="3"/>
           </p:nvPr>
@@ -2117,6 +2531,7 @@
         <p:spPr/>
         <p:txBody>
           <a:bodyPr/>
+          <a:lstStyle/>
           <a:p>
             <a:endParaRPr lang="en-US"/>
           </a:p>
@@ -2135,15 +2550,22 @@
         <p:spPr/>
         <p:txBody>
           <a:bodyPr/>
+          <a:lstStyle/>
           <a:p>
             <a:fld id="{21B2AA4F-B828-4D7C-AFD3-893933DAFCB4}" type="slidenum">
               <a:rPr lang="en-US" smtClean="0"/>
+              <a:t>17</a:t>
             </a:fld>
             <a:endParaRPr lang="en-US"/>
           </a:p>
         </p:txBody>
       </p:sp>
     </p:spTree>
+    <p:extLst>
+      <p:ext uri="{BB962C8B-B14F-4D97-AF65-F5344CB8AC3E}">
+        <p14:creationId xmlns:p14="http://schemas.microsoft.com/office/powerpoint/2010/main" val="383945658"/>
+      </p:ext>
+    </p:extLst>
   </p:cSld>
   <p:clrMapOvr>
     <a:masterClrMapping/>
@@ -2160,11 +2582,20 @@
         <p:cNvGrpSpPr/>
         <p:nvPr/>
       </p:nvGrpSpPr>
-      <p:grpSpPr/>
+      <p:grpSpPr>
+        <a:xfrm>
+          <a:off x="0" y="0"/>
+          <a:ext cx="0" cy="0"/>
+          <a:chOff x="0" y="0"/>
+          <a:chExt cx="0" cy="0"/>
+        </a:xfrm>
+      </p:grpSpPr>
       <p:sp>
         <p:nvSpPr>
           <p:cNvPr id="2" name="Slide Image Placeholder 1"/>
-          <p:cNvSpPr/>
+          <p:cNvSpPr>
+            <a:spLocks noGrp="1" noRot="1" noChangeAspect="1"/>
+          </p:cNvSpPr>
           <p:nvPr>
             <p:ph type="sldImg" idx="2"/>
           </p:nvPr>
@@ -2174,7 +2605,9 @@
       <p:sp>
         <p:nvSpPr>
           <p:cNvPr id="3" name="Text Placeholder 2"/>
-          <p:cNvSpPr/>
+          <p:cNvSpPr>
+            <a:spLocks noGrp="1"/>
+          </p:cNvSpPr>
           <p:nvPr>
             <p:ph type="body" idx="3"/>
           </p:nvPr>
@@ -2182,6 +2615,7 @@
         <p:spPr/>
         <p:txBody>
           <a:bodyPr/>
+          <a:lstStyle/>
           <a:p>
             <a:endParaRPr lang="en-US"/>
           </a:p>
@@ -2200,15 +2634,22 @@
         <p:spPr/>
         <p:txBody>
           <a:bodyPr/>
+          <a:lstStyle/>
           <a:p>
             <a:fld id="{21B2AA4F-B828-4D7C-AFD3-893933DAFCB4}" type="slidenum">
               <a:rPr lang="en-US" smtClean="0"/>
+              <a:t>66</a:t>
             </a:fld>
             <a:endParaRPr lang="en-US"/>
           </a:p>
         </p:txBody>
       </p:sp>
     </p:spTree>
+    <p:extLst>
+      <p:ext uri="{BB962C8B-B14F-4D97-AF65-F5344CB8AC3E}">
+        <p14:creationId xmlns:p14="http://schemas.microsoft.com/office/powerpoint/2010/main" val="1062594702"/>
+      </p:ext>
+    </p:extLst>
   </p:cSld>
   <p:clrMapOvr>
     <a:masterClrMapping/>
@@ -2225,11 +2666,20 @@
         <p:cNvGrpSpPr/>
         <p:nvPr/>
       </p:nvGrpSpPr>
-      <p:grpSpPr/>
+      <p:grpSpPr>
+        <a:xfrm>
+          <a:off x="0" y="0"/>
+          <a:ext cx="0" cy="0"/>
+          <a:chOff x="0" y="0"/>
+          <a:chExt cx="0" cy="0"/>
+        </a:xfrm>
+      </p:grpSpPr>
       <p:sp>
         <p:nvSpPr>
           <p:cNvPr id="2" name="Slide Image Placeholder 1"/>
-          <p:cNvSpPr/>
+          <p:cNvSpPr>
+            <a:spLocks noGrp="1" noRot="1" noChangeAspect="1"/>
+          </p:cNvSpPr>
           <p:nvPr>
             <p:ph type="sldImg" idx="2"/>
           </p:nvPr>
@@ -2239,7 +2689,9 @@
       <p:sp>
         <p:nvSpPr>
           <p:cNvPr id="3" name="Text Placeholder 2"/>
-          <p:cNvSpPr/>
+          <p:cNvSpPr>
+            <a:spLocks noGrp="1"/>
+          </p:cNvSpPr>
           <p:nvPr>
             <p:ph type="body" idx="3"/>
           </p:nvPr>
@@ -2247,6 +2699,7 @@
         <p:spPr/>
         <p:txBody>
           <a:bodyPr/>
+          <a:lstStyle/>
           <a:p>
             <a:endParaRPr lang="en-US"/>
           </a:p>
@@ -2265,15 +2718,22 @@
         <p:spPr/>
         <p:txBody>
           <a:bodyPr/>
+          <a:lstStyle/>
           <a:p>
             <a:fld id="{21B2AA4F-B828-4D7C-AFD3-893933DAFCB4}" type="slidenum">
               <a:rPr lang="en-US" smtClean="0"/>
+              <a:t>67</a:t>
             </a:fld>
             <a:endParaRPr lang="en-US"/>
           </a:p>
         </p:txBody>
       </p:sp>
     </p:spTree>
+    <p:extLst>
+      <p:ext uri="{BB962C8B-B14F-4D97-AF65-F5344CB8AC3E}">
+        <p14:creationId xmlns:p14="http://schemas.microsoft.com/office/powerpoint/2010/main" val="555148062"/>
+      </p:ext>
+    </p:extLst>
   </p:cSld>
   <p:clrMapOvr>
     <a:masterClrMapping/>
@@ -2290,11 +2750,20 @@
         <p:cNvGrpSpPr/>
         <p:nvPr/>
       </p:nvGrpSpPr>
-      <p:grpSpPr/>
+      <p:grpSpPr>
+        <a:xfrm>
+          <a:off x="0" y="0"/>
+          <a:ext cx="0" cy="0"/>
+          <a:chOff x="0" y="0"/>
+          <a:chExt cx="0" cy="0"/>
+        </a:xfrm>
+      </p:grpSpPr>
       <p:sp>
         <p:nvSpPr>
           <p:cNvPr id="2" name="Slide Image Placeholder 1"/>
-          <p:cNvSpPr/>
+          <p:cNvSpPr>
+            <a:spLocks noGrp="1" noRot="1" noChangeAspect="1"/>
+          </p:cNvSpPr>
           <p:nvPr>
             <p:ph type="sldImg" idx="2"/>
           </p:nvPr>
@@ -2304,7 +2773,9 @@
       <p:sp>
         <p:nvSpPr>
           <p:cNvPr id="3" name="Text Placeholder 2"/>
-          <p:cNvSpPr/>
+          <p:cNvSpPr>
+            <a:spLocks noGrp="1"/>
+          </p:cNvSpPr>
           <p:nvPr>
             <p:ph type="body" idx="3"/>
           </p:nvPr>
@@ -2312,6 +2783,7 @@
         <p:spPr/>
         <p:txBody>
           <a:bodyPr/>
+          <a:lstStyle/>
           <a:p>
             <a:endParaRPr lang="en-US"/>
           </a:p>
@@ -2330,15 +2802,22 @@
         <p:spPr/>
         <p:txBody>
           <a:bodyPr/>
+          <a:lstStyle/>
           <a:p>
             <a:fld id="{21B2AA4F-B828-4D7C-AFD3-893933DAFCB4}" type="slidenum">
               <a:rPr lang="en-US" smtClean="0"/>
+              <a:t>18</a:t>
             </a:fld>
             <a:endParaRPr lang="en-US"/>
           </a:p>
         </p:txBody>
       </p:sp>
     </p:spTree>
+    <p:extLst>
+      <p:ext uri="{BB962C8B-B14F-4D97-AF65-F5344CB8AC3E}">
+        <p14:creationId xmlns:p14="http://schemas.microsoft.com/office/powerpoint/2010/main" val="1933798418"/>
+      </p:ext>
+    </p:extLst>
   </p:cSld>
   <p:clrMapOvr>
     <a:masterClrMapping/>
@@ -2355,11 +2834,20 @@
         <p:cNvGrpSpPr/>
         <p:nvPr/>
       </p:nvGrpSpPr>
-      <p:grpSpPr/>
+      <p:grpSpPr>
+        <a:xfrm>
+          <a:off x="0" y="0"/>
+          <a:ext cx="0" cy="0"/>
+          <a:chOff x="0" y="0"/>
+          <a:chExt cx="0" cy="0"/>
+        </a:xfrm>
+      </p:grpSpPr>
       <p:sp>
         <p:nvSpPr>
           <p:cNvPr id="2" name="Slide Image Placeholder 1"/>
-          <p:cNvSpPr/>
+          <p:cNvSpPr>
+            <a:spLocks noGrp="1" noRot="1" noChangeAspect="1"/>
+          </p:cNvSpPr>
           <p:nvPr>
             <p:ph type="sldImg" idx="2"/>
           </p:nvPr>
@@ -2369,7 +2857,9 @@
       <p:sp>
         <p:nvSpPr>
           <p:cNvPr id="3" name="Text Placeholder 2"/>
-          <p:cNvSpPr/>
+          <p:cNvSpPr>
+            <a:spLocks noGrp="1"/>
+          </p:cNvSpPr>
           <p:nvPr>
             <p:ph type="body" idx="3"/>
           </p:nvPr>
@@ -2377,6 +2867,7 @@
         <p:spPr/>
         <p:txBody>
           <a:bodyPr/>
+          <a:lstStyle/>
           <a:p>
             <a:endParaRPr lang="en-US"/>
           </a:p>
@@ -2395,15 +2886,22 @@
         <p:spPr/>
         <p:txBody>
           <a:bodyPr/>
+          <a:lstStyle/>
           <a:p>
             <a:fld id="{21B2AA4F-B828-4D7C-AFD3-893933DAFCB4}" type="slidenum">
               <a:rPr lang="en-US" smtClean="0"/>
+              <a:t>19</a:t>
             </a:fld>
             <a:endParaRPr lang="en-US"/>
           </a:p>
         </p:txBody>
       </p:sp>
     </p:spTree>
+    <p:extLst>
+      <p:ext uri="{BB962C8B-B14F-4D97-AF65-F5344CB8AC3E}">
+        <p14:creationId xmlns:p14="http://schemas.microsoft.com/office/powerpoint/2010/main" val="1332497628"/>
+      </p:ext>
+    </p:extLst>
   </p:cSld>
   <p:clrMapOvr>
     <a:masterClrMapping/>
@@ -2420,11 +2918,20 @@
         <p:cNvGrpSpPr/>
         <p:nvPr/>
       </p:nvGrpSpPr>
-      <p:grpSpPr/>
+      <p:grpSpPr>
+        <a:xfrm>
+          <a:off x="0" y="0"/>
+          <a:ext cx="0" cy="0"/>
+          <a:chOff x="0" y="0"/>
+          <a:chExt cx="0" cy="0"/>
+        </a:xfrm>
+      </p:grpSpPr>
       <p:sp>
         <p:nvSpPr>
           <p:cNvPr id="2" name="Slide Image Placeholder 1"/>
-          <p:cNvSpPr/>
+          <p:cNvSpPr>
+            <a:spLocks noGrp="1" noRot="1" noChangeAspect="1"/>
+          </p:cNvSpPr>
           <p:nvPr>
             <p:ph type="sldImg" idx="2"/>
           </p:nvPr>
@@ -2434,7 +2941,9 @@
       <p:sp>
         <p:nvSpPr>
           <p:cNvPr id="3" name="Text Placeholder 2"/>
-          <p:cNvSpPr/>
+          <p:cNvSpPr>
+            <a:spLocks noGrp="1"/>
+          </p:cNvSpPr>
           <p:nvPr>
             <p:ph type="body" idx="3"/>
           </p:nvPr>
@@ -2442,6 +2951,7 @@
         <p:spPr/>
         <p:txBody>
           <a:bodyPr/>
+          <a:lstStyle/>
           <a:p>
             <a:endParaRPr lang="en-US"/>
           </a:p>
@@ -2460,15 +2970,22 @@
         <p:spPr/>
         <p:txBody>
           <a:bodyPr/>
+          <a:lstStyle/>
           <a:p>
             <a:fld id="{21B2AA4F-B828-4D7C-AFD3-893933DAFCB4}" type="slidenum">
               <a:rPr lang="en-US" smtClean="0"/>
+              <a:t>20</a:t>
             </a:fld>
             <a:endParaRPr lang="en-US"/>
           </a:p>
         </p:txBody>
       </p:sp>
     </p:spTree>
+    <p:extLst>
+      <p:ext uri="{BB962C8B-B14F-4D97-AF65-F5344CB8AC3E}">
+        <p14:creationId xmlns:p14="http://schemas.microsoft.com/office/powerpoint/2010/main" val="1328162880"/>
+      </p:ext>
+    </p:extLst>
   </p:cSld>
   <p:clrMapOvr>
     <a:masterClrMapping/>
@@ -2485,11 +3002,20 @@
         <p:cNvGrpSpPr/>
         <p:nvPr/>
       </p:nvGrpSpPr>
-      <p:grpSpPr/>
+      <p:grpSpPr>
+        <a:xfrm>
+          <a:off x="0" y="0"/>
+          <a:ext cx="0" cy="0"/>
+          <a:chOff x="0" y="0"/>
+          <a:chExt cx="0" cy="0"/>
+        </a:xfrm>
+      </p:grpSpPr>
       <p:sp>
         <p:nvSpPr>
           <p:cNvPr id="2" name="Slide Image Placeholder 1"/>
-          <p:cNvSpPr/>
+          <p:cNvSpPr>
+            <a:spLocks noGrp="1" noRot="1" noChangeAspect="1"/>
+          </p:cNvSpPr>
           <p:nvPr>
             <p:ph type="sldImg" idx="2"/>
           </p:nvPr>
@@ -2499,7 +3025,9 @@
       <p:sp>
         <p:nvSpPr>
           <p:cNvPr id="3" name="Text Placeholder 2"/>
-          <p:cNvSpPr/>
+          <p:cNvSpPr>
+            <a:spLocks noGrp="1"/>
+          </p:cNvSpPr>
           <p:nvPr>
             <p:ph type="body" idx="3"/>
           </p:nvPr>
@@ -2507,6 +3035,7 @@
         <p:spPr/>
         <p:txBody>
           <a:bodyPr/>
+          <a:lstStyle/>
           <a:p>
             <a:endParaRPr lang="en-US"/>
           </a:p>
@@ -2525,15 +3054,22 @@
         <p:spPr/>
         <p:txBody>
           <a:bodyPr/>
+          <a:lstStyle/>
           <a:p>
             <a:fld id="{21B2AA4F-B828-4D7C-AFD3-893933DAFCB4}" type="slidenum">
               <a:rPr lang="en-US" smtClean="0"/>
+              <a:t>21</a:t>
             </a:fld>
             <a:endParaRPr lang="en-US"/>
           </a:p>
         </p:txBody>
       </p:sp>
     </p:spTree>
+    <p:extLst>
+      <p:ext uri="{BB962C8B-B14F-4D97-AF65-F5344CB8AC3E}">
+        <p14:creationId xmlns:p14="http://schemas.microsoft.com/office/powerpoint/2010/main" val="1488497242"/>
+      </p:ext>
+    </p:extLst>
   </p:cSld>
   <p:clrMapOvr>
     <a:masterClrMapping/>
@@ -2550,11 +3086,20 @@
         <p:cNvGrpSpPr/>
         <p:nvPr/>
       </p:nvGrpSpPr>
-      <p:grpSpPr/>
+      <p:grpSpPr>
+        <a:xfrm>
+          <a:off x="0" y="0"/>
+          <a:ext cx="0" cy="0"/>
+          <a:chOff x="0" y="0"/>
+          <a:chExt cx="0" cy="0"/>
+        </a:xfrm>
+      </p:grpSpPr>
       <p:sp>
         <p:nvSpPr>
           <p:cNvPr id="2" name="Slide Image Placeholder 1"/>
-          <p:cNvSpPr/>
+          <p:cNvSpPr>
+            <a:spLocks noGrp="1" noRot="1" noChangeAspect="1"/>
+          </p:cNvSpPr>
           <p:nvPr>
             <p:ph type="sldImg" idx="2"/>
           </p:nvPr>
@@ -2564,7 +3109,9 @@
       <p:sp>
         <p:nvSpPr>
           <p:cNvPr id="3" name="Text Placeholder 2"/>
-          <p:cNvSpPr/>
+          <p:cNvSpPr>
+            <a:spLocks noGrp="1"/>
+          </p:cNvSpPr>
           <p:nvPr>
             <p:ph type="body" idx="3"/>
           </p:nvPr>
@@ -2572,6 +3119,7 @@
         <p:spPr/>
         <p:txBody>
           <a:bodyPr/>
+          <a:lstStyle/>
           <a:p>
             <a:endParaRPr lang="en-US"/>
           </a:p>
@@ -2590,15 +3138,22 @@
         <p:spPr/>
         <p:txBody>
           <a:bodyPr/>
+          <a:lstStyle/>
           <a:p>
             <a:fld id="{21B2AA4F-B828-4D7C-AFD3-893933DAFCB4}" type="slidenum">
               <a:rPr lang="en-US" smtClean="0"/>
+              <a:t>22</a:t>
             </a:fld>
             <a:endParaRPr lang="en-US"/>
           </a:p>
         </p:txBody>
       </p:sp>
     </p:spTree>
+    <p:extLst>
+      <p:ext uri="{BB962C8B-B14F-4D97-AF65-F5344CB8AC3E}">
+        <p14:creationId xmlns:p14="http://schemas.microsoft.com/office/powerpoint/2010/main" val="1136142391"/>
+      </p:ext>
+    </p:extLst>
   </p:cSld>
   <p:clrMapOvr>
     <a:masterClrMapping/>
@@ -2615,11 +3170,20 @@
         <p:cNvGrpSpPr/>
         <p:nvPr/>
       </p:nvGrpSpPr>
-      <p:grpSpPr/>
+      <p:grpSpPr>
+        <a:xfrm>
+          <a:off x="0" y="0"/>
+          <a:ext cx="0" cy="0"/>
+          <a:chOff x="0" y="0"/>
+          <a:chExt cx="0" cy="0"/>
+        </a:xfrm>
+      </p:grpSpPr>
       <p:sp>
         <p:nvSpPr>
           <p:cNvPr id="2" name="Slide Image Placeholder 1"/>
-          <p:cNvSpPr/>
+          <p:cNvSpPr>
+            <a:spLocks noGrp="1" noRot="1" noChangeAspect="1"/>
+          </p:cNvSpPr>
           <p:nvPr>
             <p:ph type="sldImg" idx="2"/>
           </p:nvPr>
@@ -2629,7 +3193,9 @@
       <p:sp>
         <p:nvSpPr>
           <p:cNvPr id="3" name="Text Placeholder 2"/>
-          <p:cNvSpPr/>
+          <p:cNvSpPr>
+            <a:spLocks noGrp="1"/>
+          </p:cNvSpPr>
           <p:nvPr>
             <p:ph type="body" idx="3"/>
           </p:nvPr>
@@ -2637,6 +3203,7 @@
         <p:spPr/>
         <p:txBody>
           <a:bodyPr/>
+          <a:lstStyle/>
           <a:p>
             <a:endParaRPr lang="en-US"/>
           </a:p>
@@ -2655,15 +3222,22 @@
         <p:spPr/>
         <p:txBody>
           <a:bodyPr/>
+          <a:lstStyle/>
           <a:p>
             <a:fld id="{21B2AA4F-B828-4D7C-AFD3-893933DAFCB4}" type="slidenum">
               <a:rPr lang="en-US" smtClean="0"/>
+              <a:t>23</a:t>
             </a:fld>
             <a:endParaRPr lang="en-US"/>
           </a:p>
         </p:txBody>
       </p:sp>
     </p:spTree>
+    <p:extLst>
+      <p:ext uri="{BB962C8B-B14F-4D97-AF65-F5344CB8AC3E}">
+        <p14:creationId xmlns:p14="http://schemas.microsoft.com/office/powerpoint/2010/main" val="1868060060"/>
+      </p:ext>
+    </p:extLst>
   </p:cSld>
   <p:clrMapOvr>
     <a:masterClrMapping/>
@@ -2802,6 +3376,7 @@
           <a:p>
             <a:fld id="{FDE934FF-F4E1-47C5-9CA5-30A81DDE2BE4}" type="datetimeFigureOut">
               <a:rPr lang="en-US" smtClean="0"/>
+              <a:t>4/1/16</a:t>
             </a:fld>
             <a:endParaRPr lang="en-US"/>
           </a:p>
@@ -2843,6 +3418,7 @@
           <a:p>
             <a:fld id="{B3561BA9-CDCF-4958-B8AB-66F3BF063E13}" type="slidenum">
               <a:rPr lang="en-US" smtClean="0"/>
+              <a:t>‹#›</a:t>
             </a:fld>
             <a:endParaRPr lang="en-US"/>
           </a:p>
@@ -2917,7 +3493,6 @@
               <a:rPr lang="en-US" smtClean="0"/>
               <a:t>Click to edit Master text styles</a:t>
             </a:r>
-            <a:endParaRPr lang="en-US" smtClean="0"/>
           </a:p>
           <a:p>
             <a:pPr lvl="1"/>
@@ -2925,7 +3500,6 @@
               <a:rPr lang="en-US" smtClean="0"/>
               <a:t>Second level</a:t>
             </a:r>
-            <a:endParaRPr lang="en-US" smtClean="0"/>
           </a:p>
           <a:p>
             <a:pPr lvl="2"/>
@@ -2933,7 +3507,6 @@
               <a:rPr lang="en-US" smtClean="0"/>
               <a:t>Third level</a:t>
             </a:r>
-            <a:endParaRPr lang="en-US" smtClean="0"/>
           </a:p>
           <a:p>
             <a:pPr lvl="3"/>
@@ -2941,7 +3514,6 @@
               <a:rPr lang="en-US" smtClean="0"/>
               <a:t>Fourth level</a:t>
             </a:r>
-            <a:endParaRPr lang="en-US" smtClean="0"/>
           </a:p>
           <a:p>
             <a:pPr lvl="4"/>
@@ -2970,6 +3542,7 @@
           <a:p>
             <a:fld id="{FDE934FF-F4E1-47C5-9CA5-30A81DDE2BE4}" type="datetimeFigureOut">
               <a:rPr lang="en-US" smtClean="0"/>
+              <a:t>4/1/16</a:t>
             </a:fld>
             <a:endParaRPr lang="en-US"/>
           </a:p>
@@ -3011,6 +3584,7 @@
           <a:p>
             <a:fld id="{B3561BA9-CDCF-4958-B8AB-66F3BF063E13}" type="slidenum">
               <a:rPr lang="en-US" smtClean="0"/>
+              <a:t>‹#›</a:t>
             </a:fld>
             <a:endParaRPr lang="en-US"/>
           </a:p>
@@ -3095,7 +3669,6 @@
               <a:rPr lang="en-US" smtClean="0"/>
               <a:t>Click to edit Master text styles</a:t>
             </a:r>
-            <a:endParaRPr lang="en-US" smtClean="0"/>
           </a:p>
           <a:p>
             <a:pPr lvl="1"/>
@@ -3103,7 +3676,6 @@
               <a:rPr lang="en-US" smtClean="0"/>
               <a:t>Second level</a:t>
             </a:r>
-            <a:endParaRPr lang="en-US" smtClean="0"/>
           </a:p>
           <a:p>
             <a:pPr lvl="2"/>
@@ -3111,7 +3683,6 @@
               <a:rPr lang="en-US" smtClean="0"/>
               <a:t>Third level</a:t>
             </a:r>
-            <a:endParaRPr lang="en-US" smtClean="0"/>
           </a:p>
           <a:p>
             <a:pPr lvl="3"/>
@@ -3119,7 +3690,6 @@
               <a:rPr lang="en-US" smtClean="0"/>
               <a:t>Fourth level</a:t>
             </a:r>
-            <a:endParaRPr lang="en-US" smtClean="0"/>
           </a:p>
           <a:p>
             <a:pPr lvl="4"/>
@@ -3148,6 +3718,7 @@
           <a:p>
             <a:fld id="{FDE934FF-F4E1-47C5-9CA5-30A81DDE2BE4}" type="datetimeFigureOut">
               <a:rPr lang="en-US" smtClean="0"/>
+              <a:t>4/1/16</a:t>
             </a:fld>
             <a:endParaRPr lang="en-US"/>
           </a:p>
@@ -3189,6 +3760,7 @@
           <a:p>
             <a:fld id="{B3561BA9-CDCF-4958-B8AB-66F3BF063E13}" type="slidenum">
               <a:rPr lang="en-US" smtClean="0"/>
+              <a:t>‹#›</a:t>
             </a:fld>
             <a:endParaRPr lang="en-US"/>
           </a:p>
@@ -3266,6 +3838,7 @@
                 </a:solidFill>
                 <a:ea typeface="微软雅黑" pitchFamily="2" charset="-122"/>
               </a:rPr>
+              <a:t>16/4/1</a:t>
             </a:fld>
             <a:endParaRPr lang="zh-CN" altLang="en-US" sz="1200" dirty="0">
               <a:solidFill>
@@ -3324,6 +3897,7 @@
                 </a:solidFill>
                 <a:ea typeface="微软雅黑" pitchFamily="2" charset="-122"/>
               </a:rPr>
+              <a:t>‹#›</a:t>
             </a:fld>
             <a:endParaRPr lang="zh-CN" altLang="en-US" sz="1200" dirty="0">
               <a:solidFill>
@@ -3402,7 +3976,6 @@
               <a:rPr lang="en-US" smtClean="0"/>
               <a:t>Click to edit Master text styles</a:t>
             </a:r>
-            <a:endParaRPr lang="en-US" smtClean="0"/>
           </a:p>
           <a:p>
             <a:pPr lvl="1"/>
@@ -3410,7 +3983,6 @@
               <a:rPr lang="en-US" smtClean="0"/>
               <a:t>Second level</a:t>
             </a:r>
-            <a:endParaRPr lang="en-US" smtClean="0"/>
           </a:p>
           <a:p>
             <a:pPr lvl="2"/>
@@ -3418,7 +3990,6 @@
               <a:rPr lang="en-US" smtClean="0"/>
               <a:t>Third level</a:t>
             </a:r>
-            <a:endParaRPr lang="en-US" smtClean="0"/>
           </a:p>
           <a:p>
             <a:pPr lvl="3"/>
@@ -3426,7 +3997,6 @@
               <a:rPr lang="en-US" smtClean="0"/>
               <a:t>Fourth level</a:t>
             </a:r>
-            <a:endParaRPr lang="en-US" smtClean="0"/>
           </a:p>
           <a:p>
             <a:pPr lvl="4"/>
@@ -3455,6 +4025,7 @@
           <a:p>
             <a:fld id="{FDE934FF-F4E1-47C5-9CA5-30A81DDE2BE4}" type="datetimeFigureOut">
               <a:rPr lang="en-US" smtClean="0"/>
+              <a:t>4/1/16</a:t>
             </a:fld>
             <a:endParaRPr lang="en-US"/>
           </a:p>
@@ -3496,6 +4067,7 @@
           <a:p>
             <a:fld id="{B3561BA9-CDCF-4958-B8AB-66F3BF063E13}" type="slidenum">
               <a:rPr lang="en-US" smtClean="0"/>
+              <a:t>‹#›</a:t>
             </a:fld>
             <a:endParaRPr lang="en-US"/>
           </a:p>
@@ -3695,6 +4267,7 @@
           <a:p>
             <a:fld id="{FDE934FF-F4E1-47C5-9CA5-30A81DDE2BE4}" type="datetimeFigureOut">
               <a:rPr lang="en-US" smtClean="0"/>
+              <a:t>4/1/16</a:t>
             </a:fld>
             <a:endParaRPr lang="en-US"/>
           </a:p>
@@ -3736,6 +4309,7 @@
           <a:p>
             <a:fld id="{B3561BA9-CDCF-4958-B8AB-66F3BF063E13}" type="slidenum">
               <a:rPr lang="en-US" smtClean="0"/>
+              <a:t>‹#›</a:t>
             </a:fld>
             <a:endParaRPr lang="en-US"/>
           </a:p>
@@ -3815,7 +4389,6 @@
               <a:rPr lang="en-US" smtClean="0"/>
               <a:t>Click to edit Master text styles</a:t>
             </a:r>
-            <a:endParaRPr lang="en-US" smtClean="0"/>
           </a:p>
           <a:p>
             <a:pPr lvl="1"/>
@@ -3823,7 +4396,6 @@
               <a:rPr lang="en-US" smtClean="0"/>
               <a:t>Second level</a:t>
             </a:r>
-            <a:endParaRPr lang="en-US" smtClean="0"/>
           </a:p>
           <a:p>
             <a:pPr lvl="2"/>
@@ -3831,7 +4403,6 @@
               <a:rPr lang="en-US" smtClean="0"/>
               <a:t>Third level</a:t>
             </a:r>
-            <a:endParaRPr lang="en-US" smtClean="0"/>
           </a:p>
           <a:p>
             <a:pPr lvl="3"/>
@@ -3839,7 +4410,6 @@
               <a:rPr lang="en-US" smtClean="0"/>
               <a:t>Fourth level</a:t>
             </a:r>
-            <a:endParaRPr lang="en-US" smtClean="0"/>
           </a:p>
           <a:p>
             <a:pPr lvl="4"/>
@@ -3876,7 +4446,6 @@
               <a:rPr lang="en-US" smtClean="0"/>
               <a:t>Click to edit Master text styles</a:t>
             </a:r>
-            <a:endParaRPr lang="en-US" smtClean="0"/>
           </a:p>
           <a:p>
             <a:pPr lvl="1"/>
@@ -3884,7 +4453,6 @@
               <a:rPr lang="en-US" smtClean="0"/>
               <a:t>Second level</a:t>
             </a:r>
-            <a:endParaRPr lang="en-US" smtClean="0"/>
           </a:p>
           <a:p>
             <a:pPr lvl="2"/>
@@ -3892,7 +4460,6 @@
               <a:rPr lang="en-US" smtClean="0"/>
               <a:t>Third level</a:t>
             </a:r>
-            <a:endParaRPr lang="en-US" smtClean="0"/>
           </a:p>
           <a:p>
             <a:pPr lvl="3"/>
@@ -3900,7 +4467,6 @@
               <a:rPr lang="en-US" smtClean="0"/>
               <a:t>Fourth level</a:t>
             </a:r>
-            <a:endParaRPr lang="en-US" smtClean="0"/>
           </a:p>
           <a:p>
             <a:pPr lvl="4"/>
@@ -3929,6 +4495,7 @@
           <a:p>
             <a:fld id="{FDE934FF-F4E1-47C5-9CA5-30A81DDE2BE4}" type="datetimeFigureOut">
               <a:rPr lang="en-US" smtClean="0"/>
+              <a:t>4/1/16</a:t>
             </a:fld>
             <a:endParaRPr lang="en-US"/>
           </a:p>
@@ -3970,6 +4537,7 @@
           <a:p>
             <a:fld id="{B3561BA9-CDCF-4958-B8AB-66F3BF063E13}" type="slidenum">
               <a:rPr lang="en-US" smtClean="0"/>
+              <a:t>‹#›</a:t>
             </a:fld>
             <a:endParaRPr lang="en-US"/>
           </a:p>
@@ -4119,7 +4687,6 @@
               <a:rPr lang="en-US" smtClean="0"/>
               <a:t>Click to edit Master text styles</a:t>
             </a:r>
-            <a:endParaRPr lang="en-US" smtClean="0"/>
           </a:p>
           <a:p>
             <a:pPr lvl="1"/>
@@ -4127,7 +4694,6 @@
               <a:rPr lang="en-US" smtClean="0"/>
               <a:t>Second level</a:t>
             </a:r>
-            <a:endParaRPr lang="en-US" smtClean="0"/>
           </a:p>
           <a:p>
             <a:pPr lvl="2"/>
@@ -4135,7 +4701,6 @@
               <a:rPr lang="en-US" smtClean="0"/>
               <a:t>Third level</a:t>
             </a:r>
-            <a:endParaRPr lang="en-US" smtClean="0"/>
           </a:p>
           <a:p>
             <a:pPr lvl="3"/>
@@ -4143,7 +4708,6 @@
               <a:rPr lang="en-US" smtClean="0"/>
               <a:t>Fourth level</a:t>
             </a:r>
-            <a:endParaRPr lang="en-US" smtClean="0"/>
           </a:p>
           <a:p>
             <a:pPr lvl="4"/>
@@ -4245,7 +4809,6 @@
               <a:rPr lang="en-US" smtClean="0"/>
               <a:t>Click to edit Master text styles</a:t>
             </a:r>
-            <a:endParaRPr lang="en-US" smtClean="0"/>
           </a:p>
           <a:p>
             <a:pPr lvl="1"/>
@@ -4253,7 +4816,6 @@
               <a:rPr lang="en-US" smtClean="0"/>
               <a:t>Second level</a:t>
             </a:r>
-            <a:endParaRPr lang="en-US" smtClean="0"/>
           </a:p>
           <a:p>
             <a:pPr lvl="2"/>
@@ -4261,7 +4823,6 @@
               <a:rPr lang="en-US" smtClean="0"/>
               <a:t>Third level</a:t>
             </a:r>
-            <a:endParaRPr lang="en-US" smtClean="0"/>
           </a:p>
           <a:p>
             <a:pPr lvl="3"/>
@@ -4269,7 +4830,6 @@
               <a:rPr lang="en-US" smtClean="0"/>
               <a:t>Fourth level</a:t>
             </a:r>
-            <a:endParaRPr lang="en-US" smtClean="0"/>
           </a:p>
           <a:p>
             <a:pPr lvl="4"/>
@@ -4298,6 +4858,7 @@
           <a:p>
             <a:fld id="{FDE934FF-F4E1-47C5-9CA5-30A81DDE2BE4}" type="datetimeFigureOut">
               <a:rPr lang="en-US" smtClean="0"/>
+              <a:t>4/1/16</a:t>
             </a:fld>
             <a:endParaRPr lang="en-US"/>
           </a:p>
@@ -4339,6 +4900,7 @@
           <a:p>
             <a:fld id="{B3561BA9-CDCF-4958-B8AB-66F3BF063E13}" type="slidenum">
               <a:rPr lang="en-US" smtClean="0"/>
+              <a:t>‹#›</a:t>
             </a:fld>
             <a:endParaRPr lang="en-US"/>
           </a:p>
@@ -4410,6 +4972,7 @@
           <a:p>
             <a:fld id="{FDE934FF-F4E1-47C5-9CA5-30A81DDE2BE4}" type="datetimeFigureOut">
               <a:rPr lang="en-US" smtClean="0"/>
+              <a:t>4/1/16</a:t>
             </a:fld>
             <a:endParaRPr lang="en-US"/>
           </a:p>
@@ -4451,6 +5014,7 @@
           <a:p>
             <a:fld id="{B3561BA9-CDCF-4958-B8AB-66F3BF063E13}" type="slidenum">
               <a:rPr lang="en-US" smtClean="0"/>
+              <a:t>‹#›</a:t>
             </a:fld>
             <a:endParaRPr lang="en-US"/>
           </a:p>
@@ -4499,6 +5063,7 @@
           <a:p>
             <a:fld id="{FDE934FF-F4E1-47C5-9CA5-30A81DDE2BE4}" type="datetimeFigureOut">
               <a:rPr lang="en-US" smtClean="0"/>
+              <a:t>4/1/16</a:t>
             </a:fld>
             <a:endParaRPr lang="en-US"/>
           </a:p>
@@ -4540,6 +5105,7 @@
           <a:p>
             <a:fld id="{B3561BA9-CDCF-4958-B8AB-66F3BF063E13}" type="slidenum">
               <a:rPr lang="en-US" smtClean="0"/>
+              <a:t>‹#›</a:t>
             </a:fld>
             <a:endParaRPr lang="en-US"/>
           </a:p>
@@ -4656,7 +5222,6 @@
               <a:rPr lang="en-US" smtClean="0"/>
               <a:t>Click to edit Master text styles</a:t>
             </a:r>
-            <a:endParaRPr lang="en-US" smtClean="0"/>
           </a:p>
           <a:p>
             <a:pPr lvl="1"/>
@@ -4664,7 +5229,6 @@
               <a:rPr lang="en-US" smtClean="0"/>
               <a:t>Second level</a:t>
             </a:r>
-            <a:endParaRPr lang="en-US" smtClean="0"/>
           </a:p>
           <a:p>
             <a:pPr lvl="2"/>
@@ -4672,7 +5236,6 @@
               <a:rPr lang="en-US" smtClean="0"/>
               <a:t>Third level</a:t>
             </a:r>
-            <a:endParaRPr lang="en-US" smtClean="0"/>
           </a:p>
           <a:p>
             <a:pPr lvl="3"/>
@@ -4680,7 +5243,6 @@
               <a:rPr lang="en-US" smtClean="0"/>
               <a:t>Fourth level</a:t>
             </a:r>
-            <a:endParaRPr lang="en-US" smtClean="0"/>
           </a:p>
           <a:p>
             <a:pPr lvl="4"/>
@@ -4774,6 +5336,7 @@
           <a:p>
             <a:fld id="{FDE934FF-F4E1-47C5-9CA5-30A81DDE2BE4}" type="datetimeFigureOut">
               <a:rPr lang="en-US" smtClean="0"/>
+              <a:t>4/1/16</a:t>
             </a:fld>
             <a:endParaRPr lang="en-US"/>
           </a:p>
@@ -4815,6 +5378,7 @@
           <a:p>
             <a:fld id="{B3561BA9-CDCF-4958-B8AB-66F3BF063E13}" type="slidenum">
               <a:rPr lang="en-US" smtClean="0"/>
+              <a:t>‹#›</a:t>
             </a:fld>
             <a:endParaRPr lang="en-US"/>
           </a:p>
@@ -5021,6 +5585,7 @@
           <a:p>
             <a:fld id="{FDE934FF-F4E1-47C5-9CA5-30A81DDE2BE4}" type="datetimeFigureOut">
               <a:rPr lang="en-US" smtClean="0"/>
+              <a:t>4/1/16</a:t>
             </a:fld>
             <a:endParaRPr lang="en-US"/>
           </a:p>
@@ -5062,6 +5627,7 @@
           <a:p>
             <a:fld id="{B3561BA9-CDCF-4958-B8AB-66F3BF063E13}" type="slidenum">
               <a:rPr lang="en-US" smtClean="0"/>
+              <a:t>‹#›</a:t>
             </a:fld>
             <a:endParaRPr lang="en-US"/>
           </a:p>
@@ -5238,6 +5804,7 @@
           <a:p>
             <a:fld id="{FDE934FF-F4E1-47C5-9CA5-30A81DDE2BE4}" type="datetimeFigureOut">
               <a:rPr lang="en-US" smtClean="0"/>
+              <a:t>4/1/16</a:t>
             </a:fld>
             <a:endParaRPr lang="en-US"/>
           </a:p>
@@ -5313,6 +5880,7 @@
           <a:p>
             <a:fld id="{B3561BA9-CDCF-4958-B8AB-66F3BF063E13}" type="slidenum">
               <a:rPr lang="en-US" smtClean="0"/>
+              <a:t>‹#›</a:t>
             </a:fld>
             <a:endParaRPr lang="en-US"/>
           </a:p>
@@ -5777,12 +6345,30 @@
           <a:p>
             <a:pPr algn="ctr"/>
             <a:r>
-              <a:rPr lang="en-US" sz="6000">
+              <a:rPr lang="en-US" sz="6000" dirty="0" smtClean="0">
                 <a:latin typeface="WenQuanYi Micro Hei" charset="0"/>
                 <a:ea typeface="WenQuanYi Micro Hei" charset="0"/>
               </a:rPr>
-              <a:t>第三周分析和开发情况汇报</a:t>
-            </a:r>
+              <a:t>第</a:t>
+            </a:r>
+            <a:r>
+              <a:rPr lang="zh-CN" altLang="en-US" sz="6000" dirty="0" smtClean="0">
+                <a:latin typeface="WenQuanYi Micro Hei" charset="0"/>
+                <a:ea typeface="WenQuanYi Micro Hei" charset="0"/>
+              </a:rPr>
+              <a:t>五</a:t>
+            </a:r>
+            <a:r>
+              <a:rPr lang="en-US" sz="6000" dirty="0" smtClean="0">
+                <a:latin typeface="WenQuanYi Micro Hei" charset="0"/>
+                <a:ea typeface="WenQuanYi Micro Hei" charset="0"/>
+              </a:rPr>
+              <a:t>周分析和开发情况汇报</a:t>
+            </a:r>
+            <a:endParaRPr lang="en-US" sz="6000" dirty="0">
+              <a:latin typeface="WenQuanYi Micro Hei" charset="0"/>
+              <a:ea typeface="WenQuanYi Micro Hei" charset="0"/>
+            </a:endParaRPr>
           </a:p>
         </p:txBody>
       </p:sp>
@@ -5838,19 +6424,18 @@
           <a:bodyPr wrap="square" rtlCol="0" anchor="t">
             <a:spAutoFit/>
           </a:bodyPr>
+          <a:lstStyle/>
           <a:p>
             <a:r>
               <a:rPr lang="x-none"/>
               <a:t>主讲：王驰</a:t>
             </a:r>
-            <a:endParaRPr lang="x-none"/>
           </a:p>
           <a:p>
             <a:r>
               <a:rPr lang="x-none"/>
               <a:t>1120132016</a:t>
             </a:r>
-            <a:endParaRPr lang="x-none"/>
           </a:p>
         </p:txBody>
       </p:sp>
@@ -5933,6 +6518,7 @@
         </p:spPr>
         <p:txBody>
           <a:bodyPr/>
+          <a:lstStyle/>
           <a:p>
             <a:pPr marL="0" indent="0">
               <a:buNone/>
@@ -5944,6 +6530,11 @@
               </a:rPr>
               <a:t>由此可见，其对Mac，Linux和Windows的路径是确定的，由此我只要在确定的设置下做一个简单的复制即可实现功能了，首先确定源文件路径，</a:t>
             </a:r>
+          </a:p>
+          <a:p>
+            <a:pPr marL="0" indent="0">
+              <a:buNone/>
+            </a:pPr>
             <a:endParaRPr lang="x-none" sz="2400">
               <a:latin typeface="WenQuanYi Micro Hei" charset="0"/>
               <a:ea typeface="WenQuanYi Micro Hei" charset="0"/>
@@ -5953,6 +6544,30 @@
             <a:pPr marL="0" indent="0">
               <a:buNone/>
             </a:pPr>
+            <a:r>
+              <a:rPr lang="x-none" sz="2400">
+                <a:latin typeface="WenQuanYi Micro Hei" charset="0"/>
+                <a:ea typeface="WenQuanYi Micro Hei" charset="0"/>
+              </a:rPr>
+              <a:t>Windows：%APPDATA%\\Cppcheck\\Cppcheck-GUI.ini</a:t>
+            </a:r>
+          </a:p>
+          <a:p>
+            <a:pPr marL="0" indent="0">
+              <a:buNone/>
+            </a:pPr>
+            <a:r>
+              <a:rPr lang="x-none" sz="2400">
+                <a:latin typeface="WenQuanYi Micro Hei" charset="0"/>
+                <a:ea typeface="WenQuanYi Micro Hei" charset="0"/>
+              </a:rPr>
+              <a:t>Linux&amp;Mac:$HOME/.config/Cppcheck/Cppcheck-GUI.conf</a:t>
+            </a:r>
+          </a:p>
+          <a:p>
+            <a:pPr marL="0" indent="0">
+              <a:buNone/>
+            </a:pPr>
             <a:endParaRPr lang="x-none" sz="2400">
               <a:latin typeface="WenQuanYi Micro Hei" charset="0"/>
               <a:ea typeface="WenQuanYi Micro Hei" charset="0"/>
@@ -5967,53 +6582,8 @@
                 <a:latin typeface="WenQuanYi Micro Hei" charset="0"/>
                 <a:ea typeface="WenQuanYi Micro Hei" charset="0"/>
               </a:rPr>
-              <a:t>Windows：%APPDATA%\\Cppcheck\\Cppcheck-GUI.ini</a:t>
-            </a:r>
-            <a:endParaRPr lang="x-none" sz="2400">
-              <a:latin typeface="WenQuanYi Micro Hei" charset="0"/>
-              <a:ea typeface="WenQuanYi Micro Hei" charset="0"/>
-            </a:endParaRPr>
-          </a:p>
-          <a:p>
-            <a:pPr marL="0" indent="0">
-              <a:buNone/>
-            </a:pPr>
-            <a:r>
-              <a:rPr lang="x-none" sz="2400">
-                <a:latin typeface="WenQuanYi Micro Hei" charset="0"/>
-                <a:ea typeface="WenQuanYi Micro Hei" charset="0"/>
-              </a:rPr>
-              <a:t>Linux&amp;Mac:$HOME/.config/Cppcheck/Cppcheck-GUI.conf</a:t>
-            </a:r>
-            <a:endParaRPr lang="x-none" sz="2400">
-              <a:latin typeface="WenQuanYi Micro Hei" charset="0"/>
-              <a:ea typeface="WenQuanYi Micro Hei" charset="0"/>
-            </a:endParaRPr>
-          </a:p>
-          <a:p>
-            <a:pPr marL="0" indent="0">
-              <a:buNone/>
-            </a:pPr>
-            <a:endParaRPr lang="x-none" sz="2400">
-              <a:latin typeface="WenQuanYi Micro Hei" charset="0"/>
-              <a:ea typeface="WenQuanYi Micro Hei" charset="0"/>
-            </a:endParaRPr>
-          </a:p>
-          <a:p>
-            <a:pPr marL="0" indent="0">
-              <a:buNone/>
-            </a:pPr>
-            <a:r>
-              <a:rPr lang="x-none" sz="2400">
-                <a:latin typeface="WenQuanYi Micro Hei" charset="0"/>
-                <a:ea typeface="WenQuanYi Micro Hei" charset="0"/>
-              </a:rPr>
               <a:t>发现Linux下QT路径无法使用$HOME获取环境变量，使用Qprocess获取系统环境变量以达到获取路径的目的</a:t>
             </a:r>
-            <a:endParaRPr lang="x-none" sz="2400">
-              <a:latin typeface="WenQuanYi Micro Hei" charset="0"/>
-              <a:ea typeface="WenQuanYi Micro Hei" charset="0"/>
-            </a:endParaRPr>
           </a:p>
         </p:txBody>
       </p:sp>
@@ -6086,7 +6656,7 @@
           <p:nvPr/>
         </p:nvPicPr>
         <p:blipFill>
-          <a:blip r:embed="rId1"/>
+          <a:blip r:embed="rId2"/>
           <a:stretch>
             <a:fillRect/>
           </a:stretch>
@@ -6170,7 +6740,7 @@
           <p:nvPr/>
         </p:nvPicPr>
         <p:blipFill>
-          <a:blip r:embed="rId1"/>
+          <a:blip r:embed="rId2"/>
           <a:stretch>
             <a:fillRect/>
           </a:stretch>
@@ -6203,6 +6773,7 @@
         </p:spPr>
         <p:txBody>
           <a:bodyPr/>
+          <a:lstStyle/>
           <a:p>
             <a:r>
               <a:rPr lang="x-none" sz="2400">
@@ -6211,10 +6782,6 @@
               </a:rPr>
               <a:t>进行必要的文件存在性检测后使用QFile进行文件间的复制</a:t>
             </a:r>
-            <a:endParaRPr lang="x-none" sz="2400">
-              <a:latin typeface="WenQuanYi Micro Hei" charset="0"/>
-              <a:ea typeface="WenQuanYi Micro Hei" charset="0"/>
-            </a:endParaRPr>
           </a:p>
         </p:txBody>
       </p:sp>
@@ -6296,6 +6863,7 @@
         </p:spPr>
         <p:txBody>
           <a:bodyPr/>
+          <a:lstStyle/>
           <a:p>
             <a:r>
               <a:rPr lang="x-none" sz="2400">
@@ -6304,10 +6872,6 @@
               </a:rPr>
               <a:t>进行导出检测，成功，但是发现无法做到实时导出，猜测是临时设置不会实时保存到设置保存文件导致复制的是老的设置。</a:t>
             </a:r>
-            <a:endParaRPr lang="x-none" sz="2400">
-              <a:latin typeface="WenQuanYi Micro Hei" charset="0"/>
-              <a:ea typeface="WenQuanYi Micro Hei" charset="0"/>
-            </a:endParaRPr>
           </a:p>
           <a:p>
             <a:r>
@@ -6317,10 +6881,6 @@
               </a:rPr>
               <a:t>经实验，发现当软件关闭时设置才会更新，于是去closeEvent函数查看，发现SaveSettings函数</a:t>
             </a:r>
-            <a:endParaRPr lang="x-none" sz="2400">
-              <a:latin typeface="WenQuanYi Micro Hei" charset="0"/>
-              <a:ea typeface="WenQuanYi Micro Hei" charset="0"/>
-            </a:endParaRPr>
           </a:p>
           <a:p>
             <a:r>
@@ -6330,10 +6890,6 @@
               </a:rPr>
               <a:t>加到导出函数第一句进行强制设置保存，发现能完美实现实时导出设置功能</a:t>
             </a:r>
-            <a:endParaRPr lang="x-none" sz="2400">
-              <a:latin typeface="WenQuanYi Micro Hei" charset="0"/>
-              <a:ea typeface="WenQuanYi Micro Hei" charset="0"/>
-            </a:endParaRPr>
           </a:p>
           <a:p>
             <a:endParaRPr lang="x-none" sz="2400">
@@ -6352,7 +6908,7 @@
           <p:nvPr/>
         </p:nvPicPr>
         <p:blipFill>
-          <a:blip r:embed="rId1"/>
+          <a:blip r:embed="rId2"/>
           <a:stretch>
             <a:fillRect/>
           </a:stretch>
@@ -6442,6 +6998,7 @@
         </p:spPr>
         <p:txBody>
           <a:bodyPr/>
+          <a:lstStyle/>
           <a:p>
             <a:r>
               <a:rPr lang="x-none" sz="2400">
@@ -6450,10 +7007,6 @@
               </a:rPr>
               <a:t>QT编程不熟悉</a:t>
             </a:r>
-            <a:endParaRPr lang="x-none" sz="2400">
-              <a:latin typeface="WenQuanYi Micro Hei" charset="0"/>
-              <a:ea typeface="WenQuanYi Micro Hei" charset="0"/>
-            </a:endParaRPr>
           </a:p>
           <a:p>
             <a:r>
@@ -6463,10 +7016,6 @@
               </a:rPr>
               <a:t>Linux无法直接获取环境变量$HOME</a:t>
             </a:r>
-            <a:endParaRPr lang="x-none" sz="2400">
-              <a:latin typeface="WenQuanYi Micro Hei" charset="0"/>
-              <a:ea typeface="WenQuanYi Micro Hei" charset="0"/>
-            </a:endParaRPr>
           </a:p>
           <a:p>
             <a:r>
@@ -6476,10 +7025,6 @@
               </a:rPr>
               <a:t>实时导出的实现</a:t>
             </a:r>
-            <a:endParaRPr lang="x-none" sz="2400">
-              <a:latin typeface="WenQuanYi Micro Hei" charset="0"/>
-              <a:ea typeface="WenQuanYi Micro Hei" charset="0"/>
-            </a:endParaRPr>
           </a:p>
           <a:p>
             <a:r>
@@ -6489,10 +7034,6 @@
               </a:rPr>
               <a:t>所需函数的锁定</a:t>
             </a:r>
-            <a:endParaRPr lang="x-none" sz="2400">
-              <a:latin typeface="WenQuanYi Micro Hei" charset="0"/>
-              <a:ea typeface="WenQuanYi Micro Hei" charset="0"/>
-            </a:endParaRPr>
           </a:p>
         </p:txBody>
       </p:sp>
@@ -6575,7 +7116,7 @@
             <a:avLst/>
           </a:prstGeom>
           <a:solidFill>
-            <a:sysClr val="grayText" lastClr="000000">
+            <a:sysClr val="grayText" lastClr="808080">
               <a:gamma/>
               <a:invGamma/>
             </a:sysClr>
@@ -6650,7 +7191,7 @@
             <a:avLst/>
           </a:prstGeom>
           <a:solidFill>
-            <a:sysClr val="grayText" lastClr="000000">
+            <a:sysClr val="grayText" lastClr="808080">
               <a:gamma/>
               <a:invGamma/>
             </a:sysClr>
@@ -7365,7 +7906,7 @@
             <a:avLst/>
           </a:prstGeom>
           <a:solidFill>
-            <a:sysClr val="grayText" lastClr="000000">
+            <a:sysClr val="grayText" lastClr="808080">
               <a:gamma/>
               <a:invGamma/>
             </a:sysClr>
@@ -7612,7 +8153,7 @@
             <a:avLst/>
           </a:prstGeom>
           <a:solidFill>
-            <a:sysClr val="grayText" lastClr="000000">
+            <a:sysClr val="grayText" lastClr="808080">
               <a:gamma/>
               <a:invGamma/>
             </a:sysClr>
@@ -7856,7 +8397,7 @@
             <a:avLst/>
           </a:prstGeom>
           <a:solidFill>
-            <a:sysClr val="grayText" lastClr="000000">
+            <a:sysClr val="grayText" lastClr="808080">
               <a:gamma/>
               <a:invGamma/>
             </a:sysClr>
@@ -8105,7 +8646,7 @@
             <a:avLst/>
           </a:prstGeom>
           <a:solidFill>
-            <a:sysClr val="grayText" lastClr="000000">
+            <a:sysClr val="grayText" lastClr="808080">
               <a:gamma/>
               <a:invGamma/>
             </a:sysClr>
@@ -8136,7 +8677,7 @@
           <p:nvPr/>
         </p:nvPicPr>
         <p:blipFill>
-          <a:blip r:embed="rId1"/>
+          <a:blip r:embed="rId2"/>
           <a:stretch>
             <a:fillRect/>
           </a:stretch>
@@ -8163,7 +8704,7 @@
           <p:nvPr/>
         </p:nvPicPr>
         <p:blipFill>
-          <a:blip r:embed="rId2"/>
+          <a:blip r:embed="rId3"/>
           <a:stretch>
             <a:fillRect/>
           </a:stretch>
@@ -8320,10 +8861,6 @@
               </a:rPr>
               <a:t>新添检查规则</a:t>
             </a:r>
-            <a:endParaRPr lang="en-US" sz="4800">
-              <a:latin typeface="WenQuanYi Micro Hei" charset="0"/>
-              <a:ea typeface="WenQuanYi Micro Hei" charset="0"/>
-            </a:endParaRPr>
           </a:p>
         </p:txBody>
       </p:sp>
@@ -8357,10 +8894,6 @@
               </a:rPr>
               <a:t>建议使用const变量来代替常数</a:t>
             </a:r>
-            <a:endParaRPr lang="en-US" sz="2800" b="1">
-              <a:latin typeface="WenQuanYi Micro Hei" charset="0"/>
-              <a:ea typeface="WenQuanYi Micro Hei" charset="0"/>
-            </a:endParaRPr>
           </a:p>
         </p:txBody>
       </p:sp>
@@ -8418,11 +8951,6 @@
               </a:rPr>
               <a:t>进行此开发前的分析成果</a:t>
             </a:r>
-            <a:endParaRPr lang="en-US">
-              <a:latin typeface="WenQuanYi Micro Hei" charset="0"/>
-              <a:ea typeface="WenQuanYi Micro Hei" charset="0"/>
-              <a:sym typeface="+mn-ea"/>
-            </a:endParaRPr>
           </a:p>
         </p:txBody>
       </p:sp>
@@ -8461,9 +8989,6 @@
               </a:rPr>
               <a:t>：</a:t>
             </a:r>
-            <a:endParaRPr lang="x-none" altLang="en-US" sz="2800">
-              <a:latin typeface="Source Code Pro for Powerline" charset="0"/>
-            </a:endParaRPr>
           </a:p>
           <a:p>
             <a:pPr marL="1028700" lvl="1" indent="-571500">
@@ -8476,9 +9001,6 @@
               </a:rPr>
               <a:t>遍历所有已注册的检查类的对象。</a:t>
             </a:r>
-            <a:endParaRPr lang="en-US" sz="2450">
-              <a:latin typeface="Source Code Pro for Powerline" charset="0"/>
-            </a:endParaRPr>
           </a:p>
           <a:p>
             <a:pPr marL="1028700" lvl="1" indent="-571500">
@@ -8491,9 +9013,6 @@
               </a:rPr>
               <a:t>调用该对象的runCheck方法进行检查。</a:t>
             </a:r>
-            <a:endParaRPr lang="en-US" sz="2450">
-              <a:latin typeface="Source Code Pro for Powerline" charset="0"/>
-            </a:endParaRPr>
           </a:p>
           <a:p>
             <a:pPr marL="1028700" lvl="1" indent="-571500">
@@ -8506,9 +9025,6 @@
               </a:rPr>
               <a:t>将tokenlist进行简化。</a:t>
             </a:r>
-            <a:endParaRPr lang="en-US" sz="2450">
-              <a:latin typeface="Source Code Pro for Powerline" charset="0"/>
-            </a:endParaRPr>
           </a:p>
           <a:p>
             <a:pPr marL="1028700" lvl="1" indent="-571500">
@@ -8521,9 +9037,6 @@
               </a:rPr>
               <a:t>再次遍历所有检查类的对象。</a:t>
             </a:r>
-            <a:endParaRPr lang="en-US" sz="2450">
-              <a:latin typeface="Source Code Pro for Powerline" charset="0"/>
-            </a:endParaRPr>
           </a:p>
           <a:p>
             <a:pPr marL="1028700" lvl="1" indent="-571500">
@@ -8536,9 +9049,6 @@
               </a:rPr>
               <a:t>调用该对象的runSimplifiedCheck方法进行检查。</a:t>
             </a:r>
-            <a:endParaRPr lang="en-US" sz="2450">
-              <a:latin typeface="Source Code Pro for Powerline" charset="0"/>
-            </a:endParaRPr>
           </a:p>
           <a:p>
             <a:pPr marL="514350" indent="-514350"/>
@@ -8556,9 +9066,6 @@
               </a:rPr>
               <a:t>所以，如果我们要新添检查类的话，需要重点实现runCheck和runSimplifiedCheck这两个方法。同时还要知道如何注册该检查类的对象。</a:t>
             </a:r>
-            <a:endParaRPr lang="en-US" sz="2800">
-              <a:latin typeface="Source Code Pro for Powerline" charset="0"/>
-            </a:endParaRPr>
           </a:p>
         </p:txBody>
       </p:sp>
@@ -8616,11 +9123,6 @@
               </a:rPr>
               <a:t>进行此开发前的分析成果</a:t>
             </a:r>
-            <a:endParaRPr lang="en-US">
-              <a:latin typeface="WenQuanYi Micro Hei" charset="0"/>
-              <a:ea typeface="WenQuanYi Micro Hei" charset="0"/>
-              <a:sym typeface="+mn-ea"/>
-            </a:endParaRPr>
           </a:p>
         </p:txBody>
       </p:sp>
@@ -8659,9 +9161,6 @@
               </a:rPr>
               <a:t>在这个检查规则中，简化后的代码会对检查造成干扰，所以我们应该在简化前就进行检查，从上述的cppcheck的检查流程可以看出，我们需要将检查功能实现在runCheck方法中。</a:t>
             </a:r>
-            <a:endParaRPr sz="2800">
-              <a:latin typeface="Source Code Pro for Powerline" charset="0"/>
-            </a:endParaRPr>
           </a:p>
           <a:p>
             <a:pPr marL="0" indent="0">
@@ -8679,9 +9178,6 @@
               </a:rPr>
               <a:t>而runSimplifiedCheck方法对这个检查来说没有用处。</a:t>
             </a:r>
-            <a:endParaRPr sz="2800">
-              <a:latin typeface="Source Code Pro for Powerline" charset="0"/>
-            </a:endParaRPr>
           </a:p>
           <a:p>
             <a:pPr marL="0" indent="0">
@@ -8693,9 +9189,6 @@
               </a:rPr>
               <a:t>	还有要注意的地方是Check类中有两个构造函数，用于不同的场景。</a:t>
             </a:r>
-            <a:endParaRPr lang="x-none" sz="2800">
-              <a:latin typeface="Source Code Pro for Powerline" charset="0"/>
-            </a:endParaRPr>
           </a:p>
           <a:p>
             <a:pPr marL="0" indent="0">
@@ -8761,11 +9254,6 @@
               </a:rPr>
               <a:t>进行此开发前的分析成果</a:t>
             </a:r>
-            <a:endParaRPr lang="en-US">
-              <a:latin typeface="WenQuanYi Micro Hei" charset="0"/>
-              <a:ea typeface="WenQuanYi Micro Hei" charset="0"/>
-              <a:sym typeface="+mn-ea"/>
-            </a:endParaRPr>
           </a:p>
         </p:txBody>
       </p:sp>
@@ -8798,6 +9286,11 @@
               </a:rPr>
               <a:t>Check(const std::string &amp;aname)用于对象的注册，所谓注册就是把对象insert到一个list中，这个list声明在Check类中。</a:t>
             </a:r>
+          </a:p>
+          <a:p>
+            <a:pPr marL="0" indent="0">
+              <a:buNone/>
+            </a:pPr>
             <a:endParaRPr sz="2800">
               <a:latin typeface="Source Code Pro for Powerline" charset="0"/>
             </a:endParaRPr>
@@ -8806,23 +9299,12 @@
             <a:pPr marL="0" indent="0">
               <a:buNone/>
             </a:pPr>
-            <a:endParaRPr sz="2800">
-              <a:latin typeface="Source Code Pro for Powerline" charset="0"/>
-            </a:endParaRPr>
-          </a:p>
-          <a:p>
-            <a:pPr marL="0" indent="0">
-              <a:buNone/>
-            </a:pPr>
             <a:r>
               <a:rPr sz="2800">
                 <a:latin typeface="Source Code Pro for Powerline" charset="0"/>
               </a:rPr>
               <a:t>Check(const std::string &amp;aname, const Tokenizer tokenizer, const Settings settings, ErrorLogger * errorLogger)创建一个用于检查的对象。</a:t>
             </a:r>
-            <a:endParaRPr sz="2800">
-              <a:latin typeface="Source Code Pro for Powerline" charset="0"/>
-            </a:endParaRPr>
           </a:p>
         </p:txBody>
       </p:sp>
@@ -9110,14 +9592,6 @@
               </a:rPr>
               <a:t>的分析</a:t>
             </a:r>
-            <a:endParaRPr lang="x-none" sz="1400">
-              <a:solidFill>
-                <a:srgbClr val="92D050"/>
-              </a:solidFill>
-              <a:latin typeface="WenQuanYi Micro Hei" charset="0"/>
-              <a:ea typeface="WenQuanYi Micro Hei" charset="0"/>
-              <a:sym typeface="+mn-ea"/>
-            </a:endParaRPr>
           </a:p>
         </p:txBody>
       </p:sp>
@@ -9358,14 +9832,6 @@
               </a:rPr>
               <a:t>对错误检测机制的细致分析</a:t>
             </a:r>
-            <a:endParaRPr lang="x-none" altLang="en-US" sz="1400" dirty="0">
-              <a:solidFill>
-                <a:srgbClr val="F8B106"/>
-              </a:solidFill>
-              <a:latin typeface="WenQuanYi Micro Hei" charset="0"/>
-              <a:ea typeface="WenQuanYi Micro Hei" charset="0"/>
-              <a:sym typeface="+mn-ea"/>
-            </a:endParaRPr>
           </a:p>
         </p:txBody>
       </p:sp>
@@ -9634,21 +10100,6 @@
               </a:rPr>
               <a:t>1.完成GUI偏好设置导出功能的实现</a:t>
             </a:r>
-            <a:endParaRPr lang="x-none" altLang="en-US" sz="1400" kern="0" noProof="0" smtClean="0">
-              <a:ln>
-                <a:noFill/>
-              </a:ln>
-              <a:solidFill>
-                <a:schemeClr val="accent6">
-                  <a:lumMod val="75000"/>
-                </a:schemeClr>
-              </a:solidFill>
-              <a:uLnTx/>
-              <a:uFillTx/>
-              <a:latin typeface="WenQuanYi Micro Hei" charset="0"/>
-              <a:ea typeface="WenQuanYi Micro Hei" charset="0"/>
-              <a:sym typeface="+mn-ea"/>
-            </a:endParaRPr>
           </a:p>
           <a:p>
             <a:pPr lvl="0" algn="l" eaLnBrk="1" hangingPunct="1">
@@ -9944,19 +10395,6 @@
               </a:rPr>
               <a:t>完成[建议使用const变量来代替常数]功能的实现</a:t>
             </a:r>
-            <a:endParaRPr lang="x-none" sz="1400" kern="0" noProof="0" dirty="0">
-              <a:ln>
-                <a:noFill/>
-              </a:ln>
-              <a:solidFill>
-                <a:srgbClr val="266CC0"/>
-              </a:solidFill>
-              <a:uLnTx/>
-              <a:uFillTx/>
-              <a:latin typeface="WenQuanYi Micro Hei" charset="0"/>
-              <a:ea typeface="WenQuanYi Micro Hei" charset="0"/>
-              <a:sym typeface="+mn-ea"/>
-            </a:endParaRPr>
           </a:p>
         </p:txBody>
       </p:sp>
@@ -10200,15 +10638,6 @@
               </a:rPr>
               <a:t>对Preprocessor类的细致分析</a:t>
             </a:r>
-            <a:endParaRPr lang="x-none" altLang="zh-CN" sz="1400" dirty="0">
-              <a:solidFill>
-                <a:schemeClr val="accent4">
-                  <a:lumMod val="75000"/>
-                </a:schemeClr>
-              </a:solidFill>
-              <a:latin typeface="微软雅黑" pitchFamily="2" charset="-122"/>
-              <a:ea typeface="微软雅黑" pitchFamily="2" charset="-122"/>
-            </a:endParaRPr>
           </a:p>
         </p:txBody>
       </p:sp>
@@ -10294,11 +10723,6 @@
               </a:rPr>
               <a:t>开发过程</a:t>
             </a:r>
-            <a:endParaRPr lang="en-US">
-              <a:latin typeface="WenQuanYi Micro Hei" charset="0"/>
-              <a:ea typeface="WenQuanYi Micro Hei" charset="0"/>
-              <a:sym typeface="+mn-ea"/>
-            </a:endParaRPr>
           </a:p>
         </p:txBody>
       </p:sp>
@@ -10332,10 +10756,6 @@
               </a:rPr>
               <a:t>新建一个检查类，类名是CheckConstNumber，继承自Check类。</a:t>
             </a:r>
-            <a:endParaRPr sz="2400">
-              <a:latin typeface="WenQuanYi Micro Hei" charset="0"/>
-              <a:ea typeface="WenQuanYi Micro Hei" charset="0"/>
-            </a:endParaRPr>
           </a:p>
           <a:p>
             <a:pPr marL="0" indent="0">
@@ -10357,10 +10777,6 @@
               </a:rPr>
               <a:t>新建文件checkconstnumber.cpp和checkconstnumber.hpp。</a:t>
             </a:r>
-            <a:endParaRPr sz="2400">
-              <a:latin typeface="WenQuanYi Micro Hei" charset="0"/>
-              <a:ea typeface="WenQuanYi Micro Hei" charset="0"/>
-            </a:endParaRPr>
           </a:p>
           <a:p>
             <a:pPr marL="0" indent="0">
@@ -10382,10 +10798,6 @@
               </a:rPr>
               <a:t>在该类中我们实现了下列函数</a:t>
             </a:r>
-            <a:endParaRPr sz="2400">
-              <a:latin typeface="WenQuanYi Micro Hei" charset="0"/>
-              <a:ea typeface="WenQuanYi Micro Hei" charset="0"/>
-            </a:endParaRPr>
           </a:p>
           <a:p>
             <a:pPr marL="0" indent="0">
@@ -10404,10 +10816,6 @@
               </a:rPr>
               <a:t>CheckConstNumber()</a:t>
             </a:r>
-            <a:endParaRPr sz="2400">
-              <a:latin typeface="WenQuanYi Micro Hei" charset="0"/>
-              <a:ea typeface="WenQuanYi Micro Hei" charset="0"/>
-            </a:endParaRPr>
           </a:p>
           <a:p>
             <a:r>
@@ -10417,10 +10825,6 @@
               </a:rPr>
               <a:t>CheckConstNumber(const Tokenizer tokenizer, const Settings settings, ErrorLogger *errorLogger)</a:t>
             </a:r>
-            <a:endParaRPr sz="2400">
-              <a:latin typeface="WenQuanYi Micro Hei" charset="0"/>
-              <a:ea typeface="WenQuanYi Micro Hei" charset="0"/>
-            </a:endParaRPr>
           </a:p>
           <a:p>
             <a:r>
@@ -10430,10 +10834,6 @@
               </a:rPr>
               <a:t>void runChecks(const Tokenizer , const Settings , ErrorLogger *)</a:t>
             </a:r>
-            <a:endParaRPr sz="2400">
-              <a:latin typeface="WenQuanYi Micro Hei" charset="0"/>
-              <a:ea typeface="WenQuanYi Micro Hei" charset="0"/>
-            </a:endParaRPr>
           </a:p>
           <a:p>
             <a:pPr marL="0" indent="0">
@@ -10500,11 +10900,6 @@
               </a:rPr>
               <a:t>开发过程</a:t>
             </a:r>
-            <a:endParaRPr lang="en-US">
-              <a:latin typeface="WenQuanYi Micro Hei" charset="0"/>
-              <a:ea typeface="WenQuanYi Micro Hei" charset="0"/>
-              <a:sym typeface="+mn-ea"/>
-            </a:endParaRPr>
           </a:p>
         </p:txBody>
       </p:sp>
@@ -10535,10 +10930,6 @@
               </a:rPr>
               <a:t>void runChecks(const Tokenizer , const Settings , ErrorLogger *)</a:t>
             </a:r>
-            <a:endParaRPr sz="2400">
-              <a:latin typeface="WenQuanYi Micro Hei" charset="0"/>
-              <a:ea typeface="WenQuanYi Micro Hei" charset="0"/>
-            </a:endParaRPr>
           </a:p>
           <a:p>
             <a:r>
@@ -10548,10 +10939,6 @@
               </a:rPr>
               <a:t>void runSimplifiedChecks (const Tokenizer tokenizer, const Settings settings, ErrorLogger * errorLogger)</a:t>
             </a:r>
-            <a:endParaRPr sz="2400">
-              <a:latin typeface="WenQuanYi Micro Hei" charset="0"/>
-              <a:ea typeface="WenQuanYi Micro Hei" charset="0"/>
-            </a:endParaRPr>
           </a:p>
           <a:p>
             <a:r>
@@ -10561,10 +10948,6 @@
               </a:rPr>
               <a:t>void constNumber()</a:t>
             </a:r>
-            <a:endParaRPr sz="2400">
-              <a:latin typeface="WenQuanYi Micro Hei" charset="0"/>
-              <a:ea typeface="WenQuanYi Micro Hei" charset="0"/>
-            </a:endParaRPr>
           </a:p>
           <a:p>
             <a:r>
@@ -10574,10 +10957,6 @@
               </a:rPr>
               <a:t>void getErrorMessages(ErrorLogger errorLogger, const Settings settings) const</a:t>
             </a:r>
-            <a:endParaRPr sz="2400">
-              <a:latin typeface="WenQuanYi Micro Hei" charset="0"/>
-              <a:ea typeface="WenQuanYi Micro Hei" charset="0"/>
-            </a:endParaRPr>
           </a:p>
           <a:p>
             <a:r>
@@ -10587,10 +10966,6 @@
               </a:rPr>
               <a:t>std::string classInfo() const</a:t>
             </a:r>
-            <a:endParaRPr sz="2400">
-              <a:latin typeface="WenQuanYi Micro Hei" charset="0"/>
-              <a:ea typeface="WenQuanYi Micro Hei" charset="0"/>
-            </a:endParaRPr>
           </a:p>
           <a:p>
             <a:r>
@@ -10600,10 +10975,6 @@
               </a:rPr>
               <a:t>static std::string myName()</a:t>
             </a:r>
-            <a:endParaRPr sz="2400">
-              <a:latin typeface="WenQuanYi Micro Hei" charset="0"/>
-              <a:ea typeface="WenQuanYi Micro Hei" charset="0"/>
-            </a:endParaRPr>
           </a:p>
         </p:txBody>
       </p:sp>
@@ -10661,11 +11032,6 @@
               </a:rPr>
               <a:t>CheckConstNumber()</a:t>
             </a:r>
-            <a:endParaRPr lang="en-US">
-              <a:latin typeface="WenQuanYi Micro Hei" charset="0"/>
-              <a:ea typeface="WenQuanYi Micro Hei" charset="0"/>
-              <a:sym typeface="+mn-ea"/>
-            </a:endParaRPr>
           </a:p>
         </p:txBody>
       </p:sp>
@@ -10696,10 +11062,6 @@
               </a:rPr>
               <a:t>该构造函数用于注册该检查类的对象，直接通过该构造函数定义一个对象即可完成注册。</a:t>
             </a:r>
-            <a:endParaRPr sz="2800">
-              <a:latin typeface="WenQuanYi Micro Hei" charset="0"/>
-              <a:ea typeface="WenQuanYi Micro Hei" charset="0"/>
-            </a:endParaRPr>
           </a:p>
           <a:p>
             <a:endParaRPr>
@@ -10721,10 +11083,6 @@
               </a:rPr>
               <a:t>CheckConstNumber(): Check(myName()){}</a:t>
             </a:r>
-            <a:endParaRPr sz="2800">
-              <a:latin typeface="WenQuanYi Micro Hei" charset="0"/>
-              <a:ea typeface="WenQuanYi Micro Hei" charset="0"/>
-            </a:endParaRPr>
           </a:p>
         </p:txBody>
       </p:sp>
@@ -10827,6 +11185,11 @@
               </a:rPr>
               <a:t>在进行检查时通过该构造函数创建一个对象，通过该对象来调用方法。</a:t>
             </a:r>
+          </a:p>
+          <a:p>
+            <a:pPr marL="0" indent="0">
+              <a:buNone/>
+            </a:pPr>
             <a:endParaRPr sz="2800">
               <a:latin typeface="WenQuanYi Micro Hei" charset="0"/>
               <a:ea typeface="WenQuanYi Micro Hei" charset="0"/>
@@ -10836,15 +11199,6 @@
             <a:pPr marL="0" indent="0">
               <a:buNone/>
             </a:pPr>
-            <a:endParaRPr sz="2800">
-              <a:latin typeface="WenQuanYi Micro Hei" charset="0"/>
-              <a:ea typeface="WenQuanYi Micro Hei" charset="0"/>
-            </a:endParaRPr>
-          </a:p>
-          <a:p>
-            <a:pPr marL="0" indent="0">
-              <a:buNone/>
-            </a:pPr>
             <a:r>
               <a:rPr sz="2800">
                 <a:latin typeface="WenQuanYi Micro Hei" charset="0"/>
@@ -10852,10 +11206,6 @@
               </a:rPr>
               <a:t>CheckConstNumber(const Tokenizer *tokenizer, const Settings *settings, </a:t>
             </a:r>
-            <a:endParaRPr sz="2800">
-              <a:latin typeface="WenQuanYi Micro Hei" charset="0"/>
-              <a:ea typeface="WenQuanYi Micro Hei" charset="0"/>
-            </a:endParaRPr>
           </a:p>
           <a:p>
             <a:pPr marL="0" indent="0">
@@ -10868,10 +11218,6 @@
               </a:rPr>
               <a:t>ErrorLogger *errorLogger): </a:t>
             </a:r>
-            <a:endParaRPr sz="2800">
-              <a:latin typeface="WenQuanYi Micro Hei" charset="0"/>
-              <a:ea typeface="WenQuanYi Micro Hei" charset="0"/>
-            </a:endParaRPr>
           </a:p>
           <a:p>
             <a:pPr marL="0" indent="0">
@@ -10884,10 +11230,6 @@
               </a:rPr>
               <a:t>Check(myName(), tokenizer, settings, errorLogger){}</a:t>
             </a:r>
-            <a:endParaRPr sz="2800">
-              <a:latin typeface="WenQuanYi Micro Hei" charset="0"/>
-              <a:ea typeface="WenQuanYi Micro Hei" charset="0"/>
-            </a:endParaRPr>
           </a:p>
         </p:txBody>
       </p:sp>
@@ -10945,11 +11287,6 @@
               </a:rPr>
               <a:t>void runChecks(const Tokenizer , const Settings , ErrorLogger *)</a:t>
             </a:r>
-            <a:endParaRPr lang="en-US" sz="3600">
-              <a:latin typeface="WenQuanYi Micro Hei" charset="0"/>
-              <a:ea typeface="WenQuanYi Micro Hei" charset="0"/>
-              <a:sym typeface="+mn-ea"/>
-            </a:endParaRPr>
           </a:p>
         </p:txBody>
       </p:sp>
@@ -10983,6 +11320,11 @@
               </a:rPr>
               <a:t>这个方法将父类Check的该方法进行重写。主要目的是实现检查功能。先创建一个对象，再通过该对象调用constNumber方法进行检查。</a:t>
             </a:r>
+          </a:p>
+          <a:p>
+            <a:pPr marL="0" indent="0">
+              <a:buNone/>
+            </a:pPr>
             <a:endParaRPr sz="2800">
               <a:latin typeface="WenQuanYi Micro Hei" charset="0"/>
               <a:ea typeface="WenQuanYi Micro Hei" charset="0"/>
@@ -10992,15 +11334,6 @@
             <a:pPr marL="0" indent="0">
               <a:buNone/>
             </a:pPr>
-            <a:endParaRPr sz="2800">
-              <a:latin typeface="WenQuanYi Micro Hei" charset="0"/>
-              <a:ea typeface="WenQuanYi Micro Hei" charset="0"/>
-            </a:endParaRPr>
-          </a:p>
-          <a:p>
-            <a:pPr marL="0" indent="0">
-              <a:buNone/>
-            </a:pPr>
             <a:r>
               <a:rPr sz="2400">
                 <a:latin typeface="WenQuanYi Micro Hei" charset="0"/>
@@ -11008,10 +11341,6 @@
               </a:rPr>
               <a:t>void CheckConstNumber:: runChecks(const Tokenizer *tokenizer, const Settings *settings, ErrorLogger *errorLogger){</a:t>
             </a:r>
-            <a:endParaRPr sz="2400">
-              <a:latin typeface="WenQuanYi Micro Hei" charset="0"/>
-              <a:ea typeface="WenQuanYi Micro Hei" charset="0"/>
-            </a:endParaRPr>
           </a:p>
           <a:p>
             <a:pPr marL="0" indent="0">
@@ -11024,10 +11353,6 @@
               </a:rPr>
               <a:t>    CheckConstNumber checkConstNumber(tokenizer, settings, errorLogger);</a:t>
             </a:r>
-            <a:endParaRPr sz="2400">
-              <a:latin typeface="WenQuanYi Micro Hei" charset="0"/>
-              <a:ea typeface="WenQuanYi Micro Hei" charset="0"/>
-            </a:endParaRPr>
           </a:p>
           <a:p>
             <a:pPr marL="0" indent="0">
@@ -11040,10 +11365,6 @@
               </a:rPr>
               <a:t>    checkConstNumber.constNumber();</a:t>
             </a:r>
-            <a:endParaRPr sz="2400">
-              <a:latin typeface="WenQuanYi Micro Hei" charset="0"/>
-              <a:ea typeface="WenQuanYi Micro Hei" charset="0"/>
-            </a:endParaRPr>
           </a:p>
           <a:p>
             <a:pPr marL="0" indent="0">
@@ -11056,10 +11377,6 @@
               </a:rPr>
               <a:t>}</a:t>
             </a:r>
-            <a:endParaRPr sz="2400">
-              <a:latin typeface="WenQuanYi Micro Hei" charset="0"/>
-              <a:ea typeface="WenQuanYi Micro Hei" charset="0"/>
-            </a:endParaRPr>
           </a:p>
         </p:txBody>
       </p:sp>
@@ -11117,11 +11434,6 @@
               </a:rPr>
               <a:t>void runSimplifiedChecks(const Tokenizer tokenizer, const Settings settings, ErrorLogger * errorLogger)</a:t>
             </a:r>
-            <a:endParaRPr lang="en-US" sz="2400">
-              <a:latin typeface="WenQuanYi Micro Hei" charset="0"/>
-              <a:ea typeface="WenQuanYi Micro Hei" charset="0"/>
-              <a:sym typeface="+mn-ea"/>
-            </a:endParaRPr>
           </a:p>
         </p:txBody>
       </p:sp>
@@ -11155,10 +11467,6 @@
               </a:rPr>
               <a:t>这个函数在这里没用，但是因为这是Check类中的纯虚函数，所以在这里必须得进行定义。</a:t>
             </a:r>
-            <a:endParaRPr sz="2000">
-              <a:latin typeface="WenQuanYi Micro Hei" charset="0"/>
-              <a:ea typeface="WenQuanYi Micro Hei" charset="0"/>
-            </a:endParaRPr>
           </a:p>
           <a:p>
             <a:pPr marL="0" indent="0">
@@ -11171,10 +11479,6 @@
               </a:rPr>
               <a:t>void constNumber()</a:t>
             </a:r>
-            <a:endParaRPr sz="2000">
-              <a:latin typeface="WenQuanYi Micro Hei" charset="0"/>
-              <a:ea typeface="WenQuanYi Micro Hei" charset="0"/>
-            </a:endParaRPr>
           </a:p>
           <a:p>
             <a:pPr marL="0" indent="0">
@@ -11203,7 +11507,7 @@
           <p:nvPr/>
         </p:nvPicPr>
         <p:blipFill>
-          <a:blip r:embed="rId1"/>
+          <a:blip r:embed="rId3"/>
           <a:stretch>
             <a:fillRect/>
           </a:stretch>
@@ -11272,11 +11576,6 @@
               </a:rPr>
               <a:t>开发中遇到的问题</a:t>
             </a:r>
-            <a:endParaRPr lang="en-US">
-              <a:latin typeface="WenQuanYi Micro Hei" charset="0"/>
-              <a:ea typeface="WenQuanYi Micro Hei" charset="0"/>
-              <a:sym typeface="+mn-ea"/>
-            </a:endParaRPr>
           </a:p>
         </p:txBody>
       </p:sp>
@@ -11310,6 +11609,11 @@
               </a:rPr>
               <a:t>在把类写完了之后不知道如何注册检查对象，当时看了很多类也没有找到怎么进行注册，后来在CheckMemoryLeak.cpp中看到了一段代码</a:t>
             </a:r>
+          </a:p>
+          <a:p>
+            <a:pPr marL="0" indent="0">
+              <a:buNone/>
+            </a:pPr>
             <a:endParaRPr sz="2400">
               <a:latin typeface="WenQuanYi Micro Hei" charset="0"/>
               <a:ea typeface="WenQuanYi Micro Hei" charset="0"/>
@@ -11319,15 +11623,6 @@
             <a:pPr marL="0" indent="0">
               <a:buNone/>
             </a:pPr>
-            <a:endParaRPr sz="2400">
-              <a:latin typeface="WenQuanYi Micro Hei" charset="0"/>
-              <a:ea typeface="WenQuanYi Micro Hei" charset="0"/>
-            </a:endParaRPr>
-          </a:p>
-          <a:p>
-            <a:pPr marL="0" indent="0">
-              <a:buNone/>
-            </a:pPr>
             <a:r>
               <a:rPr sz="2400">
                 <a:latin typeface="WenQuanYi Micro Hei" charset="0"/>
@@ -11335,10 +11630,6 @@
               </a:rPr>
               <a:t>// Register this check class (by creating a static instance of it)</a:t>
             </a:r>
-            <a:endParaRPr sz="2400">
-              <a:latin typeface="WenQuanYi Micro Hei" charset="0"/>
-              <a:ea typeface="WenQuanYi Micro Hei" charset="0"/>
-            </a:endParaRPr>
           </a:p>
           <a:p>
             <a:pPr marL="0" indent="0">
@@ -11351,10 +11642,6 @@
               </a:rPr>
               <a:t>namespace {</a:t>
             </a:r>
-            <a:endParaRPr sz="2400">
-              <a:latin typeface="WenQuanYi Micro Hei" charset="0"/>
-              <a:ea typeface="WenQuanYi Micro Hei" charset="0"/>
-            </a:endParaRPr>
           </a:p>
           <a:p>
             <a:pPr marL="0" indent="0">
@@ -11367,10 +11654,6 @@
               </a:rPr>
               <a:t>    CheckMemoryLeakInFunction instance1;</a:t>
             </a:r>
-            <a:endParaRPr sz="2400">
-              <a:latin typeface="WenQuanYi Micro Hei" charset="0"/>
-              <a:ea typeface="WenQuanYi Micro Hei" charset="0"/>
-            </a:endParaRPr>
           </a:p>
           <a:p>
             <a:pPr marL="0" indent="0">
@@ -11383,10 +11666,6 @@
               </a:rPr>
               <a:t>    CheckMemoryLeakInClass instance2;</a:t>
             </a:r>
-            <a:endParaRPr sz="2400">
-              <a:latin typeface="WenQuanYi Micro Hei" charset="0"/>
-              <a:ea typeface="WenQuanYi Micro Hei" charset="0"/>
-            </a:endParaRPr>
           </a:p>
           <a:p>
             <a:pPr marL="0" indent="0">
@@ -11399,10 +11678,6 @@
               </a:rPr>
               <a:t>    CheckMemoryLeakStructMember instance3;</a:t>
             </a:r>
-            <a:endParaRPr sz="2400">
-              <a:latin typeface="WenQuanYi Micro Hei" charset="0"/>
-              <a:ea typeface="WenQuanYi Micro Hei" charset="0"/>
-            </a:endParaRPr>
           </a:p>
           <a:p>
             <a:pPr marL="0" indent="0">
@@ -11415,10 +11690,6 @@
               </a:rPr>
               <a:t>    CheckMemoryLeakNoVar instance4;</a:t>
             </a:r>
-            <a:endParaRPr sz="2400">
-              <a:latin typeface="WenQuanYi Micro Hei" charset="0"/>
-              <a:ea typeface="WenQuanYi Micro Hei" charset="0"/>
-            </a:endParaRPr>
           </a:p>
           <a:p>
             <a:pPr marL="0" indent="0">
@@ -11431,10 +11702,6 @@
               </a:rPr>
               <a:t>}</a:t>
             </a:r>
-            <a:endParaRPr sz="2400">
-              <a:latin typeface="WenQuanYi Micro Hei" charset="0"/>
-              <a:ea typeface="WenQuanYi Micro Hei" charset="0"/>
-            </a:endParaRPr>
           </a:p>
         </p:txBody>
       </p:sp>
@@ -11492,11 +11759,6 @@
               </a:rPr>
               <a:t>开发中遇到的问题</a:t>
             </a:r>
-            <a:endParaRPr lang="en-US">
-              <a:latin typeface="WenQuanYi Micro Hei" charset="0"/>
-              <a:ea typeface="WenQuanYi Micro Hei" charset="0"/>
-              <a:sym typeface="+mn-ea"/>
-            </a:endParaRPr>
           </a:p>
         </p:txBody>
       </p:sp>
@@ -11530,6 +11792,11 @@
               </a:rPr>
               <a:t>这段代码的意思是使用匿名namespace来声明全局变量，调用的构造函数是无参数的注册构造函数。</a:t>
             </a:r>
+          </a:p>
+          <a:p>
+            <a:pPr marL="0" indent="0">
+              <a:buNone/>
+            </a:pPr>
             <a:endParaRPr sz="2400">
               <a:latin typeface="WenQuanYi Micro Hei" charset="0"/>
               <a:ea typeface="WenQuanYi Micro Hei" charset="0"/>
@@ -11539,6 +11806,18 @@
             <a:pPr marL="0" indent="0">
               <a:buNone/>
             </a:pPr>
+            <a:r>
+              <a:rPr sz="2400">
+                <a:latin typeface="WenQuanYi Micro Hei" charset="0"/>
+                <a:ea typeface="WenQuanYi Micro Hei" charset="0"/>
+              </a:rPr>
+              <a:t>所以使用如下代码即可注册该检查对象</a:t>
+            </a:r>
+          </a:p>
+          <a:p>
+            <a:pPr marL="0" indent="0">
+              <a:buNone/>
+            </a:pPr>
             <a:endParaRPr sz="2400">
               <a:latin typeface="WenQuanYi Micro Hei" charset="0"/>
               <a:ea typeface="WenQuanYi Micro Hei" charset="0"/>
@@ -11553,21 +11832,8 @@
                 <a:latin typeface="WenQuanYi Micro Hei" charset="0"/>
                 <a:ea typeface="WenQuanYi Micro Hei" charset="0"/>
               </a:rPr>
-              <a:t>所以使用如下代码即可注册该检查对象</a:t>
-            </a:r>
-            <a:endParaRPr sz="2400">
-              <a:latin typeface="WenQuanYi Micro Hei" charset="0"/>
-              <a:ea typeface="WenQuanYi Micro Hei" charset="0"/>
-            </a:endParaRPr>
-          </a:p>
-          <a:p>
-            <a:pPr marL="0" indent="0">
-              <a:buNone/>
-            </a:pPr>
-            <a:endParaRPr sz="2400">
-              <a:latin typeface="WenQuanYi Micro Hei" charset="0"/>
-              <a:ea typeface="WenQuanYi Micro Hei" charset="0"/>
-            </a:endParaRPr>
+              <a:t>namespace {</a:t>
+            </a:r>
           </a:p>
           <a:p>
             <a:pPr marL="0" indent="0">
@@ -11578,12 +11844,8 @@
                 <a:latin typeface="WenQuanYi Micro Hei" charset="0"/>
                 <a:ea typeface="WenQuanYi Micro Hei" charset="0"/>
               </a:rPr>
-              <a:t>namespace {</a:t>
-            </a:r>
-            <a:endParaRPr sz="2400">
-              <a:latin typeface="WenQuanYi Micro Hei" charset="0"/>
-              <a:ea typeface="WenQuanYi Micro Hei" charset="0"/>
-            </a:endParaRPr>
+              <a:t>    CheckConstNumber checkConstNumber;</a:t>
+            </a:r>
           </a:p>
           <a:p>
             <a:pPr marL="0" indent="0">
@@ -11594,28 +11856,8 @@
                 <a:latin typeface="WenQuanYi Micro Hei" charset="0"/>
                 <a:ea typeface="WenQuanYi Micro Hei" charset="0"/>
               </a:rPr>
-              <a:t>    CheckConstNumber checkConstNumber;</a:t>
-            </a:r>
-            <a:endParaRPr sz="2400">
-              <a:latin typeface="WenQuanYi Micro Hei" charset="0"/>
-              <a:ea typeface="WenQuanYi Micro Hei" charset="0"/>
-            </a:endParaRPr>
-          </a:p>
-          <a:p>
-            <a:pPr marL="0" indent="0">
-              <a:buNone/>
-            </a:pPr>
-            <a:r>
-              <a:rPr sz="2400">
-                <a:latin typeface="WenQuanYi Micro Hei" charset="0"/>
-                <a:ea typeface="WenQuanYi Micro Hei" charset="0"/>
-              </a:rPr>
               <a:t>}</a:t>
             </a:r>
-            <a:endParaRPr sz="2400">
-              <a:latin typeface="WenQuanYi Micro Hei" charset="0"/>
-              <a:ea typeface="WenQuanYi Micro Hei" charset="0"/>
-            </a:endParaRPr>
           </a:p>
         </p:txBody>
       </p:sp>
@@ -11673,11 +11915,6 @@
               </a:rPr>
               <a:t>成果展示</a:t>
             </a:r>
-            <a:endParaRPr lang="x-none" altLang="en-US">
-              <a:latin typeface="WenQuanYi Micro Hei" charset="0"/>
-              <a:ea typeface="WenQuanYi Micro Hei" charset="0"/>
-              <a:sym typeface="+mn-ea"/>
-            </a:endParaRPr>
           </a:p>
         </p:txBody>
       </p:sp>
@@ -11690,7 +11927,7 @@
           <p:nvPr/>
         </p:nvPicPr>
         <p:blipFill>
-          <a:blip r:embed="rId1"/>
+          <a:blip r:embed="rId3"/>
           <a:stretch>
             <a:fillRect/>
           </a:stretch>
@@ -11889,10 +12126,6 @@
               </a:rPr>
               <a:t>类</a:t>
             </a:r>
-            <a:endParaRPr lang="en-US" sz="5400">
-              <a:latin typeface="WenQuanYi Micro Hei" charset="0"/>
-              <a:ea typeface="WenQuanYi Micro Hei" charset="0"/>
-            </a:endParaRPr>
           </a:p>
         </p:txBody>
       </p:sp>
@@ -11947,10 +12180,6 @@
               </a:rPr>
               <a:t>Preprocessor类</a:t>
             </a:r>
-            <a:endParaRPr lang="en-US">
-              <a:latin typeface="WenQuanYi Micro Hei" charset="0"/>
-              <a:ea typeface="WenQuanYi Micro Hei" charset="0"/>
-            </a:endParaRPr>
           </a:p>
         </p:txBody>
       </p:sp>
@@ -11982,10 +12211,6 @@
               </a:rPr>
               <a:t>预处理类，具有提取各个源文件中配置的特殊功能</a:t>
             </a:r>
-            <a:endParaRPr lang="en-US" sz="3600">
-              <a:latin typeface="WenQuanYi Micro Hei" charset="0"/>
-              <a:ea typeface="WenQuanYi Micro Hei" charset="0"/>
-            </a:endParaRPr>
           </a:p>
           <a:p>
             <a:pPr marL="571500" indent="-571500"/>
@@ -12003,10 +12228,6 @@
               </a:rPr>
               <a:t>构造函数和析构函数文档写在preprocessor.cpp中</a:t>
             </a:r>
-            <a:endParaRPr lang="en-US" sz="2800">
-              <a:latin typeface="WenQuanYi Micro Hei" charset="0"/>
-              <a:ea typeface="WenQuanYi Micro Hei" charset="0"/>
-            </a:endParaRPr>
           </a:p>
           <a:p>
             <a:pPr marL="571500" indent="-571500"/>
@@ -12017,10 +12238,6 @@
               </a:rPr>
               <a:t>Preprocessor::Preprocessor(Settings&amp; settings, ErrorLogger *errorLogger) : _settings(settings), _errorLogger(errorLogger)</a:t>
             </a:r>
-            <a:endParaRPr lang="en-US" sz="2800">
-              <a:latin typeface="WenQuanYi Micro Hei" charset="0"/>
-              <a:ea typeface="WenQuanYi Micro Hei" charset="0"/>
-            </a:endParaRPr>
           </a:p>
         </p:txBody>
       </p:sp>
@@ -12075,10 +12292,6 @@
               </a:rPr>
               <a:t>preprocessor.cpp</a:t>
             </a:r>
-            <a:endParaRPr lang="en-US">
-              <a:latin typeface="WenQuanYi Micro Hei" charset="0"/>
-              <a:ea typeface="WenQuanYi Micro Hei" charset="0"/>
-            </a:endParaRPr>
           </a:p>
         </p:txBody>
       </p:sp>
@@ -12111,9 +12324,6 @@
               </a:rPr>
               <a:t>成员函数文档： </a:t>
             </a:r>
-            <a:endParaRPr lang="en-US" sz="2400">
-              <a:latin typeface="Source Code Pro for Powerline" charset="0"/>
-            </a:endParaRPr>
           </a:p>
           <a:p>
             <a:pPr marL="0" indent="0">
@@ -12125,9 +12335,6 @@
               </a:rPr>
               <a:t>bool Preprocessor::cplusplus  ( const Settings *  settings, const std::string &amp;  filename  )  </a:t>
             </a:r>
-            <a:endParaRPr lang="en-US" sz="2400">
-              <a:latin typeface="Source Code Pro for Powerline" charset="0"/>
-            </a:endParaRPr>
           </a:p>
         </p:txBody>
       </p:sp>
@@ -12215,10 +12422,6 @@
               </a:rPr>
               <a:t>在代码中扩展宏：</a:t>
             </a:r>
-            <a:endParaRPr lang="en-US" sz="2000">
-              <a:latin typeface="WenQuanYi Micro Hei" charset="0"/>
-              <a:ea typeface="WenQuanYi Micro Hei" charset="0"/>
-            </a:endParaRPr>
           </a:p>
           <a:p>
             <a:pPr marL="0" indent="0">
@@ -12231,10 +12434,6 @@
               </a:rPr>
               <a:t>std::string Preprocessor::expandMacros  ( const std::string &amp;  code,  </a:t>
             </a:r>
-            <a:endParaRPr lang="en-US" sz="2000">
-              <a:latin typeface="WenQuanYi Micro Hei" charset="0"/>
-              <a:ea typeface="WenQuanYi Micro Hei" charset="0"/>
-            </a:endParaRPr>
           </a:p>
           <a:p>
             <a:pPr marL="0" indent="0">
@@ -12247,10 +12446,6 @@
               </a:rPr>
               <a:t>  std::string  filename,  </a:t>
             </a:r>
-            <a:endParaRPr lang="en-US" sz="2000">
-              <a:latin typeface="WenQuanYi Micro Hei" charset="0"/>
-              <a:ea typeface="WenQuanYi Micro Hei" charset="0"/>
-            </a:endParaRPr>
           </a:p>
           <a:p>
             <a:pPr marL="0" indent="0">
@@ -12263,10 +12458,6 @@
               </a:rPr>
               <a:t>  const std::string &amp;  cfg,  </a:t>
             </a:r>
-            <a:endParaRPr lang="en-US" sz="2000">
-              <a:latin typeface="WenQuanYi Micro Hei" charset="0"/>
-              <a:ea typeface="WenQuanYi Micro Hei" charset="0"/>
-            </a:endParaRPr>
           </a:p>
           <a:p>
             <a:pPr marL="0" indent="0">
@@ -12279,10 +12470,6 @@
               </a:rPr>
               <a:t>  ErrorLogger *  errorLogger  </a:t>
             </a:r>
-            <a:endParaRPr lang="en-US" sz="2000">
-              <a:latin typeface="WenQuanYi Micro Hei" charset="0"/>
-              <a:ea typeface="WenQuanYi Micro Hei" charset="0"/>
-            </a:endParaRPr>
           </a:p>
           <a:p>
             <a:pPr marL="0" indent="0">
@@ -12295,10 +12482,6 @@
               </a:rPr>
               <a:t> )  </a:t>
             </a:r>
-            <a:endParaRPr lang="en-US" sz="2000">
-              <a:latin typeface="WenQuanYi Micro Hei" charset="0"/>
-              <a:ea typeface="WenQuanYi Micro Hei" charset="0"/>
-            </a:endParaRPr>
           </a:p>
           <a:p>
             <a:pPr marL="0" indent="0">
@@ -12311,10 +12494,6 @@
               </a:rPr>
               <a:t>参数：</a:t>
             </a:r>
-            <a:endParaRPr lang="en-US" sz="2000">
-              <a:latin typeface="WenQuanYi Micro Hei" charset="0"/>
-              <a:ea typeface="WenQuanYi Micro Hei" charset="0"/>
-            </a:endParaRPr>
           </a:p>
           <a:p>
             <a:pPr marL="0" indent="0">
@@ -12327,10 +12506,6 @@
               </a:rPr>
               <a:t>code 输入代码  </a:t>
             </a:r>
-            <a:endParaRPr lang="en-US" sz="2000">
-              <a:latin typeface="WenQuanYi Micro Hei" charset="0"/>
-              <a:ea typeface="WenQuanYi Micro Hei" charset="0"/>
-            </a:endParaRPr>
           </a:p>
           <a:p>
             <a:pPr marL="0" indent="0">
@@ -12343,10 +12518,6 @@
               </a:rPr>
               <a:t>filename 源文件文件名  </a:t>
             </a:r>
-            <a:endParaRPr lang="en-US" sz="2000">
-              <a:latin typeface="WenQuanYi Micro Hei" charset="0"/>
-              <a:ea typeface="WenQuanYi Micro Hei" charset="0"/>
-            </a:endParaRPr>
           </a:p>
           <a:p>
             <a:pPr marL="0" indent="0">
@@ -12359,10 +12530,6 @@
               </a:rPr>
               <a:t>cfg 用户而给定的 -D 配置  </a:t>
             </a:r>
-            <a:endParaRPr lang="en-US" sz="2000">
-              <a:latin typeface="WenQuanYi Micro Hei" charset="0"/>
-              <a:ea typeface="WenQuanYi Micro Hei" charset="0"/>
-            </a:endParaRPr>
           </a:p>
           <a:p>
             <a:pPr marL="0" indent="0">
@@ -12375,10 +12542,6 @@
               </a:rPr>
               <a:t>errorLogger 错误记录器，记录可能存在的错误</a:t>
             </a:r>
-            <a:endParaRPr lang="en-US" sz="2000">
-              <a:latin typeface="WenQuanYi Micro Hei" charset="0"/>
-              <a:ea typeface="WenQuanYi Micro Hei" charset="0"/>
-            </a:endParaRPr>
           </a:p>
           <a:p>
             <a:pPr marL="0" indent="0">
@@ -12391,10 +12554,6 @@
               </a:rPr>
               <a:t>返回值：被扩展的字符串</a:t>
             </a:r>
-            <a:endParaRPr lang="en-US" sz="2000">
-              <a:latin typeface="WenQuanYi Micro Hei" charset="0"/>
-              <a:ea typeface="WenQuanYi Micro Hei" charset="0"/>
-            </a:endParaRPr>
           </a:p>
         </p:txBody>
       </p:sp>
@@ -12487,6 +12646,11 @@
               </a:rPr>
               <a:t>得到所有配置文件并按字母排序</a:t>
             </a:r>
+          </a:p>
+          <a:p>
+            <a:pPr marL="0" indent="0">
+              <a:buNone/>
+            </a:pPr>
             <a:endParaRPr lang="en-US" sz="2800">
               <a:latin typeface="WenQuanYi Micro Hei" charset="0"/>
               <a:ea typeface="WenQuanYi Micro Hei" charset="0"/>
@@ -12496,15 +12660,6 @@
             <a:pPr marL="0" indent="0">
               <a:buNone/>
             </a:pPr>
-            <a:endParaRPr lang="en-US" sz="2800">
-              <a:latin typeface="WenQuanYi Micro Hei" charset="0"/>
-              <a:ea typeface="WenQuanYi Micro Hei" charset="0"/>
-            </a:endParaRPr>
-          </a:p>
-          <a:p>
-            <a:pPr marL="0" indent="0">
-              <a:buNone/>
-            </a:pPr>
             <a:r>
               <a:rPr lang="en-US" sz="2800">
                 <a:latin typeface="WenQuanYi Micro Hei" charset="0"/>
@@ -12512,10 +12667,6 @@
               </a:rPr>
               <a:t>std::list&lt; std::string &gt; Preprocessor::getcfgs  ( </a:t>
             </a:r>
-            <a:endParaRPr lang="en-US" sz="2800">
-              <a:latin typeface="WenQuanYi Micro Hei" charset="0"/>
-              <a:ea typeface="WenQuanYi Micro Hei" charset="0"/>
-            </a:endParaRPr>
           </a:p>
           <a:p>
             <a:pPr marL="0" indent="0">
@@ -12528,10 +12679,6 @@
               </a:rPr>
               <a:t>const std::string &amp;  filedata,  </a:t>
             </a:r>
-            <a:endParaRPr lang="en-US" sz="2800">
-              <a:latin typeface="WenQuanYi Micro Hei" charset="0"/>
-              <a:ea typeface="WenQuanYi Micro Hei" charset="0"/>
-            </a:endParaRPr>
           </a:p>
           <a:p>
             <a:pPr marL="0" indent="0">
@@ -12544,10 +12691,6 @@
               </a:rPr>
               <a:t>const std::string &amp;  filename,  </a:t>
             </a:r>
-            <a:endParaRPr lang="en-US" sz="2800">
-              <a:latin typeface="WenQuanYi Micro Hei" charset="0"/>
-              <a:ea typeface="WenQuanYi Micro Hei" charset="0"/>
-            </a:endParaRPr>
           </a:p>
           <a:p>
             <a:pPr marL="0" indent="0">
@@ -12560,10 +12703,6 @@
               </a:rPr>
               <a:t>const std::map&lt; std::string, std::string &gt; &amp;  defs  </a:t>
             </a:r>
-            <a:endParaRPr lang="en-US" sz="2800">
-              <a:latin typeface="WenQuanYi Micro Hei" charset="0"/>
-              <a:ea typeface="WenQuanYi Micro Hei" charset="0"/>
-            </a:endParaRPr>
           </a:p>
           <a:p>
             <a:pPr marL="0" indent="0">
@@ -12576,10 +12715,6 @@
               </a:rPr>
               <a:t> )  </a:t>
             </a:r>
-            <a:endParaRPr lang="en-US" sz="2800">
-              <a:latin typeface="WenQuanYi Micro Hei" charset="0"/>
-              <a:ea typeface="WenQuanYi Micro Hei" charset="0"/>
-            </a:endParaRPr>
           </a:p>
         </p:txBody>
       </p:sp>
@@ -12667,9 +12802,6 @@
               </a:rPr>
               <a:t>对于一个给定的配置得到预处理代码：</a:t>
             </a:r>
-            <a:endParaRPr lang="en-US" sz="2400">
-              <a:latin typeface="Source Code Pro for Powerline" charset="0"/>
-            </a:endParaRPr>
           </a:p>
           <a:p>
             <a:pPr marL="0" indent="0">
@@ -12681,9 +12813,6 @@
               </a:rPr>
               <a:t>std::string Preprocessor::getcode  ( const std::string &amp;  filedata,  </a:t>
             </a:r>
-            <a:endParaRPr lang="en-US" sz="2400">
-              <a:latin typeface="Source Code Pro for Powerline" charset="0"/>
-            </a:endParaRPr>
           </a:p>
           <a:p>
             <a:pPr marL="0" indent="0">
@@ -12695,9 +12824,6 @@
               </a:rPr>
               <a:t>  const std::string &amp;  cfg,  </a:t>
             </a:r>
-            <a:endParaRPr lang="en-US" sz="2400">
-              <a:latin typeface="Source Code Pro for Powerline" charset="0"/>
-            </a:endParaRPr>
           </a:p>
           <a:p>
             <a:pPr marL="0" indent="0">
@@ -12709,9 +12835,6 @@
               </a:rPr>
               <a:t>  const std::string &amp;  filename  </a:t>
             </a:r>
-            <a:endParaRPr lang="en-US" sz="2400">
-              <a:latin typeface="Source Code Pro for Powerline" charset="0"/>
-            </a:endParaRPr>
           </a:p>
           <a:p>
             <a:pPr marL="0" indent="0">
@@ -12723,9 +12846,6 @@
               </a:rPr>
               <a:t> )   </a:t>
             </a:r>
-            <a:endParaRPr lang="en-US" sz="2400">
-              <a:latin typeface="Source Code Pro for Powerline" charset="0"/>
-            </a:endParaRPr>
           </a:p>
           <a:p>
             <a:pPr marL="0" indent="0">
@@ -12737,9 +12857,6 @@
               </a:rPr>
               <a:t>参数：</a:t>
             </a:r>
-            <a:endParaRPr lang="en-US" sz="2400">
-              <a:latin typeface="Source Code Pro for Powerline" charset="0"/>
-            </a:endParaRPr>
           </a:p>
           <a:p>
             <a:pPr marL="0" indent="0">
@@ -12751,9 +12868,6 @@
               </a:rPr>
               <a:t>filedata 文件数据包括预处理 'if', 'define'等  </a:t>
             </a:r>
-            <a:endParaRPr lang="en-US" sz="2400">
-              <a:latin typeface="Source Code Pro for Powerline" charset="0"/>
-            </a:endParaRPr>
           </a:p>
           <a:p>
             <a:pPr marL="0" indent="0">
@@ -12765,9 +12879,6 @@
               </a:rPr>
               <a:t>cfg 配置  </a:t>
             </a:r>
-            <a:endParaRPr lang="en-US" sz="2400">
-              <a:latin typeface="Source Code Pro for Powerline" charset="0"/>
-            </a:endParaRPr>
           </a:p>
           <a:p>
             <a:pPr marL="0" indent="0">
@@ -12779,9 +12890,6 @@
               </a:rPr>
               <a:t>filename源文件名  </a:t>
             </a:r>
-            <a:endParaRPr lang="en-US" sz="2400">
-              <a:latin typeface="Source Code Pro for Powerline" charset="0"/>
-            </a:endParaRPr>
           </a:p>
         </p:txBody>
       </p:sp>
@@ -12870,9 +12978,6 @@
               </a:rPr>
               <a:t>错误信息</a:t>
             </a:r>
-            <a:endParaRPr lang="en-US">
-              <a:latin typeface="Source Code Pro for Powerline" charset="0"/>
-            </a:endParaRPr>
           </a:p>
           <a:p>
             <a:pPr marL="0" indent="0">
@@ -12884,9 +12989,6 @@
               </a:rPr>
               <a:t>void Preprocessor::getErrorMessages  ( ErrorLogger *  errorLogger,  </a:t>
             </a:r>
-            <a:endParaRPr lang="en-US">
-              <a:latin typeface="Source Code Pro for Powerline" charset="0"/>
-            </a:endParaRPr>
           </a:p>
           <a:p>
             <a:pPr marL="0" indent="0">
@@ -12898,9 +13000,6 @@
               </a:rPr>
               <a:t>  const Settings *  settings  </a:t>
             </a:r>
-            <a:endParaRPr lang="en-US">
-              <a:latin typeface="Source Code Pro for Powerline" charset="0"/>
-            </a:endParaRPr>
           </a:p>
           <a:p>
             <a:pPr marL="0" indent="0">
@@ -12912,9 +13011,6 @@
               </a:rPr>
               <a:t> )</a:t>
             </a:r>
-            <a:endParaRPr lang="en-US">
-              <a:latin typeface="Source Code Pro for Powerline" charset="0"/>
-            </a:endParaRPr>
           </a:p>
         </p:txBody>
       </p:sp>
@@ -13003,9 +13099,6 @@
               </a:rPr>
               <a:t>：</a:t>
             </a:r>
-            <a:endParaRPr lang="x-none" altLang="en-US" sz="2800">
-              <a:latin typeface="Source Code Pro for Powerline" charset="0"/>
-            </a:endParaRPr>
           </a:p>
           <a:p>
             <a:pPr marL="0" indent="0">
@@ -13017,9 +13110,6 @@
               </a:rPr>
               <a:t>Preprocessor::HeaderTypes Preprocessor::getHeaderFileName  ( std::string &amp;  str )  </a:t>
             </a:r>
-            <a:endParaRPr lang="en-US" sz="2800">
-              <a:latin typeface="Source Code Pro for Powerline" charset="0"/>
-            </a:endParaRPr>
           </a:p>
           <a:p>
             <a:pPr marL="0" indent="0">
@@ -13031,9 +13121,6 @@
               </a:rPr>
               <a:t>返回值：</a:t>
             </a:r>
-            <a:endParaRPr lang="en-US" sz="2800">
-              <a:latin typeface="Source Code Pro for Powerline" charset="0"/>
-            </a:endParaRPr>
           </a:p>
           <a:p>
             <a:pPr marL="0" indent="0">
@@ -13045,9 +13132,6 @@
               </a:rPr>
               <a:t>如果没有“”也没有&lt;&gt;，则返回NoHeader</a:t>
             </a:r>
-            <a:endParaRPr lang="en-US" sz="2800">
-              <a:latin typeface="Source Code Pro for Powerline" charset="0"/>
-            </a:endParaRPr>
           </a:p>
           <a:p>
             <a:pPr marL="0" indent="0">
@@ -13059,9 +13143,6 @@
               </a:rPr>
               <a:t>如果发现“”返回UserHeader</a:t>
             </a:r>
-            <a:endParaRPr lang="en-US" sz="2800">
-              <a:latin typeface="Source Code Pro for Powerline" charset="0"/>
-            </a:endParaRPr>
           </a:p>
           <a:p>
             <a:pPr marL="0" indent="0">
@@ -13073,9 +13154,6 @@
               </a:rPr>
               <a:t>如果发现&lt;&gt;返回SystemHeader</a:t>
             </a:r>
-            <a:endParaRPr lang="en-US" sz="2800">
-              <a:latin typeface="Source Code Pro for Powerline" charset="0"/>
-            </a:endParaRPr>
           </a:p>
         </p:txBody>
       </p:sp>
@@ -13175,6 +13253,132 @@
               </a:rPr>
               <a:t>include</a:t>
             </a:r>
+          </a:p>
+          <a:p>
+            <a:pPr marL="0" indent="0">
+              <a:buNone/>
+            </a:pPr>
+            <a:r>
+              <a:rPr lang="en-US" sz="2000">
+                <a:latin typeface="Source Code Pro for Powerline" charset="0"/>
+              </a:rPr>
+              <a:t>std::string Preprocessor::handleIncludes  ( const std::string &amp;  code,  </a:t>
+            </a:r>
+          </a:p>
+          <a:p>
+            <a:pPr marL="0" indent="0">
+              <a:buNone/>
+            </a:pPr>
+            <a:r>
+              <a:rPr lang="en-US" sz="2000">
+                <a:latin typeface="Source Code Pro for Powerline" charset="0"/>
+              </a:rPr>
+              <a:t>  const std::string &amp;  filePath,  </a:t>
+            </a:r>
+          </a:p>
+          <a:p>
+            <a:pPr marL="0" indent="0">
+              <a:buNone/>
+            </a:pPr>
+            <a:r>
+              <a:rPr lang="en-US" sz="2000">
+                <a:latin typeface="Source Code Pro for Powerline" charset="0"/>
+              </a:rPr>
+              <a:t>  const std::list&lt; std::string &gt; &amp;  includePaths,  </a:t>
+            </a:r>
+          </a:p>
+          <a:p>
+            <a:pPr marL="0" indent="0">
+              <a:buNone/>
+            </a:pPr>
+            <a:r>
+              <a:rPr lang="en-US" sz="2000">
+                <a:latin typeface="Source Code Pro for Powerline" charset="0"/>
+              </a:rPr>
+              <a:t>  std::map&lt; std::string, std::string &gt; &amp;  defs,  </a:t>
+            </a:r>
+          </a:p>
+          <a:p>
+            <a:pPr marL="0" indent="0">
+              <a:buNone/>
+            </a:pPr>
+            <a:r>
+              <a:rPr lang="en-US" sz="2000">
+                <a:latin typeface="Source Code Pro for Powerline" charset="0"/>
+              </a:rPr>
+              <a:t>  std::set&lt; std::string &gt; &amp;  pragmaOnce,  </a:t>
+            </a:r>
+          </a:p>
+          <a:p>
+            <a:pPr marL="0" indent="0">
+              <a:buNone/>
+            </a:pPr>
+            <a:r>
+              <a:rPr lang="en-US" sz="2000">
+                <a:latin typeface="Source Code Pro for Powerline" charset="0"/>
+              </a:rPr>
+              <a:t>  std::list&lt; std::string &gt;  includes  </a:t>
+            </a:r>
+          </a:p>
+          <a:p>
+            <a:pPr marL="0" indent="0">
+              <a:buNone/>
+            </a:pPr>
+            <a:r>
+              <a:rPr lang="en-US" sz="2000">
+                <a:latin typeface="Source Code Pro for Powerline" charset="0"/>
+              </a:rPr>
+              <a:t> )</a:t>
+            </a:r>
+          </a:p>
+          <a:p>
+            <a:pPr marL="0" indent="0">
+              <a:buNone/>
+            </a:pPr>
+            <a:r>
+              <a:rPr lang="en-US" sz="2000">
+                <a:latin typeface="Source Code Pro for Powerline" charset="0"/>
+              </a:rPr>
+              <a:t>参数：</a:t>
+            </a:r>
+          </a:p>
+          <a:p>
+            <a:pPr marL="0" indent="0">
+              <a:buNone/>
+            </a:pPr>
+            <a:r>
+              <a:rPr lang="en-US" sz="2000">
+                <a:latin typeface="Source Code Pro for Powerline" charset="0"/>
+              </a:rPr>
+              <a:t>code 字符串中的代码               filePath代码的文件名  </a:t>
+            </a:r>
+          </a:p>
+          <a:p>
+            <a:pPr marL="0" indent="0">
+              <a:buNone/>
+            </a:pPr>
+            <a:r>
+              <a:rPr lang="en-US" sz="2000">
+                <a:latin typeface="Source Code Pro for Powerline" charset="0"/>
+              </a:rPr>
+              <a:t>includePaths 头文件可能存在的路径  defs 只有值的定义 </a:t>
+            </a:r>
+          </a:p>
+          <a:p>
+            <a:pPr marL="0" indent="0">
+              <a:buNone/>
+            </a:pPr>
+            <a:r>
+              <a:rPr lang="en-US" sz="2000">
+                <a:latin typeface="Source Code Pro for Powerline" charset="0"/>
+              </a:rPr>
+              <a:t>pragmaOnce 参数声明    includes 提供一个空表防止递归出问题  </a:t>
+            </a:r>
+          </a:p>
+          <a:p>
+            <a:pPr marL="0" indent="0">
+              <a:buNone/>
+            </a:pPr>
             <a:endParaRPr lang="en-US" sz="2000">
               <a:latin typeface="Source Code Pro for Powerline" charset="0"/>
             </a:endParaRPr>
@@ -13187,11 +13391,8 @@
               <a:rPr lang="en-US" sz="2000">
                 <a:latin typeface="Source Code Pro for Powerline" charset="0"/>
               </a:rPr>
-              <a:t>std::string Preprocessor::handleIncludes  ( const std::string &amp;  code,  </a:t>
-            </a:r>
-            <a:endParaRPr lang="en-US" sz="2000">
-              <a:latin typeface="Source Code Pro for Powerline" charset="0"/>
-            </a:endParaRPr>
+              <a:t>返回值：</a:t>
+            </a:r>
           </a:p>
           <a:p>
             <a:pPr marL="0" indent="0">
@@ -13201,173 +13402,8 @@
               <a:rPr lang="en-US" sz="2000">
                 <a:latin typeface="Source Code Pro for Powerline" charset="0"/>
               </a:rPr>
-              <a:t>  const std::string &amp;  filePath,  </a:t>
-            </a:r>
-            <a:endParaRPr lang="en-US" sz="2000">
-              <a:latin typeface="Source Code Pro for Powerline" charset="0"/>
-            </a:endParaRPr>
-          </a:p>
-          <a:p>
-            <a:pPr marL="0" indent="0">
-              <a:buNone/>
-            </a:pPr>
-            <a:r>
-              <a:rPr lang="en-US" sz="2000">
-                <a:latin typeface="Source Code Pro for Powerline" charset="0"/>
-              </a:rPr>
-              <a:t>  const std::list&lt; std::string &gt; &amp;  includePaths,  </a:t>
-            </a:r>
-            <a:endParaRPr lang="en-US" sz="2000">
-              <a:latin typeface="Source Code Pro for Powerline" charset="0"/>
-            </a:endParaRPr>
-          </a:p>
-          <a:p>
-            <a:pPr marL="0" indent="0">
-              <a:buNone/>
-            </a:pPr>
-            <a:r>
-              <a:rPr lang="en-US" sz="2000">
-                <a:latin typeface="Source Code Pro for Powerline" charset="0"/>
-              </a:rPr>
-              <a:t>  std::map&lt; std::string, std::string &gt; &amp;  defs,  </a:t>
-            </a:r>
-            <a:endParaRPr lang="en-US" sz="2000">
-              <a:latin typeface="Source Code Pro for Powerline" charset="0"/>
-            </a:endParaRPr>
-          </a:p>
-          <a:p>
-            <a:pPr marL="0" indent="0">
-              <a:buNone/>
-            </a:pPr>
-            <a:r>
-              <a:rPr lang="en-US" sz="2000">
-                <a:latin typeface="Source Code Pro for Powerline" charset="0"/>
-              </a:rPr>
-              <a:t>  std::set&lt; std::string &gt; &amp;  pragmaOnce,  </a:t>
-            </a:r>
-            <a:endParaRPr lang="en-US" sz="2000">
-              <a:latin typeface="Source Code Pro for Powerline" charset="0"/>
-            </a:endParaRPr>
-          </a:p>
-          <a:p>
-            <a:pPr marL="0" indent="0">
-              <a:buNone/>
-            </a:pPr>
-            <a:r>
-              <a:rPr lang="en-US" sz="2000">
-                <a:latin typeface="Source Code Pro for Powerline" charset="0"/>
-              </a:rPr>
-              <a:t>  std::list&lt; std::string &gt;  includes  </a:t>
-            </a:r>
-            <a:endParaRPr lang="en-US" sz="2000">
-              <a:latin typeface="Source Code Pro for Powerline" charset="0"/>
-            </a:endParaRPr>
-          </a:p>
-          <a:p>
-            <a:pPr marL="0" indent="0">
-              <a:buNone/>
-            </a:pPr>
-            <a:r>
-              <a:rPr lang="en-US" sz="2000">
-                <a:latin typeface="Source Code Pro for Powerline" charset="0"/>
-              </a:rPr>
-              <a:t> )</a:t>
-            </a:r>
-            <a:endParaRPr lang="en-US" sz="2000">
-              <a:latin typeface="Source Code Pro for Powerline" charset="0"/>
-            </a:endParaRPr>
-          </a:p>
-          <a:p>
-            <a:pPr marL="0" indent="0">
-              <a:buNone/>
-            </a:pPr>
-            <a:r>
-              <a:rPr lang="en-US" sz="2000">
-                <a:latin typeface="Source Code Pro for Powerline" charset="0"/>
-              </a:rPr>
-              <a:t>参数：</a:t>
-            </a:r>
-            <a:endParaRPr lang="en-US" sz="2000">
-              <a:latin typeface="Source Code Pro for Powerline" charset="0"/>
-            </a:endParaRPr>
-          </a:p>
-          <a:p>
-            <a:pPr marL="0" indent="0">
-              <a:buNone/>
-            </a:pPr>
-            <a:r>
-              <a:rPr lang="en-US" sz="2000">
-                <a:latin typeface="Source Code Pro for Powerline" charset="0"/>
-              </a:rPr>
-              <a:t>code 字符串中的代码               filePath代码的文件名  </a:t>
-            </a:r>
-            <a:endParaRPr lang="en-US" sz="2000">
-              <a:latin typeface="Source Code Pro for Powerline" charset="0"/>
-            </a:endParaRPr>
-          </a:p>
-          <a:p>
-            <a:pPr marL="0" indent="0">
-              <a:buNone/>
-            </a:pPr>
-            <a:r>
-              <a:rPr lang="en-US" sz="2000">
-                <a:latin typeface="Source Code Pro for Powerline" charset="0"/>
-              </a:rPr>
-              <a:t>includePaths 头文件可能存在的路径  defs 只有值的定义 </a:t>
-            </a:r>
-            <a:endParaRPr lang="en-US" sz="2000">
-              <a:latin typeface="Source Code Pro for Powerline" charset="0"/>
-            </a:endParaRPr>
-          </a:p>
-          <a:p>
-            <a:pPr marL="0" indent="0">
-              <a:buNone/>
-            </a:pPr>
-            <a:r>
-              <a:rPr lang="en-US" sz="2000">
-                <a:latin typeface="Source Code Pro for Powerline" charset="0"/>
-              </a:rPr>
-              <a:t>pragmaOnce 参数声明    includes 提供一个空表防止递归出问题  </a:t>
-            </a:r>
-            <a:endParaRPr lang="en-US" sz="2000">
-              <a:latin typeface="Source Code Pro for Powerline" charset="0"/>
-            </a:endParaRPr>
-          </a:p>
-          <a:p>
-            <a:pPr marL="0" indent="0">
-              <a:buNone/>
-            </a:pPr>
-            <a:endParaRPr lang="en-US" sz="2000">
-              <a:latin typeface="Source Code Pro for Powerline" charset="0"/>
-            </a:endParaRPr>
-          </a:p>
-          <a:p>
-            <a:pPr marL="0" indent="0">
-              <a:buNone/>
-            </a:pPr>
-            <a:r>
-              <a:rPr lang="en-US" sz="2000">
-                <a:latin typeface="Source Code Pro for Powerline" charset="0"/>
-              </a:rPr>
-              <a:t>返回值：</a:t>
-            </a:r>
-            <a:endParaRPr lang="en-US" sz="2000">
-              <a:latin typeface="Source Code Pro for Powerline" charset="0"/>
-            </a:endParaRPr>
-          </a:p>
-          <a:p>
-            <a:pPr marL="0" indent="0">
-              <a:buNone/>
-            </a:pPr>
-            <a:r>
-              <a:rPr lang="en-US" sz="2000">
-                <a:latin typeface="Source Code Pro for Powerline" charset="0"/>
-              </a:rPr>
               <a:t>结果字符串</a:t>
             </a:r>
-            <a:endParaRPr lang="en-US" sz="2000">
-              <a:latin typeface="Source Code Pro for Powerline" charset="0"/>
-            </a:endParaRPr>
           </a:p>
         </p:txBody>
       </p:sp>
@@ -13455,9 +13491,6 @@
               </a:rPr>
               <a:t>处理无定义</a:t>
             </a:r>
-            <a:endParaRPr lang="en-US" sz="2400">
-              <a:latin typeface="Source Code Pro for Powerline" charset="0"/>
-            </a:endParaRPr>
           </a:p>
           <a:p>
             <a:pPr marL="0" indent="0">
@@ -13469,9 +13502,6 @@
               </a:rPr>
               <a:t>void Preprocessor::handleUndef  ( std::list&lt; std::string &gt; &amp;  configurations ) </a:t>
             </a:r>
-            <a:endParaRPr lang="en-US" sz="2400">
-              <a:latin typeface="Source Code Pro for Powerline" charset="0"/>
-            </a:endParaRPr>
           </a:p>
         </p:txBody>
       </p:sp>
@@ -14837,6 +14867,7 @@
         </p:style>
         <p:txBody>
           <a:bodyPr anchor="ctr"/>
+          <a:lstStyle/>
           <a:p>
             <a:pPr marL="0" marR="0" lvl="0" indent="0" algn="ctr" defTabSz="914400" rtl="0" eaLnBrk="1" fontAlgn="auto" latinLnBrk="0" hangingPunct="1">
               <a:lnSpc>
@@ -14955,9 +14986,6 @@
               </a:rPr>
               <a:t>评估条件的数值</a:t>
             </a:r>
-            <a:endParaRPr lang="en-US" sz="2400">
-              <a:latin typeface="Source Code Pro for Powerline" charset="0"/>
-            </a:endParaRPr>
           </a:p>
           <a:p>
             <a:pPr marL="0" indent="0">
@@ -14969,9 +14997,6 @@
               </a:rPr>
               <a:t>bool Preprocessor::match_cfg_def  ( std::map&lt; std::string, std::string &gt;  cfg,  </a:t>
             </a:r>
-            <a:endParaRPr lang="en-US" sz="2400">
-              <a:latin typeface="Source Code Pro for Powerline" charset="0"/>
-            </a:endParaRPr>
           </a:p>
           <a:p>
             <a:pPr marL="0" indent="0">
@@ -14983,9 +15008,6 @@
               </a:rPr>
               <a:t>  std::string  def  </a:t>
             </a:r>
-            <a:endParaRPr lang="en-US" sz="2400">
-              <a:latin typeface="Source Code Pro for Powerline" charset="0"/>
-            </a:endParaRPr>
           </a:p>
           <a:p>
             <a:pPr marL="0" indent="0">
@@ -14997,9 +15019,6 @@
               </a:rPr>
               <a:t> )</a:t>
             </a:r>
-            <a:endParaRPr lang="en-US" sz="2400">
-              <a:latin typeface="Source Code Pro for Powerline" charset="0"/>
-            </a:endParaRPr>
           </a:p>
           <a:p>
             <a:pPr marL="0" indent="0">
@@ -15011,9 +15030,6 @@
               </a:rPr>
               <a:t>参数：</a:t>
             </a:r>
-            <a:endParaRPr lang="en-US" sz="2400">
-              <a:latin typeface="Source Code Pro for Powerline" charset="0"/>
-            </a:endParaRPr>
           </a:p>
           <a:p>
             <a:pPr marL="0" indent="0">
@@ -15025,9 +15041,6 @@
               </a:rPr>
               <a:t>cfg 配置  </a:t>
             </a:r>
-            <a:endParaRPr lang="en-US" sz="2400">
-              <a:latin typeface="Source Code Pro for Powerline" charset="0"/>
-            </a:endParaRPr>
           </a:p>
           <a:p>
             <a:pPr marL="0" indent="0">
@@ -15039,9 +15052,6 @@
               </a:rPr>
               <a:t>def 条件  </a:t>
             </a:r>
-            <a:endParaRPr lang="en-US" sz="2400">
-              <a:latin typeface="Source Code Pro for Powerline" charset="0"/>
-            </a:endParaRPr>
           </a:p>
           <a:p>
             <a:pPr marL="0" indent="0">
@@ -15053,9 +15063,6 @@
               </a:rPr>
               <a:t>返回值：</a:t>
             </a:r>
-            <a:endParaRPr lang="en-US" sz="2400">
-              <a:latin typeface="Source Code Pro for Powerline" charset="0"/>
-            </a:endParaRPr>
           </a:p>
           <a:p>
             <a:pPr marL="0" indent="0">
@@ -15067,9 +15074,6 @@
               </a:rPr>
               <a:t>评估条件的结果，当def==‘0’时返回false，def==‘1’时返回true</a:t>
             </a:r>
-            <a:endParaRPr lang="en-US" sz="2400">
-              <a:latin typeface="Source Code Pro for Powerline" charset="0"/>
-            </a:endParaRPr>
           </a:p>
         </p:txBody>
       </p:sp>
@@ -15157,9 +15161,6 @@
               </a:rPr>
               <a:t>提取每个配置的代码</a:t>
             </a:r>
-            <a:endParaRPr lang="en-US" sz="2000">
-              <a:latin typeface="Source Code Pro for Powerline" charset="0"/>
-            </a:endParaRPr>
           </a:p>
           <a:p>
             <a:pPr marL="0" indent="0">
@@ -15171,9 +15172,6 @@
               </a:rPr>
               <a:t>void Preprocessor::preprocess  ( std::istream &amp;  istr,  </a:t>
             </a:r>
-            <a:endParaRPr lang="en-US" sz="2000">
-              <a:latin typeface="Source Code Pro for Powerline" charset="0"/>
-            </a:endParaRPr>
           </a:p>
           <a:p>
             <a:pPr marL="0" indent="0">
@@ -15185,9 +15183,6 @@
               </a:rPr>
               <a:t>  std::map&lt; std::string, std::string &gt; &amp;  result,  </a:t>
             </a:r>
-            <a:endParaRPr lang="en-US" sz="2000">
-              <a:latin typeface="Source Code Pro for Powerline" charset="0"/>
-            </a:endParaRPr>
           </a:p>
           <a:p>
             <a:pPr marL="0" indent="0">
@@ -15199,9 +15194,6 @@
               </a:rPr>
               <a:t>  const std::string &amp;  filename,  </a:t>
             </a:r>
-            <a:endParaRPr lang="en-US" sz="2000">
-              <a:latin typeface="Source Code Pro for Powerline" charset="0"/>
-            </a:endParaRPr>
           </a:p>
           <a:p>
             <a:pPr marL="0" indent="0">
@@ -15213,9 +15205,6 @@
               </a:rPr>
               <a:t>  const std::list&lt; std::string &gt; &amp;  includePaths = std::list&lt;std::string&gt;()  )</a:t>
             </a:r>
-            <a:endParaRPr lang="en-US" sz="2000">
-              <a:latin typeface="Source Code Pro for Powerline" charset="0"/>
-            </a:endParaRPr>
           </a:p>
           <a:p>
             <a:pPr marL="0" indent="0">
@@ -15227,9 +15216,6 @@
               </a:rPr>
               <a:t>参数：</a:t>
             </a:r>
-            <a:endParaRPr lang="en-US" sz="2000">
-              <a:latin typeface="Source Code Pro for Powerline" charset="0"/>
-            </a:endParaRPr>
           </a:p>
           <a:p>
             <a:pPr marL="0" indent="0">
@@ -15241,9 +15227,6 @@
               </a:rPr>
               <a:t>istr 文件、字符串的流读取  </a:t>
             </a:r>
-            <a:endParaRPr lang="en-US" sz="2000">
-              <a:latin typeface="Source Code Pro for Powerline" charset="0"/>
-            </a:endParaRPr>
           </a:p>
           <a:p>
             <a:pPr marL="0" indent="0">
@@ -15255,9 +15238,6 @@
               </a:rPr>
               <a:t>result 将会得到结果的区域  </a:t>
             </a:r>
-            <a:endParaRPr lang="en-US" sz="2000">
-              <a:latin typeface="Source Code Pro for Powerline" charset="0"/>
-            </a:endParaRPr>
           </a:p>
           <a:p>
             <a:pPr marL="0" indent="0">
@@ -15269,9 +15249,6 @@
               </a:rPr>
               <a:t>filename 用来检测的文件名 如 "src/main.cpp"  </a:t>
             </a:r>
-            <a:endParaRPr lang="en-US" sz="2000">
-              <a:latin typeface="Source Code Pro for Powerline" charset="0"/>
-            </a:endParaRPr>
           </a:p>
           <a:p>
             <a:pPr marL="0" indent="0">
@@ -15283,9 +15260,6 @@
               </a:rPr>
               <a:t>includePaths 文件搜索的路径表，单路径比如"include/"的结尾必须有一个路径分隔符。默认参数是空的列表。注意，如果所给文件名的路径也是提取的，那么如果包含路径没有从先前的路径中找到，它就作为最后的include 路径。 </a:t>
             </a:r>
-            <a:endParaRPr lang="en-US" sz="2000">
-              <a:latin typeface="Source Code Pro for Powerline" charset="0"/>
-            </a:endParaRPr>
           </a:p>
         </p:txBody>
       </p:sp>
@@ -15373,9 +15347,6 @@
               </a:rPr>
               <a:t>为每个配置提取代码</a:t>
             </a:r>
-            <a:endParaRPr lang="en-US" sz="2400">
-              <a:latin typeface="Source Code Pro for Powerline" charset="0"/>
-            </a:endParaRPr>
           </a:p>
           <a:p>
             <a:pPr marL="0" indent="0">
@@ -15387,9 +15358,6 @@
               </a:rPr>
               <a:t>void Preprocessor::preprocess  ( std::istream &amp;  srcCodeStream,  </a:t>
             </a:r>
-            <a:endParaRPr lang="en-US" sz="2400">
-              <a:latin typeface="Source Code Pro for Powerline" charset="0"/>
-            </a:endParaRPr>
           </a:p>
           <a:p>
             <a:pPr marL="0" indent="0">
@@ -15401,9 +15369,6 @@
               </a:rPr>
               <a:t>  std::string &amp;  processedFile,  </a:t>
             </a:r>
-            <a:endParaRPr lang="en-US" sz="2400">
-              <a:latin typeface="Source Code Pro for Powerline" charset="0"/>
-            </a:endParaRPr>
           </a:p>
           <a:p>
             <a:pPr marL="0" indent="0">
@@ -15415,9 +15380,6 @@
               </a:rPr>
               <a:t>  std::list&lt; std::string &gt; &amp;  resultConfigurations,  </a:t>
             </a:r>
-            <a:endParaRPr lang="en-US" sz="2400">
-              <a:latin typeface="Source Code Pro for Powerline" charset="0"/>
-            </a:endParaRPr>
           </a:p>
           <a:p>
             <a:pPr marL="0" indent="0">
@@ -15429,9 +15391,6 @@
               </a:rPr>
               <a:t>  const std::string &amp;  filename,  </a:t>
             </a:r>
-            <a:endParaRPr lang="en-US" sz="2400">
-              <a:latin typeface="Source Code Pro for Powerline" charset="0"/>
-            </a:endParaRPr>
           </a:p>
           <a:p>
             <a:pPr marL="0" indent="0">
@@ -15443,9 +15402,6 @@
               </a:rPr>
               <a:t>  const std::list&lt; std::string &gt; &amp;  includePaths  </a:t>
             </a:r>
-            <a:endParaRPr lang="en-US" sz="2400">
-              <a:latin typeface="Source Code Pro for Powerline" charset="0"/>
-            </a:endParaRPr>
           </a:p>
           <a:p>
             <a:pPr marL="0" indent="0">
@@ -15457,9 +15413,6 @@
               </a:rPr>
               <a:t> )</a:t>
             </a:r>
-            <a:endParaRPr lang="en-US" sz="2400">
-              <a:latin typeface="Source Code Pro for Powerline" charset="0"/>
-            </a:endParaRPr>
           </a:p>
           <a:p>
             <a:pPr marL="0" indent="0">
@@ -15555,9 +15508,6 @@
               </a:rPr>
               <a:t>参数：</a:t>
             </a:r>
-            <a:endParaRPr lang="en-US" sz="2400">
-              <a:latin typeface="Source Code Pro for Powerline" charset="0"/>
-            </a:endParaRPr>
           </a:p>
           <a:p>
             <a:pPr marL="0" indent="0">
@@ -15569,9 +15519,6 @@
               </a:rPr>
               <a:t>srcCodeStream文件、字符串的流读取  </a:t>
             </a:r>
-            <a:endParaRPr lang="en-US" sz="2400">
-              <a:latin typeface="Source Code Pro for Powerline" charset="0"/>
-            </a:endParaRPr>
           </a:p>
           <a:p>
             <a:pPr marL="0" indent="0">
@@ -15583,9 +15530,6 @@
               </a:rPr>
               <a:t>processedFile给空字符串作为参数,函数将填补处理文件。使用这个也作为文件数据的参数getcode()如果收到不止一次配置。 </a:t>
             </a:r>
-            <a:endParaRPr lang="en-US" sz="2400">
-              <a:latin typeface="Source Code Pro for Powerline" charset="0"/>
-            </a:endParaRPr>
           </a:p>
           <a:p>
             <a:pPr marL="0" indent="0">
@@ -15597,9 +15541,6 @@
               </a:rPr>
               <a:t>resultConfigurations配置清单用处理文件将这些一个接一个的传递给getcode()</a:t>
             </a:r>
-            <a:endParaRPr lang="en-US" sz="2400">
-              <a:latin typeface="Source Code Pro for Powerline" charset="0"/>
-            </a:endParaRPr>
           </a:p>
           <a:p>
             <a:pPr marL="0" indent="0">
@@ -15611,9 +15552,6 @@
               </a:rPr>
               <a:t>filename用来检测的文件名 如 "src/main.cpp"</a:t>
             </a:r>
-            <a:endParaRPr lang="en-US" sz="2400">
-              <a:latin typeface="Source Code Pro for Powerline" charset="0"/>
-            </a:endParaRPr>
           </a:p>
           <a:p>
             <a:pPr marL="0" indent="0">
@@ -15625,9 +15563,6 @@
               </a:rPr>
               <a:t>includePaths文件搜索的路径表，单路径比如"include/"的结尾必须有一个路径分隔符。默认参数是空的列表。注意，如果所给文件名的路径也是提取的，那么如果包含路径没有从先前的路径中找到，它就作为最后的include 路径。 </a:t>
             </a:r>
-            <a:endParaRPr lang="en-US" sz="2400">
-              <a:latin typeface="Source Code Pro for Powerline" charset="0"/>
-            </a:endParaRPr>
           </a:p>
         </p:txBody>
       </p:sp>
@@ -15715,9 +15650,6 @@
               </a:rPr>
               <a:t>清理预处理行</a:t>
             </a:r>
-            <a:endParaRPr lang="en-US" sz="2800">
-              <a:latin typeface="Source Code Pro for Powerline" charset="0"/>
-            </a:endParaRPr>
           </a:p>
           <a:p>
             <a:pPr marL="0" indent="0">
@@ -15729,9 +15661,6 @@
               </a:rPr>
               <a:t>std::string Preprocessor::preprocessCleanupDirectives  ( const std::string &amp;  processedFile )  </a:t>
             </a:r>
-            <a:endParaRPr lang="en-US" sz="2800">
-              <a:latin typeface="Source Code Pro for Powerline" charset="0"/>
-            </a:endParaRPr>
           </a:p>
           <a:p>
             <a:pPr marL="0" indent="0">
@@ -15743,9 +15672,6 @@
               </a:rPr>
               <a:t>参数：</a:t>
             </a:r>
-            <a:endParaRPr lang="en-US" sz="2800">
-              <a:latin typeface="Source Code Pro for Powerline" charset="0"/>
-            </a:endParaRPr>
           </a:p>
           <a:p>
             <a:pPr marL="0" indent="0">
@@ -15757,9 +15683,6 @@
               </a:rPr>
               <a:t>processedFile 将被预处理的数据 </a:t>
             </a:r>
-            <a:endParaRPr lang="en-US" sz="2800">
-              <a:latin typeface="Source Code Pro for Powerline" charset="0"/>
-            </a:endParaRPr>
           </a:p>
         </p:txBody>
       </p:sp>
@@ -15847,9 +15770,6 @@
               </a:rPr>
               <a:t>清理预处理行</a:t>
             </a:r>
-            <a:endParaRPr lang="en-US" sz="2800">
-              <a:latin typeface="Source Code Pro for Powerline" charset="0"/>
-            </a:endParaRPr>
           </a:p>
           <a:p>
             <a:pPr marL="0" indent="0">
@@ -15861,9 +15781,6 @@
               </a:rPr>
               <a:t>std::string Preprocessor::preprocessCleanupDirectives  ( const std::string &amp;  processedFile )  </a:t>
             </a:r>
-            <a:endParaRPr lang="en-US" sz="2800">
-              <a:latin typeface="Source Code Pro for Powerline" charset="0"/>
-            </a:endParaRPr>
           </a:p>
           <a:p>
             <a:pPr marL="0" indent="0">
@@ -15875,9 +15792,6 @@
               </a:rPr>
               <a:t>参数：</a:t>
             </a:r>
-            <a:endParaRPr lang="en-US" sz="2800">
-              <a:latin typeface="Source Code Pro for Powerline" charset="0"/>
-            </a:endParaRPr>
           </a:p>
           <a:p>
             <a:pPr marL="0" indent="0">
@@ -15889,9 +15803,6 @@
               </a:rPr>
               <a:t>processedFile 将被预处理的数据 </a:t>
             </a:r>
-            <a:endParaRPr lang="en-US" sz="2800">
-              <a:latin typeface="Source Code Pro for Powerline" charset="0"/>
-            </a:endParaRPr>
           </a:p>
         </p:txBody>
       </p:sp>
@@ -15979,9 +15890,6 @@
               </a:rPr>
               <a:t>预处理所有空格</a:t>
             </a:r>
-            <a:endParaRPr lang="en-US" sz="2800">
-              <a:latin typeface="Source Code Pro for Powerline" charset="0"/>
-            </a:endParaRPr>
           </a:p>
           <a:p>
             <a:pPr marL="0" indent="0">
@@ -15993,9 +15901,6 @@
               </a:rPr>
               <a:t>void Preprocessor::preprocessWhitespaces  ( std::string &amp;  processedFile )  </a:t>
             </a:r>
-            <a:endParaRPr lang="en-US" sz="2800">
-              <a:latin typeface="Source Code Pro for Powerline" charset="0"/>
-            </a:endParaRPr>
           </a:p>
           <a:p>
             <a:pPr marL="0" indent="0">
@@ -16007,9 +15912,6 @@
               </a:rPr>
               <a:t>参数：</a:t>
             </a:r>
-            <a:endParaRPr lang="en-US" sz="2800">
-              <a:latin typeface="Source Code Pro for Powerline" charset="0"/>
-            </a:endParaRPr>
           </a:p>
           <a:p>
             <a:pPr marL="0" indent="0">
@@ -16021,9 +15923,6 @@
               </a:rPr>
               <a:t>processedFile将被预处理的数据  </a:t>
             </a:r>
-            <a:endParaRPr lang="en-US" sz="2800">
-              <a:latin typeface="Source Code Pro for Powerline" charset="0"/>
-            </a:endParaRPr>
           </a:p>
         </p:txBody>
       </p:sp>
@@ -16111,9 +16010,6 @@
               </a:rPr>
               <a:t>只将代码读成一个字符串，进行简单的清理</a:t>
             </a:r>
-            <a:endParaRPr lang="en-US" sz="2800">
-              <a:latin typeface="Source Code Pro for Powerline" charset="0"/>
-            </a:endParaRPr>
           </a:p>
           <a:p>
             <a:pPr marL="0" indent="0">
@@ -16125,9 +16021,6 @@
               </a:rPr>
               <a:t>std::string Preprocessor::read  ( </a:t>
             </a:r>
-            <a:endParaRPr lang="en-US" sz="2800">
-              <a:latin typeface="Source Code Pro for Powerline" charset="0"/>
-            </a:endParaRPr>
           </a:p>
           <a:p>
             <a:pPr marL="0" indent="0">
@@ -16139,9 +16032,6 @@
               </a:rPr>
               <a:t>std::istream &amp;  istr,  </a:t>
             </a:r>
-            <a:endParaRPr lang="en-US" sz="2800">
-              <a:latin typeface="Source Code Pro for Powerline" charset="0"/>
-            </a:endParaRPr>
           </a:p>
           <a:p>
             <a:pPr marL="0" indent="0">
@@ -16153,9 +16043,6 @@
               </a:rPr>
               <a:t>const std::string &amp;  filename  </a:t>
             </a:r>
-            <a:endParaRPr lang="en-US" sz="2800">
-              <a:latin typeface="Source Code Pro for Powerline" charset="0"/>
-            </a:endParaRPr>
           </a:p>
           <a:p>
             <a:pPr marL="0" indent="0">
@@ -16167,9 +16054,6 @@
               </a:rPr>
               <a:t> )</a:t>
             </a:r>
-            <a:endParaRPr lang="en-US" sz="2800">
-              <a:latin typeface="Source Code Pro for Powerline" charset="0"/>
-            </a:endParaRPr>
           </a:p>
         </p:txBody>
       </p:sp>
@@ -16257,9 +16141,6 @@
               </a:rPr>
               <a:t>将预处理语句读成一个字符串</a:t>
             </a:r>
-            <a:endParaRPr lang="en-US" sz="2800">
-              <a:latin typeface="Source Code Pro for Powerline" charset="0"/>
-            </a:endParaRPr>
           </a:p>
           <a:p>
             <a:pPr marL="0" indent="0">
@@ -16271,9 +16152,6 @@
               </a:rPr>
               <a:t>std::string Preprocessor::readpreprocessor  ( std::istream &amp;  istr,  </a:t>
             </a:r>
-            <a:endParaRPr lang="en-US" sz="2800">
-              <a:latin typeface="Source Code Pro for Powerline" charset="0"/>
-            </a:endParaRPr>
           </a:p>
           <a:p>
             <a:pPr marL="0" indent="0">
@@ -16285,9 +16163,6 @@
               </a:rPr>
               <a:t>  const unsigned int  bom  </a:t>
             </a:r>
-            <a:endParaRPr lang="en-US" sz="2800">
-              <a:latin typeface="Source Code Pro for Powerline" charset="0"/>
-            </a:endParaRPr>
           </a:p>
           <a:p>
             <a:pPr marL="0" indent="0">
@@ -16299,9 +16174,6 @@
               </a:rPr>
               <a:t> )</a:t>
             </a:r>
-            <a:endParaRPr lang="en-US" sz="2800">
-              <a:latin typeface="Source Code Pro for Powerline" charset="0"/>
-            </a:endParaRPr>
           </a:p>
         </p:txBody>
       </p:sp>
@@ -16389,6 +16261,22 @@
               </a:rPr>
               <a:t>删除汇编代码</a:t>
             </a:r>
+          </a:p>
+          <a:p>
+            <a:pPr marL="0" indent="0">
+              <a:buNone/>
+            </a:pPr>
+            <a:r>
+              <a:rPr lang="en-US" sz="2800">
+                <a:latin typeface="Source Code Pro for Powerline" charset="0"/>
+              </a:rPr>
+              <a:t>void Preprocessor::removeAsm  ( std::string &amp;  str )</a:t>
+            </a:r>
+          </a:p>
+          <a:p>
+            <a:pPr marL="0" indent="0">
+              <a:buNone/>
+            </a:pPr>
             <a:endParaRPr lang="en-US" sz="2800">
               <a:latin typeface="Source Code Pro for Powerline" charset="0"/>
             </a:endParaRPr>
@@ -16401,19 +16289,8 @@
               <a:rPr lang="en-US" sz="2800">
                 <a:latin typeface="Source Code Pro for Powerline" charset="0"/>
               </a:rPr>
-              <a:t>void Preprocessor::removeAsm  ( std::string &amp;  str )</a:t>
-            </a:r>
-            <a:endParaRPr lang="en-US" sz="2800">
-              <a:latin typeface="Source Code Pro for Powerline" charset="0"/>
-            </a:endParaRPr>
-          </a:p>
-          <a:p>
-            <a:pPr marL="0" indent="0">
-              <a:buNone/>
-            </a:pPr>
-            <a:endParaRPr lang="en-US" sz="2800">
-              <a:latin typeface="Source Code Pro for Powerline" charset="0"/>
-            </a:endParaRPr>
+              <a:t>参数：</a:t>
+            </a:r>
           </a:p>
           <a:p>
             <a:pPr marL="0" indent="0">
@@ -16423,25 +16300,8 @@
               <a:rPr lang="en-US" sz="2800">
                 <a:latin typeface="Source Code Pro for Powerline" charset="0"/>
               </a:rPr>
-              <a:t>参数：</a:t>
-            </a:r>
-            <a:endParaRPr lang="en-US" sz="2800">
-              <a:latin typeface="Source Code Pro for Powerline" charset="0"/>
-            </a:endParaRPr>
-          </a:p>
-          <a:p>
-            <a:pPr marL="0" indent="0">
-              <a:buNone/>
-            </a:pPr>
-            <a:r>
-              <a:rPr lang="en-US" sz="2800">
-                <a:latin typeface="Source Code Pro for Powerline" charset="0"/>
-              </a:rPr>
               <a:t>str 代码  </a:t>
             </a:r>
-            <a:endParaRPr lang="en-US" sz="2800">
-              <a:latin typeface="Source Code Pro for Powerline" charset="0"/>
-            </a:endParaRPr>
           </a:p>
         </p:txBody>
       </p:sp>
@@ -16524,6 +16384,7 @@
         </p:spPr>
         <p:txBody>
           <a:bodyPr/>
+          <a:lstStyle/>
           <a:p>
             <a:pPr marL="0" indent="0">
               <a:buNone/>
@@ -16535,10 +16396,6 @@
               </a:rPr>
               <a:t>关于导出，开发前我有两个选择方向，各有优缺点：</a:t>
             </a:r>
-            <a:endParaRPr lang="x-none" sz="2400">
-              <a:latin typeface="WenQuanYi Micro Hei" charset="0"/>
-              <a:ea typeface="WenQuanYi Micro Hei" charset="0"/>
-            </a:endParaRPr>
           </a:p>
           <a:p>
             <a:pPr marL="0" indent="0">
@@ -16551,10 +16408,6 @@
               </a:rPr>
               <a:t>1. 使用Shell脚本进行复制关键文件达到导出偏好的目的</a:t>
             </a:r>
-            <a:endParaRPr lang="x-none" sz="2400">
-              <a:latin typeface="WenQuanYi Micro Hei" charset="0"/>
-              <a:ea typeface="WenQuanYi Micro Hei" charset="0"/>
-            </a:endParaRPr>
           </a:p>
           <a:p>
             <a:pPr marL="0" indent="0">
@@ -16567,10 +16420,6 @@
               </a:rPr>
               <a:t>	优点：简单方便</a:t>
             </a:r>
-            <a:endParaRPr lang="x-none" sz="2400">
-              <a:latin typeface="WenQuanYi Micro Hei" charset="0"/>
-              <a:ea typeface="WenQuanYi Micro Hei" charset="0"/>
-            </a:endParaRPr>
           </a:p>
           <a:p>
             <a:pPr marL="0" indent="0">
@@ -16583,10 +16432,6 @@
               </a:rPr>
               <a:t>	缺点：步骤相对麻烦，与图形化界面整合度低，同时		由于多平台脚本（bat，sh）不同，需要做多		份脚本，也要求用户会辨识相应脚本</a:t>
             </a:r>
-            <a:endParaRPr lang="x-none" sz="2400">
-              <a:latin typeface="WenQuanYi Micro Hei" charset="0"/>
-              <a:ea typeface="WenQuanYi Micro Hei" charset="0"/>
-            </a:endParaRPr>
           </a:p>
           <a:p>
             <a:pPr marL="0" indent="0">
@@ -16599,10 +16444,6 @@
               </a:rPr>
               <a:t>2. 使用GUI图形化界面进行纯图形界面操作</a:t>
             </a:r>
-            <a:endParaRPr lang="x-none" sz="2400">
-              <a:latin typeface="WenQuanYi Micro Hei" charset="0"/>
-              <a:ea typeface="WenQuanYi Micro Hei" charset="0"/>
-            </a:endParaRPr>
           </a:p>
           <a:p>
             <a:pPr marL="0" indent="0">
@@ -16615,10 +16456,6 @@
               </a:rPr>
               <a:t>	优点：操作简单方面，用户友好，多平台统一，与图		形界面之间的耦合度高，偏好即改即用</a:t>
             </a:r>
-            <a:endParaRPr lang="x-none" sz="2400">
-              <a:latin typeface="WenQuanYi Micro Hei" charset="0"/>
-              <a:ea typeface="WenQuanYi Micro Hei" charset="0"/>
-            </a:endParaRPr>
           </a:p>
           <a:p>
             <a:pPr marL="0" indent="0">
@@ -16631,10 +16468,6 @@
               </a:rPr>
               <a:t>	缺点：制作相对复杂</a:t>
             </a:r>
-            <a:endParaRPr lang="x-none" sz="2400">
-              <a:latin typeface="WenQuanYi Micro Hei" charset="0"/>
-              <a:ea typeface="WenQuanYi Micro Hei" charset="0"/>
-            </a:endParaRPr>
           </a:p>
         </p:txBody>
       </p:sp>
@@ -16722,9 +16555,6 @@
               </a:rPr>
               <a:t>删除代码中的注解</a:t>
             </a:r>
-            <a:endParaRPr lang="en-US" sz="2400">
-              <a:latin typeface="Source Code Pro for Powerline" charset="0"/>
-            </a:endParaRPr>
           </a:p>
           <a:p>
             <a:pPr marL="0" indent="0">
@@ -16736,9 +16566,6 @@
               </a:rPr>
               <a:t>std::string Preprocessor::removeComments  ( const std::string &amp;  str,  </a:t>
             </a:r>
-            <a:endParaRPr lang="en-US" sz="2400">
-              <a:latin typeface="Source Code Pro for Powerline" charset="0"/>
-            </a:endParaRPr>
           </a:p>
           <a:p>
             <a:pPr marL="0" indent="0">
@@ -16750,9 +16577,6 @@
               </a:rPr>
               <a:t>  const std::string &amp;  filename  </a:t>
             </a:r>
-            <a:endParaRPr lang="en-US" sz="2400">
-              <a:latin typeface="Source Code Pro for Powerline" charset="0"/>
-            </a:endParaRPr>
           </a:p>
           <a:p>
             <a:pPr marL="0" indent="0">
@@ -16764,9 +16588,6 @@
               </a:rPr>
               <a:t> )</a:t>
             </a:r>
-            <a:endParaRPr lang="en-US" sz="2400">
-              <a:latin typeface="Source Code Pro for Powerline" charset="0"/>
-            </a:endParaRPr>
           </a:p>
           <a:p>
             <a:pPr marL="0" indent="0">
@@ -16778,9 +16599,6 @@
               </a:rPr>
               <a:t>参数：</a:t>
             </a:r>
-            <a:endParaRPr lang="en-US" sz="2400">
-              <a:latin typeface="Source Code Pro for Powerline" charset="0"/>
-            </a:endParaRPr>
           </a:p>
           <a:p>
             <a:pPr marL="0" indent="0">
@@ -16792,9 +16610,6 @@
               </a:rPr>
               <a:t>str 被read()函数处理的代码</a:t>
             </a:r>
-            <a:endParaRPr lang="en-US" sz="2400">
-              <a:latin typeface="Source Code Pro for Powerline" charset="0"/>
-            </a:endParaRPr>
           </a:p>
           <a:p>
             <a:pPr marL="0" indent="0">
@@ -16806,9 +16621,6 @@
               </a:rPr>
               <a:t>filename 文件名</a:t>
             </a:r>
-            <a:endParaRPr lang="en-US" sz="2400">
-              <a:latin typeface="Source Code Pro for Powerline" charset="0"/>
-            </a:endParaRPr>
           </a:p>
           <a:p>
             <a:pPr marL="0" indent="0">
@@ -16820,9 +16632,6 @@
               </a:rPr>
               <a:t>返回值：</a:t>
             </a:r>
-            <a:endParaRPr lang="en-US" sz="2400">
-              <a:latin typeface="Source Code Pro for Powerline" charset="0"/>
-            </a:endParaRPr>
           </a:p>
           <a:p>
             <a:pPr marL="0" indent="0">
@@ -16834,9 +16643,6 @@
               </a:rPr>
               <a:t>无注解的代码</a:t>
             </a:r>
-            <a:endParaRPr lang="en-US" sz="2400">
-              <a:latin typeface="Source Code Pro for Powerline" charset="0"/>
-            </a:endParaRPr>
           </a:p>
         </p:txBody>
       </p:sp>
@@ -16924,9 +16730,6 @@
               </a:rPr>
               <a:t>删除代码中的if 0</a:t>
             </a:r>
-            <a:endParaRPr lang="en-US" sz="2800">
-              <a:latin typeface="Source Code Pro for Powerline" charset="0"/>
-            </a:endParaRPr>
           </a:p>
           <a:p>
             <a:pPr marL="0" indent="0">
@@ -16938,9 +16741,6 @@
               </a:rPr>
               <a:t>std::string Preprocessor::removeIf0  ( const std::string &amp;  code )</a:t>
             </a:r>
-            <a:endParaRPr lang="en-US" sz="2800">
-              <a:latin typeface="Source Code Pro for Powerline" charset="0"/>
-            </a:endParaRPr>
           </a:p>
           <a:p>
             <a:pPr marL="0" indent="0">
@@ -16952,9 +16752,6 @@
               </a:rPr>
               <a:t>参数：</a:t>
             </a:r>
-            <a:endParaRPr lang="en-US" sz="2800">
-              <a:latin typeface="Source Code Pro for Powerline" charset="0"/>
-            </a:endParaRPr>
           </a:p>
           <a:p>
             <a:pPr marL="0" indent="0">
@@ -16966,9 +16763,6 @@
               </a:rPr>
               <a:t>code被read()函数处理的代码</a:t>
             </a:r>
-            <a:endParaRPr lang="en-US" sz="2800">
-              <a:latin typeface="Source Code Pro for Powerline" charset="0"/>
-            </a:endParaRPr>
           </a:p>
           <a:p>
             <a:pPr marL="0" indent="0">
@@ -16980,9 +16774,6 @@
               </a:rPr>
               <a:t>返回值：</a:t>
             </a:r>
-            <a:endParaRPr lang="en-US" sz="2800">
-              <a:latin typeface="Source Code Pro for Powerline" charset="0"/>
-            </a:endParaRPr>
           </a:p>
           <a:p>
             <a:pPr marL="0" indent="0">
@@ -16994,9 +16785,6 @@
               </a:rPr>
               <a:t>无if 0的代码</a:t>
             </a:r>
-            <a:endParaRPr lang="en-US" sz="2800">
-              <a:latin typeface="Source Code Pro for Powerline" charset="0"/>
-            </a:endParaRPr>
           </a:p>
         </p:txBody>
       </p:sp>
@@ -17084,9 +16872,6 @@
               </a:rPr>
               <a:t>删除冗余的括号</a:t>
             </a:r>
-            <a:endParaRPr lang="en-US" sz="2800">
-              <a:latin typeface="Source Code Pro for Powerline" charset="0"/>
-            </a:endParaRPr>
           </a:p>
           <a:p>
             <a:pPr marL="0" indent="0">
@@ -17098,9 +16883,6 @@
               </a:rPr>
               <a:t>std::string Preprocessor::removeParentheses  ( const std::string &amp;  str )</a:t>
             </a:r>
-            <a:endParaRPr lang="en-US" sz="2800">
-              <a:latin typeface="Source Code Pro for Powerline" charset="0"/>
-            </a:endParaRPr>
           </a:p>
           <a:p>
             <a:pPr marL="0" indent="0">
@@ -17112,9 +16894,6 @@
               </a:rPr>
               <a:t>参数：</a:t>
             </a:r>
-            <a:endParaRPr lang="en-US" sz="2800">
-              <a:latin typeface="Source Code Pro for Powerline" charset="0"/>
-            </a:endParaRPr>
           </a:p>
           <a:p>
             <a:pPr marL="0" indent="0">
@@ -17126,9 +16905,6 @@
               </a:rPr>
               <a:t>str 被read()函数处理的代码</a:t>
             </a:r>
-            <a:endParaRPr lang="en-US" sz="2800">
-              <a:latin typeface="Source Code Pro for Powerline" charset="0"/>
-            </a:endParaRPr>
           </a:p>
           <a:p>
             <a:pPr marL="0" indent="0">
@@ -17140,9 +16916,6 @@
               </a:rPr>
               <a:t>返回值：</a:t>
             </a:r>
-            <a:endParaRPr lang="en-US" sz="2800">
-              <a:latin typeface="Source Code Pro for Powerline" charset="0"/>
-            </a:endParaRPr>
           </a:p>
           <a:p>
             <a:pPr marL="0" indent="0">
@@ -17154,9 +16927,6 @@
               </a:rPr>
               <a:t>无冗余括号的代码</a:t>
             </a:r>
-            <a:endParaRPr lang="en-US" sz="2800">
-              <a:latin typeface="Source Code Pro for Powerline" charset="0"/>
-            </a:endParaRPr>
           </a:p>
         </p:txBody>
       </p:sp>
@@ -17244,9 +17014,6 @@
               </a:rPr>
               <a:t>统一预处理语句，用"#ifdef"替换"#if defined"</a:t>
             </a:r>
-            <a:endParaRPr lang="en-US" sz="2800">
-              <a:latin typeface="Source Code Pro for Powerline" charset="0"/>
-            </a:endParaRPr>
           </a:p>
           <a:p>
             <a:pPr marL="0" indent="0">
@@ -17258,9 +17025,6 @@
               </a:rPr>
               <a:t>void Preprocessor::replaceIfDefined  ( std::string &amp;  str ) const</a:t>
             </a:r>
-            <a:endParaRPr lang="en-US" sz="2800">
-              <a:latin typeface="Source Code Pro for Powerline" charset="0"/>
-            </a:endParaRPr>
           </a:p>
           <a:p>
             <a:pPr marL="0" indent="0">
@@ -17272,9 +17036,6 @@
               </a:rPr>
               <a:t>参数：</a:t>
             </a:r>
-            <a:endParaRPr lang="en-US" sz="2800">
-              <a:latin typeface="Source Code Pro for Powerline" charset="0"/>
-            </a:endParaRPr>
           </a:p>
           <a:p>
             <a:pPr marL="0" indent="0">
@@ -17286,9 +17047,6 @@
               </a:rPr>
               <a:t>str 被传送的字符串</a:t>
             </a:r>
-            <a:endParaRPr lang="en-US" sz="2800">
-              <a:latin typeface="Source Code Pro for Powerline" charset="0"/>
-            </a:endParaRPr>
           </a:p>
         </p:txBody>
       </p:sp>
@@ -17376,9 +17134,6 @@
               </a:rPr>
               <a:t>简化条件</a:t>
             </a:r>
-            <a:endParaRPr lang="en-US" sz="2400">
-              <a:latin typeface="Source Code Pro for Powerline" charset="0"/>
-            </a:endParaRPr>
           </a:p>
           <a:p>
             <a:pPr marL="0" indent="0">
@@ -17390,9 +17145,6 @@
               </a:rPr>
               <a:t>void Preprocessor::simplifyCondition  ( const std::map&lt; std::string, std::string &gt; &amp;  variables,  </a:t>
             </a:r>
-            <a:endParaRPr lang="en-US" sz="2400">
-              <a:latin typeface="Source Code Pro for Powerline" charset="0"/>
-            </a:endParaRPr>
           </a:p>
           <a:p>
             <a:pPr marL="0" indent="0">
@@ -17404,9 +17156,6 @@
               </a:rPr>
               <a:t>  std::string &amp;  condition,  </a:t>
             </a:r>
-            <a:endParaRPr lang="en-US" sz="2400">
-              <a:latin typeface="Source Code Pro for Powerline" charset="0"/>
-            </a:endParaRPr>
           </a:p>
           <a:p>
             <a:pPr marL="0" indent="0">
@@ -17418,9 +17167,6 @@
               </a:rPr>
               <a:t>  bool  match  </a:t>
             </a:r>
-            <a:endParaRPr lang="en-US" sz="2400">
-              <a:latin typeface="Source Code Pro for Powerline" charset="0"/>
-            </a:endParaRPr>
           </a:p>
           <a:p>
             <a:pPr marL="0" indent="0">
@@ -17432,9 +17178,6 @@
               </a:rPr>
               <a:t> )</a:t>
             </a:r>
-            <a:endParaRPr lang="en-US" sz="2400">
-              <a:latin typeface="Source Code Pro for Powerline" charset="0"/>
-            </a:endParaRPr>
           </a:p>
           <a:p>
             <a:pPr marL="0" indent="0">
@@ -17446,9 +17189,6 @@
               </a:rPr>
               <a:t>参数：</a:t>
             </a:r>
-            <a:endParaRPr lang="en-US" sz="2400">
-              <a:latin typeface="Source Code Pro for Powerline" charset="0"/>
-            </a:endParaRPr>
           </a:p>
           <a:p>
             <a:pPr marL="0" indent="0">
@@ -17460,9 +17200,6 @@
               </a:rPr>
               <a:t>variables 变量值  </a:t>
             </a:r>
-            <a:endParaRPr lang="en-US" sz="2400">
-              <a:latin typeface="Source Code Pro for Powerline" charset="0"/>
-            </a:endParaRPr>
           </a:p>
           <a:p>
             <a:pPr marL="0" indent="0">
@@ -17474,9 +17211,6 @@
               </a:rPr>
               <a:t>condition 要被简化的条件</a:t>
             </a:r>
-            <a:endParaRPr lang="en-US" sz="2400">
-              <a:latin typeface="Source Code Pro for Powerline" charset="0"/>
-            </a:endParaRPr>
           </a:p>
           <a:p>
             <a:pPr marL="0" indent="0">
@@ -17488,9 +17222,6 @@
               </a:rPr>
               <a:t>match 如果为真，则定义被替换为0</a:t>
             </a:r>
-            <a:endParaRPr lang="en-US" sz="2400">
-              <a:latin typeface="Source Code Pro for Powerline" charset="0"/>
-            </a:endParaRPr>
           </a:p>
         </p:txBody>
       </p:sp>
@@ -17578,9 +17309,6 @@
               </a:rPr>
               <a:t>确保空配置宏没有在代码中被使用，给定代码必须是一个单独配置</a:t>
             </a:r>
-            <a:endParaRPr lang="en-US" sz="2400">
-              <a:latin typeface="Source Code Pro for Powerline" charset="0"/>
-            </a:endParaRPr>
           </a:p>
           <a:p>
             <a:pPr marL="0" indent="0">
@@ -17592,9 +17320,6 @@
               </a:rPr>
               <a:t>bool Preprocessor::validateCfg  ( const std::string &amp;  code,  </a:t>
             </a:r>
-            <a:endParaRPr lang="en-US" sz="2400">
-              <a:latin typeface="Source Code Pro for Powerline" charset="0"/>
-            </a:endParaRPr>
           </a:p>
           <a:p>
             <a:pPr marL="0" indent="0">
@@ -17606,9 +17331,6 @@
               </a:rPr>
               <a:t>  const std::string &amp;  cfg  </a:t>
             </a:r>
-            <a:endParaRPr lang="en-US" sz="2400">
-              <a:latin typeface="Source Code Pro for Powerline" charset="0"/>
-            </a:endParaRPr>
           </a:p>
           <a:p>
             <a:pPr marL="0" indent="0">
@@ -17620,9 +17342,6 @@
               </a:rPr>
               <a:t> )</a:t>
             </a:r>
-            <a:endParaRPr lang="en-US" sz="2400">
-              <a:latin typeface="Source Code Pro for Powerline" charset="0"/>
-            </a:endParaRPr>
           </a:p>
           <a:p>
             <a:pPr marL="0" indent="0">
@@ -17634,9 +17353,6 @@
               </a:rPr>
               <a:t>参数：</a:t>
             </a:r>
-            <a:endParaRPr lang="en-US" sz="2400">
-              <a:latin typeface="Source Code Pro for Powerline" charset="0"/>
-            </a:endParaRPr>
           </a:p>
           <a:p>
             <a:pPr marL="0" indent="0">
@@ -17648,9 +17364,6 @@
               </a:rPr>
               <a:t>code 输入代码  </a:t>
             </a:r>
-            <a:endParaRPr lang="en-US" sz="2400">
-              <a:latin typeface="Source Code Pro for Powerline" charset="0"/>
-            </a:endParaRPr>
           </a:p>
           <a:p>
             <a:pPr marL="0" indent="0">
@@ -17662,9 +17375,6 @@
               </a:rPr>
               <a:t>cfg 配置  </a:t>
             </a:r>
-            <a:endParaRPr lang="en-US" sz="2400">
-              <a:latin typeface="Source Code Pro for Powerline" charset="0"/>
-            </a:endParaRPr>
           </a:p>
           <a:p>
             <a:pPr marL="0" indent="0">
@@ -17676,9 +17386,6 @@
               </a:rPr>
               <a:t>返回值：</a:t>
             </a:r>
-            <a:endParaRPr lang="en-US" sz="2400">
-              <a:latin typeface="Source Code Pro for Powerline" charset="0"/>
-            </a:endParaRPr>
           </a:p>
           <a:p>
             <a:pPr marL="0" indent="0">
@@ -17690,9 +17397,6 @@
               </a:rPr>
               <a:t>True 配置可用</a:t>
             </a:r>
-            <a:endParaRPr lang="en-US" sz="2400">
-              <a:latin typeface="Source Code Pro for Powerline" charset="0"/>
-            </a:endParaRPr>
           </a:p>
         </p:txBody>
       </p:sp>
@@ -17780,9 +17484,6 @@
               </a:rPr>
               <a:t>汇报错误</a:t>
             </a:r>
-            <a:endParaRPr lang="en-US" sz="2000">
-              <a:latin typeface="Source Code Pro for Powerline" charset="0"/>
-            </a:endParaRPr>
           </a:p>
           <a:p>
             <a:pPr marL="0" indent="0">
@@ -17794,9 +17495,6 @@
               </a:rPr>
               <a:t>void Preprocessor::writeError  ( const std::string &amp;  fileName,  </a:t>
             </a:r>
-            <a:endParaRPr lang="en-US" sz="2000">
-              <a:latin typeface="Source Code Pro for Powerline" charset="0"/>
-            </a:endParaRPr>
           </a:p>
           <a:p>
             <a:pPr marL="0" indent="0">
@@ -17808,9 +17506,6 @@
               </a:rPr>
               <a:t>  const unsigned int  linenr,  </a:t>
             </a:r>
-            <a:endParaRPr lang="en-US" sz="2000">
-              <a:latin typeface="Source Code Pro for Powerline" charset="0"/>
-            </a:endParaRPr>
           </a:p>
           <a:p>
             <a:pPr marL="0" indent="0">
@@ -17822,9 +17517,6 @@
               </a:rPr>
               <a:t>  ErrorLogger *  errorLogger,  </a:t>
             </a:r>
-            <a:endParaRPr lang="en-US" sz="2000">
-              <a:latin typeface="Source Code Pro for Powerline" charset="0"/>
-            </a:endParaRPr>
           </a:p>
           <a:p>
             <a:pPr marL="0" indent="0">
@@ -17836,9 +17528,6 @@
               </a:rPr>
               <a:t>  const std::string &amp;  errorType,  </a:t>
             </a:r>
-            <a:endParaRPr lang="en-US" sz="2000">
-              <a:latin typeface="Source Code Pro for Powerline" charset="0"/>
-            </a:endParaRPr>
           </a:p>
           <a:p>
             <a:pPr marL="0" indent="0">
@@ -17850,9 +17539,6 @@
               </a:rPr>
               <a:t>  const std::string &amp;  errorText  </a:t>
             </a:r>
-            <a:endParaRPr lang="en-US" sz="2000">
-              <a:latin typeface="Source Code Pro for Powerline" charset="0"/>
-            </a:endParaRPr>
           </a:p>
           <a:p>
             <a:pPr marL="0" indent="0">
@@ -17864,9 +17550,6 @@
               </a:rPr>
               <a:t> )</a:t>
             </a:r>
-            <a:endParaRPr lang="en-US" sz="2000">
-              <a:latin typeface="Source Code Pro for Powerline" charset="0"/>
-            </a:endParaRPr>
           </a:p>
           <a:p>
             <a:pPr marL="0" indent="0">
@@ -17878,9 +17561,6 @@
               </a:rPr>
               <a:t>参数：</a:t>
             </a:r>
-            <a:endParaRPr lang="en-US" sz="2000">
-              <a:latin typeface="Source Code Pro for Powerline" charset="0"/>
-            </a:endParaRPr>
           </a:p>
           <a:p>
             <a:pPr marL="0" indent="0">
@@ -17892,9 +17572,6 @@
               </a:rPr>
               <a:t>fileName 发现错误的文件的文件名  </a:t>
             </a:r>
-            <a:endParaRPr lang="en-US" sz="2000">
-              <a:latin typeface="Source Code Pro for Powerline" charset="0"/>
-            </a:endParaRPr>
           </a:p>
           <a:p>
             <a:pPr marL="0" indent="0">
@@ -17906,9 +17583,6 @@
               </a:rPr>
               <a:t>linenr文件中的行号  </a:t>
             </a:r>
-            <a:endParaRPr lang="en-US" sz="2000">
-              <a:latin typeface="Source Code Pro for Powerline" charset="0"/>
-            </a:endParaRPr>
           </a:p>
           <a:p>
             <a:pPr marL="0" indent="0">
@@ -17920,9 +17594,6 @@
               </a:rPr>
               <a:t>errorLogger 错误记录器，用来记录错误  </a:t>
             </a:r>
-            <a:endParaRPr lang="en-US" sz="2000">
-              <a:latin typeface="Source Code Pro for Powerline" charset="0"/>
-            </a:endParaRPr>
           </a:p>
           <a:p>
             <a:pPr marL="0" indent="0">
@@ -17934,9 +17605,6 @@
               </a:rPr>
               <a:t>errorType 错误的代号</a:t>
             </a:r>
-            <a:endParaRPr lang="en-US" sz="2000">
-              <a:latin typeface="Source Code Pro for Powerline" charset="0"/>
-            </a:endParaRPr>
           </a:p>
           <a:p>
             <a:pPr marL="0" indent="0">
@@ -17948,9 +17616,6 @@
               </a:rPr>
               <a:t>errorText 错误文本 </a:t>
             </a:r>
-            <a:endParaRPr lang="en-US" sz="2000">
-              <a:latin typeface="Source Code Pro for Powerline" charset="0"/>
-            </a:endParaRPr>
           </a:p>
         </p:txBody>
       </p:sp>
@@ -18038,6 +17703,22 @@
               </a:rPr>
               <a:t>成员数据文档：</a:t>
             </a:r>
+          </a:p>
+          <a:p>
+            <a:pPr marL="0" indent="0">
+              <a:buNone/>
+            </a:pPr>
+            <a:r>
+              <a:rPr lang="en-US" sz="2000">
+                <a:latin typeface="Source Code Pro for Powerline" charset="0"/>
+              </a:rPr>
+              <a:t>char Preprocessor::macroChar = char(1)</a:t>
+            </a:r>
+          </a:p>
+          <a:p>
+            <a:pPr marL="0" indent="0">
+              <a:buNone/>
+            </a:pPr>
             <a:endParaRPr lang="en-US" sz="2000">
               <a:latin typeface="Source Code Pro for Powerline" charset="0"/>
             </a:endParaRPr>
@@ -18050,8 +17731,13 @@
               <a:rPr lang="en-US" sz="2000">
                 <a:latin typeface="Source Code Pro for Powerline" charset="0"/>
               </a:rPr>
-              <a:t>char Preprocessor::macroChar = char(1)</a:t>
-            </a:r>
+              <a:t>bool Preprocessor::missingIncludeFlag</a:t>
+            </a:r>
+          </a:p>
+          <a:p>
+            <a:pPr marL="0" indent="0">
+              <a:buNone/>
+            </a:pPr>
             <a:endParaRPr lang="en-US" sz="2000">
               <a:latin typeface="Source Code Pro for Powerline" charset="0"/>
             </a:endParaRPr>
@@ -18060,45 +17746,12 @@
             <a:pPr marL="0" indent="0">
               <a:buNone/>
             </a:pPr>
-            <a:endParaRPr lang="en-US" sz="2000">
-              <a:latin typeface="Source Code Pro for Powerline" charset="0"/>
-            </a:endParaRPr>
-          </a:p>
-          <a:p>
-            <a:pPr marL="0" indent="0">
-              <a:buNone/>
-            </a:pPr>
             <a:r>
               <a:rPr lang="en-US" sz="2000">
                 <a:latin typeface="Source Code Pro for Powerline" charset="0"/>
               </a:rPr>
-              <a:t>bool Preprocessor::missingIncludeFlag</a:t>
-            </a:r>
-            <a:endParaRPr lang="en-US" sz="2000">
-              <a:latin typeface="Source Code Pro for Powerline" charset="0"/>
-            </a:endParaRPr>
-          </a:p>
-          <a:p>
-            <a:pPr marL="0" indent="0">
-              <a:buNone/>
-            </a:pPr>
-            <a:endParaRPr lang="en-US" sz="2000">
-              <a:latin typeface="Source Code Pro for Powerline" charset="0"/>
-            </a:endParaRPr>
-          </a:p>
-          <a:p>
-            <a:pPr marL="0" indent="0">
-              <a:buNone/>
-            </a:pPr>
-            <a:r>
-              <a:rPr lang="en-US" sz="2000">
-                <a:latin typeface="Source Code Pro for Powerline" charset="0"/>
-              </a:rPr>
               <a:t>bool Preprocessor::missingSystemIncludeFlag</a:t>
             </a:r>
-            <a:endParaRPr lang="en-US" sz="2000">
-              <a:latin typeface="Source Code Pro for Powerline" charset="0"/>
-            </a:endParaRPr>
           </a:p>
         </p:txBody>
       </p:sp>
@@ -18186,9 +17839,6 @@
               </a:rPr>
               <a:t>成员数据文档：</a:t>
             </a:r>
-            <a:endParaRPr lang="en-US" sz="2400">
-              <a:latin typeface="Source Code Pro for Powerline" charset="0"/>
-            </a:endParaRPr>
           </a:p>
           <a:p>
             <a:pPr marL="0" indent="0">
@@ -18200,9 +17850,6 @@
               </a:rPr>
               <a:t>char Preprocessor::macroChar = char(1)</a:t>
             </a:r>
-            <a:endParaRPr lang="en-US" sz="2400">
-              <a:latin typeface="Source Code Pro for Powerline" charset="0"/>
-            </a:endParaRPr>
           </a:p>
           <a:p>
             <a:pPr marL="0" indent="0">
@@ -18222,9 +17869,6 @@
               </a:rPr>
               <a:t>bool Preprocessor::missingIncludeFlag</a:t>
             </a:r>
-            <a:endParaRPr lang="en-US" sz="2400">
-              <a:latin typeface="Source Code Pro for Powerline" charset="0"/>
-            </a:endParaRPr>
           </a:p>
           <a:p>
             <a:pPr marL="0" indent="0">
@@ -18244,9 +17888,6 @@
               </a:rPr>
               <a:t>bool Preprocessor::missingSystemIncludeFlag</a:t>
             </a:r>
-            <a:endParaRPr lang="en-US" sz="2400">
-              <a:latin typeface="Source Code Pro for Powerline" charset="0"/>
-            </a:endParaRPr>
           </a:p>
         </p:txBody>
       </p:sp>
@@ -18307,14 +17948,14 @@
       </p:sp>
       <p:pic>
         <p:nvPicPr>
-          <p:cNvPr id="-2147482623" name="图片 1"/>
+          <p:cNvPr id="3" name="图片 1"/>
           <p:cNvPicPr>
             <a:picLocks noChangeAspect="1"/>
           </p:cNvPicPr>
           <p:nvPr/>
         </p:nvPicPr>
         <p:blipFill>
-          <a:blip r:embed="rId1"/>
+          <a:blip r:embed="rId3"/>
           <a:stretch>
             <a:fillRect/>
           </a:stretch>
@@ -18413,6 +18054,7 @@
         </p:spPr>
         <p:txBody>
           <a:bodyPr/>
+          <a:lstStyle/>
           <a:p>
             <a:pPr marL="0" indent="0">
               <a:buNone/>
@@ -18424,10 +18066,6 @@
               </a:rPr>
               <a:t>	经过谨慎考虑，我选择了第二种方案，让项目看起来更加统一化。</a:t>
             </a:r>
-            <a:endParaRPr lang="x-none" sz="2400">
-              <a:latin typeface="WenQuanYi Micro Hei" charset="0"/>
-              <a:ea typeface="WenQuanYi Micro Hei" charset="0"/>
-            </a:endParaRPr>
           </a:p>
           <a:p>
             <a:pPr marL="0" indent="0">
@@ -18440,10 +18078,6 @@
               </a:rPr>
               <a:t>	对于实现GUI导出功能，我需要实现的有：</a:t>
             </a:r>
-            <a:endParaRPr lang="x-none" sz="2400">
-              <a:latin typeface="WenQuanYi Micro Hei" charset="0"/>
-              <a:ea typeface="WenQuanYi Micro Hei" charset="0"/>
-            </a:endParaRPr>
           </a:p>
           <a:p>
             <a:pPr marL="0" indent="0">
@@ -18456,10 +18090,6 @@
               </a:rPr>
               <a:t>	1. 了解各个QT函数作用</a:t>
             </a:r>
-            <a:endParaRPr lang="x-none" sz="2400">
-              <a:latin typeface="WenQuanYi Micro Hei" charset="0"/>
-              <a:ea typeface="WenQuanYi Micro Hei" charset="0"/>
-            </a:endParaRPr>
           </a:p>
           <a:p>
             <a:pPr marL="0" indent="0">
@@ -18472,10 +18102,6 @@
               </a:rPr>
               <a:t>	2. 制作或找到文件保存接口</a:t>
             </a:r>
-            <a:endParaRPr lang="x-none" sz="2400">
-              <a:latin typeface="WenQuanYi Micro Hei" charset="0"/>
-              <a:ea typeface="WenQuanYi Micro Hei" charset="0"/>
-            </a:endParaRPr>
           </a:p>
           <a:p>
             <a:pPr marL="0" indent="0">
@@ -18488,10 +18114,6 @@
               </a:rPr>
               <a:t>	3. 找到存储偏好设置的变量</a:t>
             </a:r>
-            <a:endParaRPr lang="x-none" sz="2400">
-              <a:latin typeface="WenQuanYi Micro Hei" charset="0"/>
-              <a:ea typeface="WenQuanYi Micro Hei" charset="0"/>
-            </a:endParaRPr>
           </a:p>
           <a:p>
             <a:pPr marL="0" indent="0">
@@ -18504,10 +18126,6 @@
               </a:rPr>
               <a:t>	4. 制作GUI窗口接口</a:t>
             </a:r>
-            <a:endParaRPr lang="x-none" sz="2400">
-              <a:latin typeface="WenQuanYi Micro Hei" charset="0"/>
-              <a:ea typeface="WenQuanYi Micro Hei" charset="0"/>
-            </a:endParaRPr>
           </a:p>
           <a:p>
             <a:pPr marL="0" indent="0">
@@ -18520,10 +18138,6 @@
               </a:rPr>
               <a:t>	5. 制作或找到设置保存的函数(在导出前使用达到即	时设置即时导出的目的)</a:t>
             </a:r>
-            <a:endParaRPr lang="x-none" sz="2400">
-              <a:latin typeface="WenQuanYi Micro Hei" charset="0"/>
-              <a:ea typeface="WenQuanYi Micro Hei" charset="0"/>
-            </a:endParaRPr>
           </a:p>
         </p:txBody>
       </p:sp>
@@ -18582,10 +18196,6 @@
               </a:rPr>
               <a:t>Cppcheck</a:t>
             </a:r>
-            <a:endParaRPr lang="en-US" sz="6000">
-              <a:latin typeface="WenQuanYi Micro Hei" charset="0"/>
-              <a:ea typeface="WenQuanYi Micro Hei" charset="0"/>
-            </a:endParaRPr>
           </a:p>
           <a:p>
             <a:pPr algn="ctr"/>
@@ -18596,10 +18206,6 @@
               </a:rPr>
               <a:t>报错机制</a:t>
             </a:r>
-            <a:endParaRPr lang="en-US" sz="6000">
-              <a:latin typeface="WenQuanYi Micro Hei" charset="0"/>
-              <a:ea typeface="WenQuanYi Micro Hei" charset="0"/>
-            </a:endParaRPr>
           </a:p>
         </p:txBody>
       </p:sp>
@@ -18684,9 +18290,6 @@
               </a:rPr>
               <a:t>在check类中定义了一个reportError函数，函数中的参数有tok、severity、id、msg、callstack</a:t>
             </a:r>
-            <a:endParaRPr lang="en-US" sz="2400">
-              <a:latin typeface="Source Code Pro for Powerline" charset="0"/>
-            </a:endParaRPr>
           </a:p>
         </p:txBody>
       </p:sp>
@@ -18771,9 +18374,6 @@
               </a:rPr>
               <a:t>void reportError(const Token *tok, const Severity::SeverityType severity, const T id, const U msg) {</a:t>
             </a:r>
-            <a:endParaRPr lang="en-US" sz="2400">
-              <a:latin typeface="Source Code Pro for Powerline" charset="0"/>
-            </a:endParaRPr>
           </a:p>
           <a:p>
             <a:pPr marL="0" indent="0">
@@ -18785,9 +18385,6 @@
               </a:rPr>
               <a:t>        reportError(tok, severity, id, msg, 0U, false);</a:t>
             </a:r>
-            <a:endParaRPr lang="en-US" sz="2400">
-              <a:latin typeface="Source Code Pro for Powerline" charset="0"/>
-            </a:endParaRPr>
           </a:p>
           <a:p>
             <a:pPr marL="0" indent="0">
@@ -18799,9 +18396,6 @@
               </a:rPr>
               <a:t>}</a:t>
             </a:r>
-            <a:endParaRPr lang="en-US" sz="2400">
-              <a:latin typeface="Source Code Pro for Powerline" charset="0"/>
-            </a:endParaRPr>
           </a:p>
         </p:txBody>
       </p:sp>
@@ -18886,9 +18480,6 @@
               </a:rPr>
               <a:t> void reportError(const Token *tok, const Severity::SeverityType severity, const T id, const U msg, unsigned int cwe, bool inconclusive) {</a:t>
             </a:r>
-            <a:endParaRPr lang="en-US" sz="2400">
-              <a:latin typeface="Source Code Pro for Powerline" charset="0"/>
-            </a:endParaRPr>
           </a:p>
           <a:p>
             <a:pPr marL="0" indent="0">
@@ -18900,9 +18491,6 @@
               </a:rPr>
               <a:t>        std::list&lt;const Token *&gt; callstack(1, tok);</a:t>
             </a:r>
-            <a:endParaRPr lang="en-US" sz="2400">
-              <a:latin typeface="Source Code Pro for Powerline" charset="0"/>
-            </a:endParaRPr>
           </a:p>
           <a:p>
             <a:pPr marL="0" indent="0">
@@ -18914,9 +18502,6 @@
               </a:rPr>
               <a:t>        reportError(callstack, severity, id, msg, cwe, inconclusive);</a:t>
             </a:r>
-            <a:endParaRPr lang="en-US" sz="2400">
-              <a:latin typeface="Source Code Pro for Powerline" charset="0"/>
-            </a:endParaRPr>
           </a:p>
           <a:p>
             <a:pPr marL="0" indent="0">
@@ -18928,9 +18513,6 @@
               </a:rPr>
               <a:t>    }</a:t>
             </a:r>
-            <a:endParaRPr lang="en-US" sz="2400">
-              <a:latin typeface="Source Code Pro for Powerline" charset="0"/>
-            </a:endParaRPr>
           </a:p>
         </p:txBody>
       </p:sp>
@@ -19015,9 +18597,6 @@
               </a:rPr>
               <a:t>void reportError(const std::list&lt;const Token *&gt; &amp;callstack, Severity::SeverityType severity, const T id, const U msg) {</a:t>
             </a:r>
-            <a:endParaRPr lang="en-US" sz="2400">
-              <a:latin typeface="Source Code Pro for Powerline" charset="0"/>
-            </a:endParaRPr>
           </a:p>
           <a:p>
             <a:pPr marL="0" indent="0">
@@ -19029,9 +18608,6 @@
               </a:rPr>
               <a:t>        reportError(callstack, severity, id, msg, 0U, false);</a:t>
             </a:r>
-            <a:endParaRPr lang="en-US" sz="2400">
-              <a:latin typeface="Source Code Pro for Powerline" charset="0"/>
-            </a:endParaRPr>
           </a:p>
           <a:p>
             <a:pPr marL="0" indent="0">
@@ -19043,9 +18619,6 @@
               </a:rPr>
               <a:t>    }</a:t>
             </a:r>
-            <a:endParaRPr lang="en-US" sz="2400">
-              <a:latin typeface="Source Code Pro for Powerline" charset="0"/>
-            </a:endParaRPr>
           </a:p>
         </p:txBody>
       </p:sp>
@@ -19130,9 +18703,6 @@
               </a:rPr>
               <a:t>void reportError(const std::list&lt;const Token *&gt; &amp;callstack, Severity::SeverityType severity, const T id, const U msg, unsigned int cwe, bool inconclusive) {</a:t>
             </a:r>
-            <a:endParaRPr lang="en-US" sz="2400">
-              <a:latin typeface="Source Code Pro for Powerline" charset="0"/>
-            </a:endParaRPr>
           </a:p>
           <a:p>
             <a:pPr marL="0" indent="0">
@@ -19144,9 +18714,6 @@
               </a:rPr>
               <a:t>        ErrorLogger::ErrorMessage errmsg(callstack, _tokenizer?&amp;_tokenizer-&gt;list:0, severity, id, msg, inconclusive);</a:t>
             </a:r>
-            <a:endParaRPr lang="en-US" sz="2400">
-              <a:latin typeface="Source Code Pro for Powerline" charset="0"/>
-            </a:endParaRPr>
           </a:p>
           <a:p>
             <a:pPr marL="0" indent="0">
@@ -19158,9 +18725,6 @@
               </a:rPr>
               <a:t>        errmsg._cwe = cwe;</a:t>
             </a:r>
-            <a:endParaRPr lang="en-US" sz="2400">
-              <a:latin typeface="Source Code Pro for Powerline" charset="0"/>
-            </a:endParaRPr>
           </a:p>
         </p:txBody>
       </p:sp>
@@ -19245,6 +18809,11 @@
               </a:rPr>
               <a:t>tok表示的是哪一个tok出现错误。</a:t>
             </a:r>
+          </a:p>
+          <a:p>
+            <a:pPr marL="0" indent="0">
+              <a:buNone/>
+            </a:pPr>
             <a:endParaRPr lang="en-US" sz="2400">
               <a:latin typeface="Source Code Pro for Powerline" charset="0"/>
             </a:endParaRPr>
@@ -19253,6 +18822,17 @@
             <a:pPr marL="0" indent="0">
               <a:buNone/>
             </a:pPr>
+            <a:r>
+              <a:rPr lang="en-US" sz="2400">
+                <a:latin typeface="Source Code Pro for Powerline" charset="0"/>
+              </a:rPr>
+              <a:t>severity表示的是报错的严重性类型，比如有none、error、warning、style、performance、portability、information、debug。</a:t>
+            </a:r>
+          </a:p>
+          <a:p>
+            <a:pPr marL="0" indent="0">
+              <a:buNone/>
+            </a:pPr>
             <a:endParaRPr lang="en-US" sz="2400">
               <a:latin typeface="Source Code Pro for Powerline" charset="0"/>
             </a:endParaRPr>
@@ -19265,8 +18845,13 @@
               <a:rPr lang="en-US" sz="2400">
                 <a:latin typeface="Source Code Pro for Powerline" charset="0"/>
               </a:rPr>
-              <a:t>severity表示的是报错的严重性类型，比如有none、error、warning、style、performance、portability、information、debug。</a:t>
-            </a:r>
+              <a:t>参数中的id表示的是要报错的错误类型。</a:t>
+            </a:r>
+          </a:p>
+          <a:p>
+            <a:pPr marL="0" indent="0">
+              <a:buNone/>
+            </a:pPr>
             <a:endParaRPr lang="en-US" sz="2400">
               <a:latin typeface="Source Code Pro for Powerline" charset="0"/>
             </a:endParaRPr>
@@ -19275,6 +18860,17 @@
             <a:pPr marL="0" indent="0">
               <a:buNone/>
             </a:pPr>
+            <a:r>
+              <a:rPr lang="en-US" sz="2400">
+                <a:latin typeface="Source Code Pro for Powerline" charset="0"/>
+              </a:rPr>
+              <a:t>参数中的msg表示的是具体要报错的信息。</a:t>
+            </a:r>
+          </a:p>
+          <a:p>
+            <a:pPr marL="0" indent="0">
+              <a:buNone/>
+            </a:pPr>
             <a:endParaRPr lang="en-US" sz="2400">
               <a:latin typeface="Source Code Pro for Powerline" charset="0"/>
             </a:endParaRPr>
@@ -19287,55 +18883,8 @@
               <a:rPr lang="en-US" sz="2400">
                 <a:latin typeface="Source Code Pro for Powerline" charset="0"/>
               </a:rPr>
-              <a:t>参数中的id表示的是要报错的错误类型。</a:t>
-            </a:r>
-            <a:endParaRPr lang="en-US" sz="2400">
-              <a:latin typeface="Source Code Pro for Powerline" charset="0"/>
-            </a:endParaRPr>
-          </a:p>
-          <a:p>
-            <a:pPr marL="0" indent="0">
-              <a:buNone/>
-            </a:pPr>
-            <a:endParaRPr lang="en-US" sz="2400">
-              <a:latin typeface="Source Code Pro for Powerline" charset="0"/>
-            </a:endParaRPr>
-          </a:p>
-          <a:p>
-            <a:pPr marL="0" indent="0">
-              <a:buNone/>
-            </a:pPr>
-            <a:r>
-              <a:rPr lang="en-US" sz="2400">
-                <a:latin typeface="Source Code Pro for Powerline" charset="0"/>
-              </a:rPr>
-              <a:t>参数中的msg表示的是具体要报错的信息。</a:t>
-            </a:r>
-            <a:endParaRPr lang="en-US" sz="2400">
-              <a:latin typeface="Source Code Pro for Powerline" charset="0"/>
-            </a:endParaRPr>
-          </a:p>
-          <a:p>
-            <a:pPr marL="0" indent="0">
-              <a:buNone/>
-            </a:pPr>
-            <a:endParaRPr lang="en-US" sz="2400">
-              <a:latin typeface="Source Code Pro for Powerline" charset="0"/>
-            </a:endParaRPr>
-          </a:p>
-          <a:p>
-            <a:pPr marL="0" indent="0">
-              <a:buNone/>
-            </a:pPr>
-            <a:r>
-              <a:rPr lang="en-US" sz="2400">
-                <a:latin typeface="Source Code Pro for Powerline" charset="0"/>
-              </a:rPr>
               <a:t>callstack是得到出错的那个tok。</a:t>
             </a:r>
-            <a:endParaRPr lang="en-US" sz="2400">
-              <a:latin typeface="Source Code Pro for Powerline" charset="0"/>
-            </a:endParaRPr>
           </a:p>
         </p:txBody>
       </p:sp>
@@ -19388,11 +18937,6 @@
               </a:rPr>
               <a:t>ErrorLogger类</a:t>
             </a:r>
-            <a:endParaRPr lang="en-US">
-              <a:latin typeface="WenQuanYi Micro Hei" charset="0"/>
-              <a:ea typeface="WenQuanYi Micro Hei" charset="0"/>
-              <a:sym typeface="+mn-ea"/>
-            </a:endParaRPr>
           </a:p>
         </p:txBody>
       </p:sp>
@@ -19425,9 +18969,6 @@
               </a:rPr>
               <a:t>类中定义的FileLocation()函数会自动报告错误所在的文件以及所在的行数。</a:t>
             </a:r>
-            <a:endParaRPr lang="en-US" sz="2800">
-              <a:latin typeface="Source Code Pro for Powerline" charset="0"/>
-            </a:endParaRPr>
           </a:p>
         </p:txBody>
       </p:sp>
@@ -19440,7 +18981,7 @@
           <p:nvPr/>
         </p:nvPicPr>
         <p:blipFill>
-          <a:blip r:embed="rId1"/>
+          <a:blip r:embed="rId3"/>
           <a:stretch>
             <a:fillRect/>
           </a:stretch>
@@ -19475,12 +19016,12 @@
           <a:bodyPr wrap="square" rtlCol="0">
             <a:spAutoFit/>
           </a:bodyPr>
+          <a:lstStyle/>
           <a:p>
             <a:r>
               <a:rPr lang="en-US" sz="2400"/>
               <a:t>例如这个报错，就表示是一个warning，然后错误类型是“不良的位操作符检测”，然后后面的一长串字符串就是报告的具体的错误信息。</a:t>
             </a:r>
-            <a:endParaRPr lang="en-US" sz="2400"/>
           </a:p>
         </p:txBody>
       </p:sp>
@@ -19544,10 +19085,6 @@
               </a:rPr>
               <a:t>类</a:t>
             </a:r>
-            <a:endParaRPr lang="en-US" sz="5400">
-              <a:latin typeface="WenQuanYi Micro Hei" charset="0"/>
-              <a:ea typeface="WenQuanYi Micro Hei" charset="0"/>
-            </a:endParaRPr>
           </a:p>
         </p:txBody>
       </p:sp>
@@ -19568,7 +19105,14 @@
         <p:cNvGrpSpPr/>
         <p:nvPr/>
       </p:nvGrpSpPr>
-      <p:grpSpPr/>
+      <p:grpSpPr>
+        <a:xfrm>
+          <a:off x="0" y="0"/>
+          <a:ext cx="0" cy="0"/>
+          <a:chOff x="0" y="0"/>
+          <a:chExt cx="0" cy="0"/>
+        </a:xfrm>
+      </p:grpSpPr>
       <p:pic>
         <p:nvPicPr>
           <p:cNvPr id="4" name="Picture 3"/>
@@ -19578,7 +19122,7 @@
           <p:nvPr/>
         </p:nvPicPr>
         <p:blipFill>
-          <a:blip r:embed="rId1"/>
+          <a:blip r:embed="rId2"/>
           <a:stretch>
             <a:fillRect/>
           </a:stretch>
@@ -19672,6 +19216,7 @@
         </p:spPr>
         <p:txBody>
           <a:bodyPr/>
+          <a:lstStyle/>
           <a:p>
             <a:pPr marL="0" indent="0">
               <a:buNone/>
@@ -19683,6 +19228,59 @@
               </a:rPr>
               <a:t>	由于每次打开后GUI设置都会自动存储，因此本地一定存在一个设置文件，经过搜索，发现在我的系统下~/.config/CppCheck/目录下存在系统自动导出的文件。</a:t>
             </a:r>
+          </a:p>
+          <a:p>
+            <a:pPr marL="0" indent="0">
+              <a:buNone/>
+            </a:pPr>
+            <a:r>
+              <a:rPr lang="x-none" sz="2400">
+                <a:latin typeface="WenQuanYi Micro Hei" charset="0"/>
+                <a:ea typeface="WenQuanYi Micro Hei" charset="0"/>
+              </a:rPr>
+              <a:t>	</a:t>
+            </a:r>
+          </a:p>
+          <a:p>
+            <a:pPr marL="0" indent="0">
+              <a:buNone/>
+            </a:pPr>
+            <a:r>
+              <a:rPr lang="x-none" sz="2400">
+                <a:latin typeface="WenQuanYi Micro Hei" charset="0"/>
+                <a:ea typeface="WenQuanYi Micro Hei" charset="0"/>
+              </a:rPr>
+              <a:t>	因此，我在思考能不能继承一个导出函数然后重写其保存路径来达到导出设置到指定目录的目的！</a:t>
+            </a:r>
+          </a:p>
+          <a:p>
+            <a:pPr marL="0" indent="0">
+              <a:buNone/>
+            </a:pPr>
+            <a:r>
+              <a:rPr lang="x-none" sz="2400">
+                <a:latin typeface="WenQuanYi Micro Hei" charset="0"/>
+                <a:ea typeface="WenQuanYi Micro Hei" charset="0"/>
+              </a:rPr>
+              <a:t>	由此我锁定到了Main.cpp下的设置变量：</a:t>
+            </a:r>
+          </a:p>
+          <a:p>
+            <a:pPr marL="0" indent="0">
+              <a:buNone/>
+            </a:pPr>
+            <a:r>
+              <a:rPr lang="x-none" sz="2400">
+                <a:latin typeface="WenQuanYi Micro Hei" charset="0"/>
+                <a:ea typeface="WenQuanYi Micro Hei" charset="0"/>
+              </a:rPr>
+              <a:t>QSettings* settings = new QSettings("Cppcheck", "Cppcheck-GUI", &amp;app);</a:t>
+            </a:r>
+          </a:p>
+          <a:p>
+            <a:pPr marL="0" indent="0">
+              <a:buNone/>
+            </a:pPr>
             <a:endParaRPr lang="x-none" sz="2400">
               <a:latin typeface="WenQuanYi Micro Hei" charset="0"/>
               <a:ea typeface="WenQuanYi Micro Hei" charset="0"/>
@@ -19697,85 +19295,8 @@
                 <a:latin typeface="WenQuanYi Micro Hei" charset="0"/>
                 <a:ea typeface="WenQuanYi Micro Hei" charset="0"/>
               </a:rPr>
-              <a:t>	</a:t>
-            </a:r>
-            <a:endParaRPr lang="x-none" sz="2400">
-              <a:latin typeface="WenQuanYi Micro Hei" charset="0"/>
-              <a:ea typeface="WenQuanYi Micro Hei" charset="0"/>
-            </a:endParaRPr>
-          </a:p>
-          <a:p>
-            <a:pPr marL="0" indent="0">
-              <a:buNone/>
-            </a:pPr>
-            <a:r>
-              <a:rPr lang="x-none" sz="2400">
-                <a:latin typeface="WenQuanYi Micro Hei" charset="0"/>
-                <a:ea typeface="WenQuanYi Micro Hei" charset="0"/>
-              </a:rPr>
-              <a:t>	因此，我在思考能不能继承一个导出函数然后重写其保存路径来达到导出设置到指定目录的目的！</a:t>
-            </a:r>
-            <a:endParaRPr lang="x-none" sz="2400">
-              <a:latin typeface="WenQuanYi Micro Hei" charset="0"/>
-              <a:ea typeface="WenQuanYi Micro Hei" charset="0"/>
-            </a:endParaRPr>
-          </a:p>
-          <a:p>
-            <a:pPr marL="0" indent="0">
-              <a:buNone/>
-            </a:pPr>
-            <a:r>
-              <a:rPr lang="x-none" sz="2400">
-                <a:latin typeface="WenQuanYi Micro Hei" charset="0"/>
-                <a:ea typeface="WenQuanYi Micro Hei" charset="0"/>
-              </a:rPr>
-              <a:t>	由此我锁定到了Main.cpp下的设置变量：</a:t>
-            </a:r>
-            <a:endParaRPr lang="x-none" sz="2400">
-              <a:latin typeface="WenQuanYi Micro Hei" charset="0"/>
-              <a:ea typeface="WenQuanYi Micro Hei" charset="0"/>
-            </a:endParaRPr>
-          </a:p>
-          <a:p>
-            <a:pPr marL="0" indent="0">
-              <a:buNone/>
-            </a:pPr>
-            <a:r>
-              <a:rPr lang="x-none" sz="2400">
-                <a:latin typeface="WenQuanYi Micro Hei" charset="0"/>
-                <a:ea typeface="WenQuanYi Micro Hei" charset="0"/>
-              </a:rPr>
-              <a:t>QSettings* settings = new QSettings("Cppcheck", "Cppcheck-GUI", &amp;app);</a:t>
-            </a:r>
-            <a:endParaRPr lang="x-none" sz="2400">
-              <a:latin typeface="WenQuanYi Micro Hei" charset="0"/>
-              <a:ea typeface="WenQuanYi Micro Hei" charset="0"/>
-            </a:endParaRPr>
-          </a:p>
-          <a:p>
-            <a:pPr marL="0" indent="0">
-              <a:buNone/>
-            </a:pPr>
-            <a:endParaRPr lang="x-none" sz="2400">
-              <a:latin typeface="WenQuanYi Micro Hei" charset="0"/>
-              <a:ea typeface="WenQuanYi Micro Hei" charset="0"/>
-            </a:endParaRPr>
-          </a:p>
-          <a:p>
-            <a:pPr marL="0" indent="0">
-              <a:buNone/>
-            </a:pPr>
-            <a:r>
-              <a:rPr lang="x-none" sz="2400">
-                <a:latin typeface="WenQuanYi Micro Hei" charset="0"/>
-                <a:ea typeface="WenQuanYi Micro Hei" charset="0"/>
-              </a:rPr>
               <a:t>	经过官方文档查询，很悲剧地发现这是QT预置的保存方法，它会保存到系统指定路径，因此无法对路径进行重写。</a:t>
             </a:r>
-            <a:endParaRPr lang="x-none" sz="2400">
-              <a:latin typeface="WenQuanYi Micro Hei" charset="0"/>
-              <a:ea typeface="WenQuanYi Micro Hei" charset="0"/>
-            </a:endParaRPr>
           </a:p>
         </p:txBody>
       </p:sp>
@@ -19796,7 +19317,14 @@
         <p:cNvGrpSpPr/>
         <p:nvPr/>
       </p:nvGrpSpPr>
-      <p:grpSpPr/>
+      <p:grpSpPr>
+        <a:xfrm>
+          <a:off x="0" y="0"/>
+          <a:ext cx="0" cy="0"/>
+          <a:chOff x="0" y="0"/>
+          <a:chExt cx="0" cy="0"/>
+        </a:xfrm>
+      </p:grpSpPr>
       <p:pic>
         <p:nvPicPr>
           <p:cNvPr id="4" name="Picture 3"/>
@@ -19806,7 +19334,7 @@
           <p:nvPr/>
         </p:nvPicPr>
         <p:blipFill>
-          <a:blip r:embed="rId1"/>
+          <a:blip r:embed="rId2"/>
           <a:stretch>
             <a:fillRect/>
           </a:stretch>
@@ -19838,7 +19366,14 @@
         <p:cNvGrpSpPr/>
         <p:nvPr/>
       </p:nvGrpSpPr>
-      <p:grpSpPr/>
+      <p:grpSpPr>
+        <a:xfrm>
+          <a:off x="0" y="0"/>
+          <a:ext cx="0" cy="0"/>
+          <a:chOff x="0" y="0"/>
+          <a:chExt cx="0" cy="0"/>
+        </a:xfrm>
+      </p:grpSpPr>
       <p:pic>
         <p:nvPicPr>
           <p:cNvPr id="2" name="Picture 1"/>
@@ -19848,7 +19383,7 @@
           <p:nvPr/>
         </p:nvPicPr>
         <p:blipFill>
-          <a:blip r:embed="rId1"/>
+          <a:blip r:embed="rId2"/>
           <a:stretch>
             <a:fillRect/>
           </a:stretch>
@@ -19880,7 +19415,14 @@
         <p:cNvGrpSpPr/>
         <p:nvPr/>
       </p:nvGrpSpPr>
-      <p:grpSpPr/>
+      <p:grpSpPr>
+        <a:xfrm>
+          <a:off x="0" y="0"/>
+          <a:ext cx="0" cy="0"/>
+          <a:chOff x="0" y="0"/>
+          <a:chExt cx="0" cy="0"/>
+        </a:xfrm>
+      </p:grpSpPr>
       <p:pic>
         <p:nvPicPr>
           <p:cNvPr id="2" name="Picture 1"/>
@@ -19890,7 +19432,7 @@
           <p:nvPr/>
         </p:nvPicPr>
         <p:blipFill>
-          <a:blip r:embed="rId1"/>
+          <a:blip r:embed="rId2"/>
           <a:stretch>
             <a:fillRect/>
           </a:stretch>
@@ -19922,7 +19464,14 @@
         <p:cNvGrpSpPr/>
         <p:nvPr/>
       </p:nvGrpSpPr>
-      <p:grpSpPr/>
+      <p:grpSpPr>
+        <a:xfrm>
+          <a:off x="0" y="0"/>
+          <a:ext cx="0" cy="0"/>
+          <a:chOff x="0" y="0"/>
+          <a:chExt cx="0" cy="0"/>
+        </a:xfrm>
+      </p:grpSpPr>
       <p:pic>
         <p:nvPicPr>
           <p:cNvPr id="2" name="Picture 1"/>
@@ -19932,7 +19481,7 @@
           <p:nvPr/>
         </p:nvPicPr>
         <p:blipFill>
-          <a:blip r:embed="rId1"/>
+          <a:blip r:embed="rId2"/>
           <a:stretch>
             <a:fillRect/>
           </a:stretch>
@@ -19964,7 +19513,14 @@
         <p:cNvGrpSpPr/>
         <p:nvPr/>
       </p:nvGrpSpPr>
-      <p:grpSpPr/>
+      <p:grpSpPr>
+        <a:xfrm>
+          <a:off x="0" y="0"/>
+          <a:ext cx="0" cy="0"/>
+          <a:chOff x="0" y="0"/>
+          <a:chExt cx="0" cy="0"/>
+        </a:xfrm>
+      </p:grpSpPr>
       <p:pic>
         <p:nvPicPr>
           <p:cNvPr id="2" name="Picture 1"/>
@@ -19974,7 +19530,7 @@
           <p:nvPr/>
         </p:nvPicPr>
         <p:blipFill>
-          <a:blip r:embed="rId1"/>
+          <a:blip r:embed="rId2"/>
           <a:stretch>
             <a:fillRect/>
           </a:stretch>
@@ -20006,7 +19562,14 @@
         <p:cNvGrpSpPr/>
         <p:nvPr/>
       </p:nvGrpSpPr>
-      <p:grpSpPr/>
+      <p:grpSpPr>
+        <a:xfrm>
+          <a:off x="0" y="0"/>
+          <a:ext cx="0" cy="0"/>
+          <a:chOff x="0" y="0"/>
+          <a:chExt cx="0" cy="0"/>
+        </a:xfrm>
+      </p:grpSpPr>
       <p:pic>
         <p:nvPicPr>
           <p:cNvPr id="4" name="Picture 3"/>
@@ -20016,7 +19579,7 @@
           <p:nvPr/>
         </p:nvPicPr>
         <p:blipFill>
-          <a:blip r:embed="rId1"/>
+          <a:blip r:embed="rId2"/>
           <a:stretch>
             <a:fillRect/>
           </a:stretch>
@@ -20048,7 +19611,14 @@
         <p:cNvGrpSpPr/>
         <p:nvPr/>
       </p:nvGrpSpPr>
-      <p:grpSpPr/>
+      <p:grpSpPr>
+        <a:xfrm>
+          <a:off x="0" y="0"/>
+          <a:ext cx="0" cy="0"/>
+          <a:chOff x="0" y="0"/>
+          <a:chExt cx="0" cy="0"/>
+        </a:xfrm>
+      </p:grpSpPr>
       <p:pic>
         <p:nvPicPr>
           <p:cNvPr id="2" name="Picture 1"/>
@@ -20058,7 +19628,7 @@
           <p:nvPr/>
         </p:nvPicPr>
         <p:blipFill>
-          <a:blip r:embed="rId1"/>
+          <a:blip r:embed="rId2"/>
           <a:stretch>
             <a:fillRect/>
           </a:stretch>
@@ -20090,7 +19660,14 @@
         <p:cNvGrpSpPr/>
         <p:nvPr/>
       </p:nvGrpSpPr>
-      <p:grpSpPr/>
+      <p:grpSpPr>
+        <a:xfrm>
+          <a:off x="0" y="0"/>
+          <a:ext cx="0" cy="0"/>
+          <a:chOff x="0" y="0"/>
+          <a:chExt cx="0" cy="0"/>
+        </a:xfrm>
+      </p:grpSpPr>
       <p:pic>
         <p:nvPicPr>
           <p:cNvPr id="3" name="Picture 2"/>
@@ -20100,7 +19677,7 @@
           <p:nvPr/>
         </p:nvPicPr>
         <p:blipFill>
-          <a:blip r:embed="rId1"/>
+          <a:blip r:embed="rId2"/>
           <a:stretch>
             <a:fillRect/>
           </a:stretch>
@@ -20132,7 +19709,14 @@
         <p:cNvGrpSpPr/>
         <p:nvPr/>
       </p:nvGrpSpPr>
-      <p:grpSpPr/>
+      <p:grpSpPr>
+        <a:xfrm>
+          <a:off x="0" y="0"/>
+          <a:ext cx="0" cy="0"/>
+          <a:chOff x="0" y="0"/>
+          <a:chExt cx="0" cy="0"/>
+        </a:xfrm>
+      </p:grpSpPr>
       <p:pic>
         <p:nvPicPr>
           <p:cNvPr id="3" name="Picture 2"/>
@@ -20142,7 +19726,7 @@
           <p:nvPr/>
         </p:nvPicPr>
         <p:blipFill>
-          <a:blip r:embed="rId1"/>
+          <a:blip r:embed="rId2"/>
           <a:stretch>
             <a:fillRect/>
           </a:stretch>
@@ -20174,7 +19758,14 @@
         <p:cNvGrpSpPr/>
         <p:nvPr/>
       </p:nvGrpSpPr>
-      <p:grpSpPr/>
+      <p:grpSpPr>
+        <a:xfrm>
+          <a:off x="0" y="0"/>
+          <a:ext cx="0" cy="0"/>
+          <a:chOff x="0" y="0"/>
+          <a:chExt cx="0" cy="0"/>
+        </a:xfrm>
+      </p:grpSpPr>
       <p:pic>
         <p:nvPicPr>
           <p:cNvPr id="4" name="Picture 3"/>
@@ -20184,7 +19775,7 @@
           <p:nvPr/>
         </p:nvPicPr>
         <p:blipFill>
-          <a:blip r:embed="rId1"/>
+          <a:blip r:embed="rId2"/>
           <a:stretch>
             <a:fillRect/>
           </a:stretch>
@@ -20278,6 +19869,7 @@
         </p:spPr>
         <p:txBody>
           <a:bodyPr/>
+          <a:lstStyle/>
           <a:p>
             <a:pPr marL="0" indent="0">
               <a:buNone/>
@@ -20289,6 +19881,47 @@
               </a:rPr>
               <a:t>仔细查看了各个保存的过程发现：</a:t>
             </a:r>
+          </a:p>
+          <a:p>
+            <a:pPr marL="0" indent="0">
+              <a:buNone/>
+            </a:pPr>
+            <a:r>
+              <a:rPr lang="x-none" sz="2400">
+                <a:latin typeface="WenQuanYi Micro Hei" charset="0"/>
+                <a:ea typeface="WenQuanYi Micro Hei" charset="0"/>
+              </a:rPr>
+              <a:t>1. 设置变量存在于：QSettings* settings中</a:t>
+            </a:r>
+          </a:p>
+          <a:p>
+            <a:pPr marL="0" indent="0">
+              <a:buNone/>
+            </a:pPr>
+            <a:r>
+              <a:rPr lang="x-none" sz="2400">
+                <a:latin typeface="WenQuanYi Micro Hei" charset="0"/>
+                <a:ea typeface="WenQuanYi Micro Hei" charset="0"/>
+              </a:rPr>
+              <a:t>2. 使用mSettings-&gt;setValue（）进行设置写入</a:t>
+            </a:r>
+          </a:p>
+          <a:p>
+            <a:pPr marL="0" indent="0">
+              <a:buNone/>
+            </a:pPr>
+            <a:r>
+              <a:rPr lang="x-none" sz="2400">
+                <a:latin typeface="WenQuanYi Micro Hei" charset="0"/>
+                <a:ea typeface="WenQuanYi Micro Hei" charset="0"/>
+              </a:rPr>
+              <a:t>3. 使用mSettings-&gt;value（）进行设置值获取</a:t>
+            </a:r>
+          </a:p>
+          <a:p>
+            <a:pPr marL="0" indent="0">
+              <a:buNone/>
+            </a:pPr>
             <a:endParaRPr lang="x-none" sz="2400">
               <a:latin typeface="WenQuanYi Micro Hei" charset="0"/>
               <a:ea typeface="WenQuanYi Micro Hei" charset="0"/>
@@ -20303,8 +19936,13 @@
                 <a:latin typeface="WenQuanYi Micro Hei" charset="0"/>
                 <a:ea typeface="WenQuanYi Micro Hei" charset="0"/>
               </a:rPr>
-              <a:t>1. 设置变量存在于：QSettings* settings中</a:t>
-            </a:r>
+              <a:t>由此我想是否需要一条条进行写入文本和读出，后考虑到过于复杂，并且多平台间易出错，放弃。</a:t>
+            </a:r>
+          </a:p>
+          <a:p>
+            <a:pPr marL="0" indent="0">
+              <a:buNone/>
+            </a:pPr>
             <a:endParaRPr lang="x-none" sz="2400">
               <a:latin typeface="WenQuanYi Micro Hei" charset="0"/>
               <a:ea typeface="WenQuanYi Micro Hei" charset="0"/>
@@ -20319,78 +19957,8 @@
                 <a:latin typeface="WenQuanYi Micro Hei" charset="0"/>
                 <a:ea typeface="WenQuanYi Micro Hei" charset="0"/>
               </a:rPr>
-              <a:t>2. 使用mSettings-&gt;setValue（）进行设置写入</a:t>
-            </a:r>
-            <a:endParaRPr lang="x-none" sz="2400">
-              <a:latin typeface="WenQuanYi Micro Hei" charset="0"/>
-              <a:ea typeface="WenQuanYi Micro Hei" charset="0"/>
-            </a:endParaRPr>
-          </a:p>
-          <a:p>
-            <a:pPr marL="0" indent="0">
-              <a:buNone/>
-            </a:pPr>
-            <a:r>
-              <a:rPr lang="x-none" sz="2400">
-                <a:latin typeface="WenQuanYi Micro Hei" charset="0"/>
-                <a:ea typeface="WenQuanYi Micro Hei" charset="0"/>
-              </a:rPr>
-              <a:t>3. 使用mSettings-&gt;value（）进行设置值获取</a:t>
-            </a:r>
-            <a:endParaRPr lang="x-none" sz="2400">
-              <a:latin typeface="WenQuanYi Micro Hei" charset="0"/>
-              <a:ea typeface="WenQuanYi Micro Hei" charset="0"/>
-            </a:endParaRPr>
-          </a:p>
-          <a:p>
-            <a:pPr marL="0" indent="0">
-              <a:buNone/>
-            </a:pPr>
-            <a:endParaRPr lang="x-none" sz="2400">
-              <a:latin typeface="WenQuanYi Micro Hei" charset="0"/>
-              <a:ea typeface="WenQuanYi Micro Hei" charset="0"/>
-            </a:endParaRPr>
-          </a:p>
-          <a:p>
-            <a:pPr marL="0" indent="0">
-              <a:buNone/>
-            </a:pPr>
-            <a:r>
-              <a:rPr lang="x-none" sz="2400">
-                <a:latin typeface="WenQuanYi Micro Hei" charset="0"/>
-                <a:ea typeface="WenQuanYi Micro Hei" charset="0"/>
-              </a:rPr>
-              <a:t>由此我想是否需要一条条进行写入文本和读出，后考虑到过于复杂，并且多平台间易出错，放弃。</a:t>
-            </a:r>
-            <a:endParaRPr lang="x-none" sz="2400">
-              <a:latin typeface="WenQuanYi Micro Hei" charset="0"/>
-              <a:ea typeface="WenQuanYi Micro Hei" charset="0"/>
-            </a:endParaRPr>
-          </a:p>
-          <a:p>
-            <a:pPr marL="0" indent="0">
-              <a:buNone/>
-            </a:pPr>
-            <a:endParaRPr lang="x-none" sz="2400">
-              <a:latin typeface="WenQuanYi Micro Hei" charset="0"/>
-              <a:ea typeface="WenQuanYi Micro Hei" charset="0"/>
-            </a:endParaRPr>
-          </a:p>
-          <a:p>
-            <a:pPr marL="0" indent="0">
-              <a:buNone/>
-            </a:pPr>
-            <a:r>
-              <a:rPr lang="x-none" sz="2400">
-                <a:latin typeface="WenQuanYi Micro Hei" charset="0"/>
-                <a:ea typeface="WenQuanYi Micro Hei" charset="0"/>
-              </a:rPr>
               <a:t>这时，我想起既然QT封装了一个设置保存机制，那它的路径应该不会太多，果然，在其函数界面看到下图：</a:t>
             </a:r>
-            <a:endParaRPr lang="x-none" sz="2400">
-              <a:latin typeface="WenQuanYi Micro Hei" charset="0"/>
-              <a:ea typeface="WenQuanYi Micro Hei" charset="0"/>
-            </a:endParaRPr>
           </a:p>
         </p:txBody>
       </p:sp>
@@ -20411,7 +19979,14 @@
         <p:cNvGrpSpPr/>
         <p:nvPr/>
       </p:nvGrpSpPr>
-      <p:grpSpPr/>
+      <p:grpSpPr>
+        <a:xfrm>
+          <a:off x="0" y="0"/>
+          <a:ext cx="0" cy="0"/>
+          <a:chOff x="0" y="0"/>
+          <a:chExt cx="0" cy="0"/>
+        </a:xfrm>
+      </p:grpSpPr>
       <p:pic>
         <p:nvPicPr>
           <p:cNvPr id="4" name="Picture 3"/>
@@ -20421,7 +19996,7 @@
           <p:nvPr/>
         </p:nvPicPr>
         <p:blipFill>
-          <a:blip r:embed="rId1"/>
+          <a:blip r:embed="rId2"/>
           <a:stretch>
             <a:fillRect/>
           </a:stretch>
@@ -20505,7 +20080,7 @@
           <p:nvPr/>
         </p:nvPicPr>
         <p:blipFill>
-          <a:blip r:embed="rId1"/>
+          <a:blip r:embed="rId2"/>
           <a:stretch>
             <a:fillRect/>
           </a:stretch>
